--- a/LectureFiles/cshl/2016/RNASeq_Module3_Tutorial.pptx
+++ b/LectureFiles/cshl/2016/RNASeq_Module3_Tutorial.pptx
@@ -5,15 +5,24 @@
     <p:sldMasterId id="2147483648" r:id="rId1"/>
   </p:sldMasterIdLst>
   <p:notesMasterIdLst>
-    <p:notesMasterId r:id="rId5"/>
+    <p:notesMasterId r:id="rId14"/>
   </p:notesMasterIdLst>
   <p:handoutMasterIdLst>
-    <p:handoutMasterId r:id="rId6"/>
+    <p:handoutMasterId r:id="rId15"/>
   </p:handoutMasterIdLst>
   <p:sldIdLst>
     <p:sldId id="341" r:id="rId2"/>
     <p:sldId id="513" r:id="rId3"/>
-    <p:sldId id="512" r:id="rId4"/>
+    <p:sldId id="514" r:id="rId4"/>
+    <p:sldId id="515" r:id="rId5"/>
+    <p:sldId id="516" r:id="rId6"/>
+    <p:sldId id="517" r:id="rId7"/>
+    <p:sldId id="518" r:id="rId8"/>
+    <p:sldId id="519" r:id="rId9"/>
+    <p:sldId id="520" r:id="rId10"/>
+    <p:sldId id="521" r:id="rId11"/>
+    <p:sldId id="522" r:id="rId12"/>
+    <p:sldId id="512" r:id="rId13"/>
   </p:sldIdLst>
   <p:sldSz cx="9144000" cy="6858000" type="screen4x3"/>
   <p:notesSz cx="7315200" cy="9601200"/>
@@ -144,7 +153,7 @@
   </p:defaultTextStyle>
   <p:extLst>
     <p:ext uri="{EFAFB233-063F-42B5-8137-9DF3F51BA10A}">
-      <p15:sldGuideLst xmlns:p15="http://schemas.microsoft.com/office/powerpoint/2012/main">
+      <p15:sldGuideLst xmlns:p15="http://schemas.microsoft.com/office/powerpoint/2012/main" xmlns="">
         <p15:guide id="1" orient="horz" pos="2160">
           <p15:clr>
             <a:srgbClr val="A4A3A4"/>
@@ -264,7 +273,7 @@
               <a:pPr>
                 <a:defRPr/>
               </a:pPr>
-              <a:t>11/10/16</a:t>
+              <a:t>11/14/16</a:t>
             </a:fld>
             <a:endParaRPr lang="en-US"/>
           </a:p>
@@ -471,7 +480,7 @@
               <a:pPr>
                 <a:defRPr/>
               </a:pPr>
-              <a:t>11/10/16</a:t>
+              <a:t>11/14/16</a:t>
             </a:fld>
             <a:endParaRPr lang="en-US"/>
           </a:p>
@@ -799,6 +808,1845 @@
 </p:notesMaster>
 </file>
 
+<file path=ppt/notesSlides/notesSlide1.xml><?xml version="1.0" encoding="utf-8"?>
+<p:notes xmlns:a="http://schemas.openxmlformats.org/drawingml/2006/main" xmlns:r="http://schemas.openxmlformats.org/officeDocument/2006/relationships" xmlns:p="http://schemas.openxmlformats.org/presentationml/2006/main">
+  <p:cSld>
+    <p:spTree>
+      <p:nvGrpSpPr>
+        <p:cNvPr id="1" name=""/>
+        <p:cNvGrpSpPr/>
+        <p:nvPr/>
+      </p:nvGrpSpPr>
+      <p:grpSpPr>
+        <a:xfrm>
+          <a:off x="0" y="0"/>
+          <a:ext cx="0" cy="0"/>
+          <a:chOff x="0" y="0"/>
+          <a:chExt cx="0" cy="0"/>
+        </a:xfrm>
+      </p:grpSpPr>
+      <p:sp>
+        <p:nvSpPr>
+          <p:cNvPr id="16385" name="Rectangle 7"/>
+          <p:cNvSpPr>
+            <a:spLocks noGrp="1" noChangeArrowheads="1"/>
+          </p:cNvSpPr>
+          <p:nvPr>
+            <p:ph type="sldNum" sz="quarter" idx="5"/>
+          </p:nvPr>
+        </p:nvSpPr>
+        <p:spPr bwMode="auto">
+          <a:noFill/>
+          <a:extLst>
+            <a:ext uri="{909E8E84-426E-40dd-AFC4-6F175D3DCCD1}">
+              <a14:hiddenFill xmlns:a14="http://schemas.microsoft.com/office/drawing/2010/main">
+                <a:solidFill>
+                  <a:srgbClr val="FFFFFF"/>
+                </a:solidFill>
+              </a14:hiddenFill>
+            </a:ext>
+            <a:ext uri="{91240B29-F687-4f45-9708-019B960494DF}">
+              <a14:hiddenLine xmlns:a14="http://schemas.microsoft.com/office/drawing/2010/main" w="9525">
+                <a:solidFill>
+                  <a:srgbClr val="000000"/>
+                </a:solidFill>
+                <a:miter lim="800000"/>
+                <a:headEnd/>
+                <a:tailEnd/>
+              </a14:hiddenLine>
+            </a:ext>
+          </a:extLst>
+        </p:spPr>
+        <p:txBody>
+          <a:bodyPr/>
+          <a:lstStyle>
+            <a:lvl1pPr eaLnBrk="0" hangingPunct="0">
+              <a:defRPr sz="2400">
+                <a:solidFill>
+                  <a:schemeClr val="tx1"/>
+                </a:solidFill>
+                <a:latin typeface="Arial" charset="0"/>
+                <a:ea typeface="ＭＳ Ｐゴシック" charset="0"/>
+                <a:cs typeface="ＭＳ Ｐゴシック" charset="0"/>
+              </a:defRPr>
+            </a:lvl1pPr>
+            <a:lvl2pPr marL="742950" indent="-285750" eaLnBrk="0" hangingPunct="0">
+              <a:defRPr sz="2400">
+                <a:solidFill>
+                  <a:schemeClr val="tx1"/>
+                </a:solidFill>
+                <a:latin typeface="Arial" charset="0"/>
+                <a:ea typeface="ＭＳ Ｐゴシック" charset="0"/>
+              </a:defRPr>
+            </a:lvl2pPr>
+            <a:lvl3pPr marL="1143000" indent="-228600" eaLnBrk="0" hangingPunct="0">
+              <a:defRPr sz="2400">
+                <a:solidFill>
+                  <a:schemeClr val="tx1"/>
+                </a:solidFill>
+                <a:latin typeface="Arial" charset="0"/>
+                <a:ea typeface="ＭＳ Ｐゴシック" charset="0"/>
+              </a:defRPr>
+            </a:lvl3pPr>
+            <a:lvl4pPr marL="1600200" indent="-228600" eaLnBrk="0" hangingPunct="0">
+              <a:defRPr sz="2400">
+                <a:solidFill>
+                  <a:schemeClr val="tx1"/>
+                </a:solidFill>
+                <a:latin typeface="Arial" charset="0"/>
+                <a:ea typeface="ＭＳ Ｐゴシック" charset="0"/>
+              </a:defRPr>
+            </a:lvl4pPr>
+            <a:lvl5pPr marL="2057400" indent="-228600" eaLnBrk="0" hangingPunct="0">
+              <a:defRPr sz="2400">
+                <a:solidFill>
+                  <a:schemeClr val="tx1"/>
+                </a:solidFill>
+                <a:latin typeface="Arial" charset="0"/>
+                <a:ea typeface="ＭＳ Ｐゴシック" charset="0"/>
+              </a:defRPr>
+            </a:lvl5pPr>
+            <a:lvl6pPr marL="2514600" indent="-228600" eaLnBrk="0" fontAlgn="base" hangingPunct="0">
+              <a:spcBef>
+                <a:spcPct val="0"/>
+              </a:spcBef>
+              <a:spcAft>
+                <a:spcPct val="0"/>
+              </a:spcAft>
+              <a:defRPr sz="2400">
+                <a:solidFill>
+                  <a:schemeClr val="tx1"/>
+                </a:solidFill>
+                <a:latin typeface="Arial" charset="0"/>
+                <a:ea typeface="ＭＳ Ｐゴシック" charset="0"/>
+              </a:defRPr>
+            </a:lvl6pPr>
+            <a:lvl7pPr marL="2971800" indent="-228600" eaLnBrk="0" fontAlgn="base" hangingPunct="0">
+              <a:spcBef>
+                <a:spcPct val="0"/>
+              </a:spcBef>
+              <a:spcAft>
+                <a:spcPct val="0"/>
+              </a:spcAft>
+              <a:defRPr sz="2400">
+                <a:solidFill>
+                  <a:schemeClr val="tx1"/>
+                </a:solidFill>
+                <a:latin typeface="Arial" charset="0"/>
+                <a:ea typeface="ＭＳ Ｐゴシック" charset="0"/>
+              </a:defRPr>
+            </a:lvl7pPr>
+            <a:lvl8pPr marL="3429000" indent="-228600" eaLnBrk="0" fontAlgn="base" hangingPunct="0">
+              <a:spcBef>
+                <a:spcPct val="0"/>
+              </a:spcBef>
+              <a:spcAft>
+                <a:spcPct val="0"/>
+              </a:spcAft>
+              <a:defRPr sz="2400">
+                <a:solidFill>
+                  <a:schemeClr val="tx1"/>
+                </a:solidFill>
+                <a:latin typeface="Arial" charset="0"/>
+                <a:ea typeface="ＭＳ Ｐゴシック" charset="0"/>
+              </a:defRPr>
+            </a:lvl8pPr>
+            <a:lvl9pPr marL="3886200" indent="-228600" eaLnBrk="0" fontAlgn="base" hangingPunct="0">
+              <a:spcBef>
+                <a:spcPct val="0"/>
+              </a:spcBef>
+              <a:spcAft>
+                <a:spcPct val="0"/>
+              </a:spcAft>
+              <a:defRPr sz="2400">
+                <a:solidFill>
+                  <a:schemeClr val="tx1"/>
+                </a:solidFill>
+                <a:latin typeface="Arial" charset="0"/>
+                <a:ea typeface="ＭＳ Ｐゴシック" charset="0"/>
+              </a:defRPr>
+            </a:lvl9pPr>
+          </a:lstStyle>
+          <a:p>
+            <a:pPr eaLnBrk="1" hangingPunct="1"/>
+            <a:fld id="{EA35BC24-D481-3E4E-87EB-03E08E404FBF}" type="slidenum">
+              <a:rPr lang="en-US" sz="1300">
+                <a:latin typeface="Calibri" charset="0"/>
+              </a:rPr>
+              <a:pPr eaLnBrk="1" hangingPunct="1"/>
+              <a:t>3</a:t>
+            </a:fld>
+            <a:endParaRPr lang="en-US" sz="1300">
+              <a:latin typeface="Calibri" charset="0"/>
+            </a:endParaRPr>
+          </a:p>
+        </p:txBody>
+      </p:sp>
+      <p:sp>
+        <p:nvSpPr>
+          <p:cNvPr id="16386" name="Rectangle 2"/>
+          <p:cNvSpPr>
+            <a:spLocks noGrp="1" noRot="1" noChangeAspect="1" noChangeArrowheads="1" noTextEdit="1"/>
+          </p:cNvSpPr>
+          <p:nvPr>
+            <p:ph type="sldImg"/>
+          </p:nvPr>
+        </p:nvSpPr>
+        <p:spPr bwMode="auto">
+          <a:solidFill>
+            <a:srgbClr val="FFFFFF"/>
+          </a:solidFill>
+          <a:ln>
+            <a:solidFill>
+              <a:srgbClr val="000000"/>
+            </a:solidFill>
+            <a:miter lim="800000"/>
+            <a:headEnd/>
+            <a:tailEnd/>
+          </a:ln>
+          <a:extLst>
+            <a:ext uri="{FAA26D3D-D897-4be2-8F04-BA451C77F1D7}">
+              <ma14:placeholderFlag xmlns:ma14="http://schemas.microsoft.com/office/mac/drawingml/2011/main" val="1"/>
+            </a:ext>
+          </a:extLst>
+        </p:spPr>
+      </p:sp>
+      <p:sp>
+        <p:nvSpPr>
+          <p:cNvPr id="16387" name="Rectangle 3"/>
+          <p:cNvSpPr>
+            <a:spLocks noGrp="1" noChangeArrowheads="1"/>
+          </p:cNvSpPr>
+          <p:nvPr>
+            <p:ph type="body" idx="1"/>
+          </p:nvPr>
+        </p:nvSpPr>
+        <p:spPr bwMode="auto">
+          <a:solidFill>
+            <a:srgbClr val="FFFFFF"/>
+          </a:solidFill>
+          <a:ln>
+            <a:solidFill>
+              <a:srgbClr val="000000"/>
+            </a:solidFill>
+            <a:miter lim="800000"/>
+            <a:headEnd/>
+            <a:tailEnd/>
+          </a:ln>
+          <a:extLst>
+            <a:ext uri="{FAA26D3D-D897-4be2-8F04-BA451C77F1D7}">
+              <ma14:placeholderFlag xmlns:ma14="http://schemas.microsoft.com/office/mac/drawingml/2011/main" val="1"/>
+            </a:ext>
+          </a:extLst>
+        </p:spPr>
+        <p:txBody>
+          <a:bodyPr wrap="square" numCol="1" anchor="t" anchorCtr="0" compatLnSpc="1">
+            <a:prstTxWarp prst="textNoShape">
+              <a:avLst/>
+            </a:prstTxWarp>
+          </a:bodyPr>
+          <a:lstStyle/>
+          <a:p>
+            <a:pPr eaLnBrk="1" hangingPunct="1"/>
+            <a:endParaRPr lang="en-US">
+              <a:latin typeface="Calibri" charset="0"/>
+              <a:ea typeface="ＭＳ Ｐゴシック" charset="0"/>
+              <a:cs typeface="ＭＳ Ｐゴシック" charset="0"/>
+            </a:endParaRPr>
+          </a:p>
+        </p:txBody>
+      </p:sp>
+    </p:spTree>
+  </p:cSld>
+  <p:clrMapOvr>
+    <a:masterClrMapping/>
+  </p:clrMapOvr>
+</p:notes>
+</file>
+
+<file path=ppt/notesSlides/notesSlide2.xml><?xml version="1.0" encoding="utf-8"?>
+<p:notes xmlns:a="http://schemas.openxmlformats.org/drawingml/2006/main" xmlns:r="http://schemas.openxmlformats.org/officeDocument/2006/relationships" xmlns:p="http://schemas.openxmlformats.org/presentationml/2006/main">
+  <p:cSld>
+    <p:spTree>
+      <p:nvGrpSpPr>
+        <p:cNvPr id="1" name=""/>
+        <p:cNvGrpSpPr/>
+        <p:nvPr/>
+      </p:nvGrpSpPr>
+      <p:grpSpPr>
+        <a:xfrm>
+          <a:off x="0" y="0"/>
+          <a:ext cx="0" cy="0"/>
+          <a:chOff x="0" y="0"/>
+          <a:chExt cx="0" cy="0"/>
+        </a:xfrm>
+      </p:grpSpPr>
+      <p:sp>
+        <p:nvSpPr>
+          <p:cNvPr id="20481" name="Rectangle 7"/>
+          <p:cNvSpPr>
+            <a:spLocks noGrp="1" noChangeArrowheads="1"/>
+          </p:cNvSpPr>
+          <p:nvPr>
+            <p:ph type="sldNum" sz="quarter" idx="5"/>
+          </p:nvPr>
+        </p:nvSpPr>
+        <p:spPr bwMode="auto">
+          <a:noFill/>
+          <a:extLst>
+            <a:ext uri="{909E8E84-426E-40dd-AFC4-6F175D3DCCD1}">
+              <a14:hiddenFill xmlns:a14="http://schemas.microsoft.com/office/drawing/2010/main">
+                <a:solidFill>
+                  <a:srgbClr val="FFFFFF"/>
+                </a:solidFill>
+              </a14:hiddenFill>
+            </a:ext>
+            <a:ext uri="{91240B29-F687-4f45-9708-019B960494DF}">
+              <a14:hiddenLine xmlns:a14="http://schemas.microsoft.com/office/drawing/2010/main" w="9525">
+                <a:solidFill>
+                  <a:srgbClr val="000000"/>
+                </a:solidFill>
+                <a:miter lim="800000"/>
+                <a:headEnd/>
+                <a:tailEnd/>
+              </a14:hiddenLine>
+            </a:ext>
+          </a:extLst>
+        </p:spPr>
+        <p:txBody>
+          <a:bodyPr/>
+          <a:lstStyle>
+            <a:lvl1pPr eaLnBrk="0" hangingPunct="0">
+              <a:defRPr sz="2400">
+                <a:solidFill>
+                  <a:schemeClr val="tx1"/>
+                </a:solidFill>
+                <a:latin typeface="Arial" charset="0"/>
+                <a:ea typeface="ＭＳ Ｐゴシック" charset="0"/>
+                <a:cs typeface="ＭＳ Ｐゴシック" charset="0"/>
+              </a:defRPr>
+            </a:lvl1pPr>
+            <a:lvl2pPr marL="742950" indent="-285750" eaLnBrk="0" hangingPunct="0">
+              <a:defRPr sz="2400">
+                <a:solidFill>
+                  <a:schemeClr val="tx1"/>
+                </a:solidFill>
+                <a:latin typeface="Arial" charset="0"/>
+                <a:ea typeface="ＭＳ Ｐゴシック" charset="0"/>
+              </a:defRPr>
+            </a:lvl2pPr>
+            <a:lvl3pPr marL="1143000" indent="-228600" eaLnBrk="0" hangingPunct="0">
+              <a:defRPr sz="2400">
+                <a:solidFill>
+                  <a:schemeClr val="tx1"/>
+                </a:solidFill>
+                <a:latin typeface="Arial" charset="0"/>
+                <a:ea typeface="ＭＳ Ｐゴシック" charset="0"/>
+              </a:defRPr>
+            </a:lvl3pPr>
+            <a:lvl4pPr marL="1600200" indent="-228600" eaLnBrk="0" hangingPunct="0">
+              <a:defRPr sz="2400">
+                <a:solidFill>
+                  <a:schemeClr val="tx1"/>
+                </a:solidFill>
+                <a:latin typeface="Arial" charset="0"/>
+                <a:ea typeface="ＭＳ Ｐゴシック" charset="0"/>
+              </a:defRPr>
+            </a:lvl4pPr>
+            <a:lvl5pPr marL="2057400" indent="-228600" eaLnBrk="0" hangingPunct="0">
+              <a:defRPr sz="2400">
+                <a:solidFill>
+                  <a:schemeClr val="tx1"/>
+                </a:solidFill>
+                <a:latin typeface="Arial" charset="0"/>
+                <a:ea typeface="ＭＳ Ｐゴシック" charset="0"/>
+              </a:defRPr>
+            </a:lvl5pPr>
+            <a:lvl6pPr marL="2514600" indent="-228600" eaLnBrk="0" fontAlgn="base" hangingPunct="0">
+              <a:spcBef>
+                <a:spcPct val="0"/>
+              </a:spcBef>
+              <a:spcAft>
+                <a:spcPct val="0"/>
+              </a:spcAft>
+              <a:defRPr sz="2400">
+                <a:solidFill>
+                  <a:schemeClr val="tx1"/>
+                </a:solidFill>
+                <a:latin typeface="Arial" charset="0"/>
+                <a:ea typeface="ＭＳ Ｐゴシック" charset="0"/>
+              </a:defRPr>
+            </a:lvl6pPr>
+            <a:lvl7pPr marL="2971800" indent="-228600" eaLnBrk="0" fontAlgn="base" hangingPunct="0">
+              <a:spcBef>
+                <a:spcPct val="0"/>
+              </a:spcBef>
+              <a:spcAft>
+                <a:spcPct val="0"/>
+              </a:spcAft>
+              <a:defRPr sz="2400">
+                <a:solidFill>
+                  <a:schemeClr val="tx1"/>
+                </a:solidFill>
+                <a:latin typeface="Arial" charset="0"/>
+                <a:ea typeface="ＭＳ Ｐゴシック" charset="0"/>
+              </a:defRPr>
+            </a:lvl7pPr>
+            <a:lvl8pPr marL="3429000" indent="-228600" eaLnBrk="0" fontAlgn="base" hangingPunct="0">
+              <a:spcBef>
+                <a:spcPct val="0"/>
+              </a:spcBef>
+              <a:spcAft>
+                <a:spcPct val="0"/>
+              </a:spcAft>
+              <a:defRPr sz="2400">
+                <a:solidFill>
+                  <a:schemeClr val="tx1"/>
+                </a:solidFill>
+                <a:latin typeface="Arial" charset="0"/>
+                <a:ea typeface="ＭＳ Ｐゴシック" charset="0"/>
+              </a:defRPr>
+            </a:lvl8pPr>
+            <a:lvl9pPr marL="3886200" indent="-228600" eaLnBrk="0" fontAlgn="base" hangingPunct="0">
+              <a:spcBef>
+                <a:spcPct val="0"/>
+              </a:spcBef>
+              <a:spcAft>
+                <a:spcPct val="0"/>
+              </a:spcAft>
+              <a:defRPr sz="2400">
+                <a:solidFill>
+                  <a:schemeClr val="tx1"/>
+                </a:solidFill>
+                <a:latin typeface="Arial" charset="0"/>
+                <a:ea typeface="ＭＳ Ｐゴシック" charset="0"/>
+              </a:defRPr>
+            </a:lvl9pPr>
+          </a:lstStyle>
+          <a:p>
+            <a:pPr eaLnBrk="1" hangingPunct="1"/>
+            <a:fld id="{F1758CF9-5807-8248-9D3D-E297C55461D4}" type="slidenum">
+              <a:rPr lang="en-US" sz="1300">
+                <a:latin typeface="Calibri" charset="0"/>
+              </a:rPr>
+              <a:pPr eaLnBrk="1" hangingPunct="1"/>
+              <a:t>5</a:t>
+            </a:fld>
+            <a:endParaRPr lang="en-US" sz="1300">
+              <a:latin typeface="Calibri" charset="0"/>
+            </a:endParaRPr>
+          </a:p>
+        </p:txBody>
+      </p:sp>
+      <p:sp>
+        <p:nvSpPr>
+          <p:cNvPr id="20482" name="Rectangle 2"/>
+          <p:cNvSpPr>
+            <a:spLocks noGrp="1" noRot="1" noChangeAspect="1" noChangeArrowheads="1" noTextEdit="1"/>
+          </p:cNvSpPr>
+          <p:nvPr>
+            <p:ph type="sldImg"/>
+          </p:nvPr>
+        </p:nvSpPr>
+        <p:spPr bwMode="auto">
+          <a:solidFill>
+            <a:srgbClr val="FFFFFF"/>
+          </a:solidFill>
+          <a:ln>
+            <a:solidFill>
+              <a:srgbClr val="000000"/>
+            </a:solidFill>
+            <a:miter lim="800000"/>
+            <a:headEnd/>
+            <a:tailEnd/>
+          </a:ln>
+          <a:extLst>
+            <a:ext uri="{FAA26D3D-D897-4be2-8F04-BA451C77F1D7}">
+              <ma14:placeholderFlag xmlns:ma14="http://schemas.microsoft.com/office/mac/drawingml/2011/main" val="1"/>
+            </a:ext>
+          </a:extLst>
+        </p:spPr>
+      </p:sp>
+      <p:sp>
+        <p:nvSpPr>
+          <p:cNvPr id="20483" name="Rectangle 3"/>
+          <p:cNvSpPr>
+            <a:spLocks noGrp="1" noChangeArrowheads="1"/>
+          </p:cNvSpPr>
+          <p:nvPr>
+            <p:ph type="body" idx="1"/>
+          </p:nvPr>
+        </p:nvSpPr>
+        <p:spPr bwMode="auto">
+          <a:solidFill>
+            <a:srgbClr val="FFFFFF"/>
+          </a:solidFill>
+          <a:ln>
+            <a:solidFill>
+              <a:srgbClr val="000000"/>
+            </a:solidFill>
+            <a:miter lim="800000"/>
+            <a:headEnd/>
+            <a:tailEnd/>
+          </a:ln>
+        </p:spPr>
+        <p:txBody>
+          <a:bodyPr wrap="square" numCol="1" anchor="t" anchorCtr="0" compatLnSpc="1">
+            <a:prstTxWarp prst="textNoShape">
+              <a:avLst/>
+            </a:prstTxWarp>
+          </a:bodyPr>
+          <a:lstStyle/>
+          <a:p>
+            <a:pPr eaLnBrk="1" hangingPunct="1"/>
+            <a:r>
+              <a:rPr lang="en-US" altLang="ko-KR">
+                <a:latin typeface="Calibri" charset="0"/>
+                <a:ea typeface="ＭＳ Ｐゴシック" charset="0"/>
+                <a:cs typeface="ＭＳ Ｐゴシック" charset="0"/>
+              </a:rPr>
+              <a:t>Consequtive basepairs</a:t>
+            </a:r>
+            <a:endParaRPr lang="en-US">
+              <a:latin typeface="Calibri" charset="0"/>
+              <a:ea typeface="ＭＳ Ｐゴシック" charset="0"/>
+              <a:cs typeface="ＭＳ Ｐゴシック" charset="0"/>
+            </a:endParaRPr>
+          </a:p>
+        </p:txBody>
+      </p:sp>
+    </p:spTree>
+  </p:cSld>
+  <p:clrMapOvr>
+    <a:masterClrMapping/>
+  </p:clrMapOvr>
+</p:notes>
+</file>
+
+<file path=ppt/notesSlides/notesSlide3.xml><?xml version="1.0" encoding="utf-8"?>
+<p:notes xmlns:a="http://schemas.openxmlformats.org/drawingml/2006/main" xmlns:r="http://schemas.openxmlformats.org/officeDocument/2006/relationships" xmlns:p="http://schemas.openxmlformats.org/presentationml/2006/main">
+  <p:cSld>
+    <p:spTree>
+      <p:nvGrpSpPr>
+        <p:cNvPr id="1" name=""/>
+        <p:cNvGrpSpPr/>
+        <p:nvPr/>
+      </p:nvGrpSpPr>
+      <p:grpSpPr>
+        <a:xfrm>
+          <a:off x="0" y="0"/>
+          <a:ext cx="0" cy="0"/>
+          <a:chOff x="0" y="0"/>
+          <a:chExt cx="0" cy="0"/>
+        </a:xfrm>
+      </p:grpSpPr>
+      <p:sp>
+        <p:nvSpPr>
+          <p:cNvPr id="22529" name="Rectangle 7"/>
+          <p:cNvSpPr>
+            <a:spLocks noGrp="1" noChangeArrowheads="1"/>
+          </p:cNvSpPr>
+          <p:nvPr>
+            <p:ph type="sldNum" sz="quarter" idx="5"/>
+          </p:nvPr>
+        </p:nvSpPr>
+        <p:spPr bwMode="auto">
+          <a:noFill/>
+          <a:extLst>
+            <a:ext uri="{909E8E84-426E-40dd-AFC4-6F175D3DCCD1}">
+              <a14:hiddenFill xmlns:a14="http://schemas.microsoft.com/office/drawing/2010/main">
+                <a:solidFill>
+                  <a:srgbClr val="FFFFFF"/>
+                </a:solidFill>
+              </a14:hiddenFill>
+            </a:ext>
+            <a:ext uri="{91240B29-F687-4f45-9708-019B960494DF}">
+              <a14:hiddenLine xmlns:a14="http://schemas.microsoft.com/office/drawing/2010/main" w="9525">
+                <a:solidFill>
+                  <a:srgbClr val="000000"/>
+                </a:solidFill>
+                <a:miter lim="800000"/>
+                <a:headEnd/>
+                <a:tailEnd/>
+              </a14:hiddenLine>
+            </a:ext>
+          </a:extLst>
+        </p:spPr>
+        <p:txBody>
+          <a:bodyPr/>
+          <a:lstStyle>
+            <a:lvl1pPr eaLnBrk="0" hangingPunct="0">
+              <a:defRPr sz="2400">
+                <a:solidFill>
+                  <a:schemeClr val="tx1"/>
+                </a:solidFill>
+                <a:latin typeface="Arial" charset="0"/>
+                <a:ea typeface="ＭＳ Ｐゴシック" charset="0"/>
+                <a:cs typeface="ＭＳ Ｐゴシック" charset="0"/>
+              </a:defRPr>
+            </a:lvl1pPr>
+            <a:lvl2pPr marL="742950" indent="-285750" eaLnBrk="0" hangingPunct="0">
+              <a:defRPr sz="2400">
+                <a:solidFill>
+                  <a:schemeClr val="tx1"/>
+                </a:solidFill>
+                <a:latin typeface="Arial" charset="0"/>
+                <a:ea typeface="ＭＳ Ｐゴシック" charset="0"/>
+              </a:defRPr>
+            </a:lvl2pPr>
+            <a:lvl3pPr marL="1143000" indent="-228600" eaLnBrk="0" hangingPunct="0">
+              <a:defRPr sz="2400">
+                <a:solidFill>
+                  <a:schemeClr val="tx1"/>
+                </a:solidFill>
+                <a:latin typeface="Arial" charset="0"/>
+                <a:ea typeface="ＭＳ Ｐゴシック" charset="0"/>
+              </a:defRPr>
+            </a:lvl3pPr>
+            <a:lvl4pPr marL="1600200" indent="-228600" eaLnBrk="0" hangingPunct="0">
+              <a:defRPr sz="2400">
+                <a:solidFill>
+                  <a:schemeClr val="tx1"/>
+                </a:solidFill>
+                <a:latin typeface="Arial" charset="0"/>
+                <a:ea typeface="ＭＳ Ｐゴシック" charset="0"/>
+              </a:defRPr>
+            </a:lvl4pPr>
+            <a:lvl5pPr marL="2057400" indent="-228600" eaLnBrk="0" hangingPunct="0">
+              <a:defRPr sz="2400">
+                <a:solidFill>
+                  <a:schemeClr val="tx1"/>
+                </a:solidFill>
+                <a:latin typeface="Arial" charset="0"/>
+                <a:ea typeface="ＭＳ Ｐゴシック" charset="0"/>
+              </a:defRPr>
+            </a:lvl5pPr>
+            <a:lvl6pPr marL="2514600" indent="-228600" eaLnBrk="0" fontAlgn="base" hangingPunct="0">
+              <a:spcBef>
+                <a:spcPct val="0"/>
+              </a:spcBef>
+              <a:spcAft>
+                <a:spcPct val="0"/>
+              </a:spcAft>
+              <a:defRPr sz="2400">
+                <a:solidFill>
+                  <a:schemeClr val="tx1"/>
+                </a:solidFill>
+                <a:latin typeface="Arial" charset="0"/>
+                <a:ea typeface="ＭＳ Ｐゴシック" charset="0"/>
+              </a:defRPr>
+            </a:lvl6pPr>
+            <a:lvl7pPr marL="2971800" indent="-228600" eaLnBrk="0" fontAlgn="base" hangingPunct="0">
+              <a:spcBef>
+                <a:spcPct val="0"/>
+              </a:spcBef>
+              <a:spcAft>
+                <a:spcPct val="0"/>
+              </a:spcAft>
+              <a:defRPr sz="2400">
+                <a:solidFill>
+                  <a:schemeClr val="tx1"/>
+                </a:solidFill>
+                <a:latin typeface="Arial" charset="0"/>
+                <a:ea typeface="ＭＳ Ｐゴシック" charset="0"/>
+              </a:defRPr>
+            </a:lvl7pPr>
+            <a:lvl8pPr marL="3429000" indent="-228600" eaLnBrk="0" fontAlgn="base" hangingPunct="0">
+              <a:spcBef>
+                <a:spcPct val="0"/>
+              </a:spcBef>
+              <a:spcAft>
+                <a:spcPct val="0"/>
+              </a:spcAft>
+              <a:defRPr sz="2400">
+                <a:solidFill>
+                  <a:schemeClr val="tx1"/>
+                </a:solidFill>
+                <a:latin typeface="Arial" charset="0"/>
+                <a:ea typeface="ＭＳ Ｐゴシック" charset="0"/>
+              </a:defRPr>
+            </a:lvl8pPr>
+            <a:lvl9pPr marL="3886200" indent="-228600" eaLnBrk="0" fontAlgn="base" hangingPunct="0">
+              <a:spcBef>
+                <a:spcPct val="0"/>
+              </a:spcBef>
+              <a:spcAft>
+                <a:spcPct val="0"/>
+              </a:spcAft>
+              <a:defRPr sz="2400">
+                <a:solidFill>
+                  <a:schemeClr val="tx1"/>
+                </a:solidFill>
+                <a:latin typeface="Arial" charset="0"/>
+                <a:ea typeface="ＭＳ Ｐゴシック" charset="0"/>
+              </a:defRPr>
+            </a:lvl9pPr>
+          </a:lstStyle>
+          <a:p>
+            <a:pPr eaLnBrk="1" hangingPunct="1"/>
+            <a:fld id="{72DF4BBA-550F-B14D-9056-5F008541DBF8}" type="slidenum">
+              <a:rPr lang="en-US" sz="1300">
+                <a:latin typeface="Calibri" charset="0"/>
+              </a:rPr>
+              <a:pPr eaLnBrk="1" hangingPunct="1"/>
+              <a:t>6</a:t>
+            </a:fld>
+            <a:endParaRPr lang="en-US" sz="1300">
+              <a:latin typeface="Calibri" charset="0"/>
+            </a:endParaRPr>
+          </a:p>
+        </p:txBody>
+      </p:sp>
+      <p:sp>
+        <p:nvSpPr>
+          <p:cNvPr id="22530" name="Rectangle 2"/>
+          <p:cNvSpPr>
+            <a:spLocks noGrp="1" noRot="1" noChangeAspect="1" noChangeArrowheads="1" noTextEdit="1"/>
+          </p:cNvSpPr>
+          <p:nvPr>
+            <p:ph type="sldImg"/>
+          </p:nvPr>
+        </p:nvSpPr>
+        <p:spPr bwMode="auto">
+          <a:solidFill>
+            <a:srgbClr val="FFFFFF"/>
+          </a:solidFill>
+          <a:ln>
+            <a:solidFill>
+              <a:srgbClr val="000000"/>
+            </a:solidFill>
+            <a:miter lim="800000"/>
+            <a:headEnd/>
+            <a:tailEnd/>
+          </a:ln>
+          <a:extLst>
+            <a:ext uri="{FAA26D3D-D897-4be2-8F04-BA451C77F1D7}">
+              <ma14:placeholderFlag xmlns:ma14="http://schemas.microsoft.com/office/mac/drawingml/2011/main" val="1"/>
+            </a:ext>
+          </a:extLst>
+        </p:spPr>
+      </p:sp>
+      <p:sp>
+        <p:nvSpPr>
+          <p:cNvPr id="22531" name="Rectangle 3"/>
+          <p:cNvSpPr>
+            <a:spLocks noGrp="1" noChangeArrowheads="1"/>
+          </p:cNvSpPr>
+          <p:nvPr>
+            <p:ph type="body" idx="1"/>
+          </p:nvPr>
+        </p:nvSpPr>
+        <p:spPr bwMode="auto">
+          <a:solidFill>
+            <a:srgbClr val="FFFFFF"/>
+          </a:solidFill>
+          <a:ln>
+            <a:solidFill>
+              <a:srgbClr val="000000"/>
+            </a:solidFill>
+            <a:miter lim="800000"/>
+            <a:headEnd/>
+            <a:tailEnd/>
+          </a:ln>
+        </p:spPr>
+        <p:txBody>
+          <a:bodyPr wrap="square" numCol="1" anchor="t" anchorCtr="0" compatLnSpc="1">
+            <a:prstTxWarp prst="textNoShape">
+              <a:avLst/>
+            </a:prstTxWarp>
+          </a:bodyPr>
+          <a:lstStyle/>
+          <a:p>
+            <a:pPr eaLnBrk="1" hangingPunct="1"/>
+            <a:r>
+              <a:rPr lang="en-US" altLang="ko-KR">
+                <a:latin typeface="Calibri" charset="0"/>
+                <a:ea typeface="ＭＳ Ｐゴシック" charset="0"/>
+                <a:cs typeface="ＭＳ Ｐゴシック" charset="0"/>
+              </a:rPr>
+              <a:t>Consequtive basepairs</a:t>
+            </a:r>
+            <a:endParaRPr lang="en-US">
+              <a:latin typeface="Calibri" charset="0"/>
+              <a:ea typeface="ＭＳ Ｐゴシック" charset="0"/>
+              <a:cs typeface="ＭＳ Ｐゴシック" charset="0"/>
+            </a:endParaRPr>
+          </a:p>
+        </p:txBody>
+      </p:sp>
+    </p:spTree>
+  </p:cSld>
+  <p:clrMapOvr>
+    <a:masterClrMapping/>
+  </p:clrMapOvr>
+</p:notes>
+</file>
+
+<file path=ppt/notesSlides/notesSlide4.xml><?xml version="1.0" encoding="utf-8"?>
+<p:notes xmlns:a="http://schemas.openxmlformats.org/drawingml/2006/main" xmlns:r="http://schemas.openxmlformats.org/officeDocument/2006/relationships" xmlns:p="http://schemas.openxmlformats.org/presentationml/2006/main">
+  <p:cSld>
+    <p:spTree>
+      <p:nvGrpSpPr>
+        <p:cNvPr id="1" name=""/>
+        <p:cNvGrpSpPr/>
+        <p:nvPr/>
+      </p:nvGrpSpPr>
+      <p:grpSpPr>
+        <a:xfrm>
+          <a:off x="0" y="0"/>
+          <a:ext cx="0" cy="0"/>
+          <a:chOff x="0" y="0"/>
+          <a:chExt cx="0" cy="0"/>
+        </a:xfrm>
+      </p:grpSpPr>
+      <p:sp>
+        <p:nvSpPr>
+          <p:cNvPr id="24577" name="Rectangle 7"/>
+          <p:cNvSpPr>
+            <a:spLocks noGrp="1" noChangeArrowheads="1"/>
+          </p:cNvSpPr>
+          <p:nvPr>
+            <p:ph type="sldNum" sz="quarter" idx="5"/>
+          </p:nvPr>
+        </p:nvSpPr>
+        <p:spPr bwMode="auto">
+          <a:noFill/>
+          <a:extLst>
+            <a:ext uri="{909E8E84-426E-40dd-AFC4-6F175D3DCCD1}">
+              <a14:hiddenFill xmlns:a14="http://schemas.microsoft.com/office/drawing/2010/main">
+                <a:solidFill>
+                  <a:srgbClr val="FFFFFF"/>
+                </a:solidFill>
+              </a14:hiddenFill>
+            </a:ext>
+            <a:ext uri="{91240B29-F687-4f45-9708-019B960494DF}">
+              <a14:hiddenLine xmlns:a14="http://schemas.microsoft.com/office/drawing/2010/main" w="9525">
+                <a:solidFill>
+                  <a:srgbClr val="000000"/>
+                </a:solidFill>
+                <a:miter lim="800000"/>
+                <a:headEnd/>
+                <a:tailEnd/>
+              </a14:hiddenLine>
+            </a:ext>
+          </a:extLst>
+        </p:spPr>
+        <p:txBody>
+          <a:bodyPr/>
+          <a:lstStyle>
+            <a:lvl1pPr eaLnBrk="0" hangingPunct="0">
+              <a:defRPr sz="2400">
+                <a:solidFill>
+                  <a:schemeClr val="tx1"/>
+                </a:solidFill>
+                <a:latin typeface="Arial" charset="0"/>
+                <a:ea typeface="ＭＳ Ｐゴシック" charset="0"/>
+                <a:cs typeface="ＭＳ Ｐゴシック" charset="0"/>
+              </a:defRPr>
+            </a:lvl1pPr>
+            <a:lvl2pPr marL="742950" indent="-285750" eaLnBrk="0" hangingPunct="0">
+              <a:defRPr sz="2400">
+                <a:solidFill>
+                  <a:schemeClr val="tx1"/>
+                </a:solidFill>
+                <a:latin typeface="Arial" charset="0"/>
+                <a:ea typeface="ＭＳ Ｐゴシック" charset="0"/>
+              </a:defRPr>
+            </a:lvl2pPr>
+            <a:lvl3pPr marL="1143000" indent="-228600" eaLnBrk="0" hangingPunct="0">
+              <a:defRPr sz="2400">
+                <a:solidFill>
+                  <a:schemeClr val="tx1"/>
+                </a:solidFill>
+                <a:latin typeface="Arial" charset="0"/>
+                <a:ea typeface="ＭＳ Ｐゴシック" charset="0"/>
+              </a:defRPr>
+            </a:lvl3pPr>
+            <a:lvl4pPr marL="1600200" indent="-228600" eaLnBrk="0" hangingPunct="0">
+              <a:defRPr sz="2400">
+                <a:solidFill>
+                  <a:schemeClr val="tx1"/>
+                </a:solidFill>
+                <a:latin typeface="Arial" charset="0"/>
+                <a:ea typeface="ＭＳ Ｐゴシック" charset="0"/>
+              </a:defRPr>
+            </a:lvl4pPr>
+            <a:lvl5pPr marL="2057400" indent="-228600" eaLnBrk="0" hangingPunct="0">
+              <a:defRPr sz="2400">
+                <a:solidFill>
+                  <a:schemeClr val="tx1"/>
+                </a:solidFill>
+                <a:latin typeface="Arial" charset="0"/>
+                <a:ea typeface="ＭＳ Ｐゴシック" charset="0"/>
+              </a:defRPr>
+            </a:lvl5pPr>
+            <a:lvl6pPr marL="2514600" indent="-228600" eaLnBrk="0" fontAlgn="base" hangingPunct="0">
+              <a:spcBef>
+                <a:spcPct val="0"/>
+              </a:spcBef>
+              <a:spcAft>
+                <a:spcPct val="0"/>
+              </a:spcAft>
+              <a:defRPr sz="2400">
+                <a:solidFill>
+                  <a:schemeClr val="tx1"/>
+                </a:solidFill>
+                <a:latin typeface="Arial" charset="0"/>
+                <a:ea typeface="ＭＳ Ｐゴシック" charset="0"/>
+              </a:defRPr>
+            </a:lvl6pPr>
+            <a:lvl7pPr marL="2971800" indent="-228600" eaLnBrk="0" fontAlgn="base" hangingPunct="0">
+              <a:spcBef>
+                <a:spcPct val="0"/>
+              </a:spcBef>
+              <a:spcAft>
+                <a:spcPct val="0"/>
+              </a:spcAft>
+              <a:defRPr sz="2400">
+                <a:solidFill>
+                  <a:schemeClr val="tx1"/>
+                </a:solidFill>
+                <a:latin typeface="Arial" charset="0"/>
+                <a:ea typeface="ＭＳ Ｐゴシック" charset="0"/>
+              </a:defRPr>
+            </a:lvl7pPr>
+            <a:lvl8pPr marL="3429000" indent="-228600" eaLnBrk="0" fontAlgn="base" hangingPunct="0">
+              <a:spcBef>
+                <a:spcPct val="0"/>
+              </a:spcBef>
+              <a:spcAft>
+                <a:spcPct val="0"/>
+              </a:spcAft>
+              <a:defRPr sz="2400">
+                <a:solidFill>
+                  <a:schemeClr val="tx1"/>
+                </a:solidFill>
+                <a:latin typeface="Arial" charset="0"/>
+                <a:ea typeface="ＭＳ Ｐゴシック" charset="0"/>
+              </a:defRPr>
+            </a:lvl8pPr>
+            <a:lvl9pPr marL="3886200" indent="-228600" eaLnBrk="0" fontAlgn="base" hangingPunct="0">
+              <a:spcBef>
+                <a:spcPct val="0"/>
+              </a:spcBef>
+              <a:spcAft>
+                <a:spcPct val="0"/>
+              </a:spcAft>
+              <a:defRPr sz="2400">
+                <a:solidFill>
+                  <a:schemeClr val="tx1"/>
+                </a:solidFill>
+                <a:latin typeface="Arial" charset="0"/>
+                <a:ea typeface="ＭＳ Ｐゴシック" charset="0"/>
+              </a:defRPr>
+            </a:lvl9pPr>
+          </a:lstStyle>
+          <a:p>
+            <a:pPr eaLnBrk="1" hangingPunct="1"/>
+            <a:fld id="{7C407D49-CE09-FF42-8A27-F71FEB2F9CCB}" type="slidenum">
+              <a:rPr lang="en-US" sz="1300">
+                <a:latin typeface="Calibri" charset="0"/>
+              </a:rPr>
+              <a:pPr eaLnBrk="1" hangingPunct="1"/>
+              <a:t>7</a:t>
+            </a:fld>
+            <a:endParaRPr lang="en-US" sz="1300">
+              <a:latin typeface="Calibri" charset="0"/>
+            </a:endParaRPr>
+          </a:p>
+        </p:txBody>
+      </p:sp>
+      <p:sp>
+        <p:nvSpPr>
+          <p:cNvPr id="24578" name="Rectangle 2"/>
+          <p:cNvSpPr>
+            <a:spLocks noGrp="1" noRot="1" noChangeAspect="1" noChangeArrowheads="1" noTextEdit="1"/>
+          </p:cNvSpPr>
+          <p:nvPr>
+            <p:ph type="sldImg"/>
+          </p:nvPr>
+        </p:nvSpPr>
+        <p:spPr bwMode="auto">
+          <a:solidFill>
+            <a:srgbClr val="FFFFFF"/>
+          </a:solidFill>
+          <a:ln>
+            <a:solidFill>
+              <a:srgbClr val="000000"/>
+            </a:solidFill>
+            <a:miter lim="800000"/>
+            <a:headEnd/>
+            <a:tailEnd/>
+          </a:ln>
+          <a:extLst>
+            <a:ext uri="{FAA26D3D-D897-4be2-8F04-BA451C77F1D7}">
+              <ma14:placeholderFlag xmlns:ma14="http://schemas.microsoft.com/office/mac/drawingml/2011/main" val="1"/>
+            </a:ext>
+          </a:extLst>
+        </p:spPr>
+      </p:sp>
+      <p:sp>
+        <p:nvSpPr>
+          <p:cNvPr id="24579" name="Rectangle 3"/>
+          <p:cNvSpPr>
+            <a:spLocks noGrp="1" noChangeArrowheads="1"/>
+          </p:cNvSpPr>
+          <p:nvPr>
+            <p:ph type="body" idx="1"/>
+          </p:nvPr>
+        </p:nvSpPr>
+        <p:spPr bwMode="auto">
+          <a:solidFill>
+            <a:srgbClr val="FFFFFF"/>
+          </a:solidFill>
+          <a:ln>
+            <a:solidFill>
+              <a:srgbClr val="000000"/>
+            </a:solidFill>
+            <a:miter lim="800000"/>
+            <a:headEnd/>
+            <a:tailEnd/>
+          </a:ln>
+          <a:extLst>
+            <a:ext uri="{FAA26D3D-D897-4be2-8F04-BA451C77F1D7}">
+              <ma14:placeholderFlag xmlns:ma14="http://schemas.microsoft.com/office/mac/drawingml/2011/main" val="1"/>
+            </a:ext>
+          </a:extLst>
+        </p:spPr>
+        <p:txBody>
+          <a:bodyPr wrap="square" numCol="1" anchor="t" anchorCtr="0" compatLnSpc="1">
+            <a:prstTxWarp prst="textNoShape">
+              <a:avLst/>
+            </a:prstTxWarp>
+          </a:bodyPr>
+          <a:lstStyle/>
+          <a:p>
+            <a:pPr eaLnBrk="1" hangingPunct="1"/>
+            <a:endParaRPr lang="en-US">
+              <a:latin typeface="Calibri" charset="0"/>
+              <a:ea typeface="ＭＳ Ｐゴシック" charset="0"/>
+              <a:cs typeface="ＭＳ Ｐゴシック" charset="0"/>
+            </a:endParaRPr>
+          </a:p>
+        </p:txBody>
+      </p:sp>
+    </p:spTree>
+  </p:cSld>
+  <p:clrMapOvr>
+    <a:masterClrMapping/>
+  </p:clrMapOvr>
+</p:notes>
+</file>
+
+<file path=ppt/notesSlides/notesSlide5.xml><?xml version="1.0" encoding="utf-8"?>
+<p:notes xmlns:a="http://schemas.openxmlformats.org/drawingml/2006/main" xmlns:r="http://schemas.openxmlformats.org/officeDocument/2006/relationships" xmlns:p="http://schemas.openxmlformats.org/presentationml/2006/main">
+  <p:cSld>
+    <p:spTree>
+      <p:nvGrpSpPr>
+        <p:cNvPr id="1" name=""/>
+        <p:cNvGrpSpPr/>
+        <p:nvPr/>
+      </p:nvGrpSpPr>
+      <p:grpSpPr>
+        <a:xfrm>
+          <a:off x="0" y="0"/>
+          <a:ext cx="0" cy="0"/>
+          <a:chOff x="0" y="0"/>
+          <a:chExt cx="0" cy="0"/>
+        </a:xfrm>
+      </p:grpSpPr>
+      <p:sp>
+        <p:nvSpPr>
+          <p:cNvPr id="26625" name="Slide Image Placeholder 1"/>
+          <p:cNvSpPr>
+            <a:spLocks noGrp="1" noRot="1" noChangeAspect="1"/>
+          </p:cNvSpPr>
+          <p:nvPr>
+            <p:ph type="sldImg"/>
+          </p:nvPr>
+        </p:nvSpPr>
+        <p:spPr bwMode="auto">
+          <a:noFill/>
+          <a:ln>
+            <a:solidFill>
+              <a:srgbClr val="000000"/>
+            </a:solidFill>
+            <a:miter lim="800000"/>
+            <a:headEnd/>
+            <a:tailEnd/>
+          </a:ln>
+          <a:extLst>
+            <a:ext uri="{909E8E84-426E-40dd-AFC4-6F175D3DCCD1}">
+              <a14:hiddenFill xmlns:a14="http://schemas.microsoft.com/office/drawing/2010/main">
+                <a:solidFill>
+                  <a:srgbClr val="FFFFFF"/>
+                </a:solidFill>
+              </a14:hiddenFill>
+            </a:ext>
+            <a:ext uri="{FAA26D3D-D897-4be2-8F04-BA451C77F1D7}">
+              <ma14:placeholderFlag xmlns:ma14="http://schemas.microsoft.com/office/mac/drawingml/2011/main" val="1"/>
+            </a:ext>
+          </a:extLst>
+        </p:spPr>
+      </p:sp>
+      <p:sp>
+        <p:nvSpPr>
+          <p:cNvPr id="26626" name="Notes Placeholder 2"/>
+          <p:cNvSpPr>
+            <a:spLocks noGrp="1"/>
+          </p:cNvSpPr>
+          <p:nvPr>
+            <p:ph type="body" idx="1"/>
+          </p:nvPr>
+        </p:nvSpPr>
+        <p:spPr bwMode="auto">
+          <a:noFill/>
+          <a:extLst>
+            <a:ext uri="{909E8E84-426E-40dd-AFC4-6F175D3DCCD1}">
+              <a14:hiddenFill xmlns:a14="http://schemas.microsoft.com/office/drawing/2010/main">
+                <a:solidFill>
+                  <a:srgbClr val="FFFFFF"/>
+                </a:solidFill>
+              </a14:hiddenFill>
+            </a:ext>
+            <a:ext uri="{91240B29-F687-4f45-9708-019B960494DF}">
+              <a14:hiddenLine xmlns:a14="http://schemas.microsoft.com/office/drawing/2010/main" w="9525">
+                <a:solidFill>
+                  <a:srgbClr val="000000"/>
+                </a:solidFill>
+                <a:miter lim="800000"/>
+                <a:headEnd/>
+                <a:tailEnd/>
+              </a14:hiddenLine>
+            </a:ext>
+            <a:ext uri="{FAA26D3D-D897-4be2-8F04-BA451C77F1D7}">
+              <ma14:placeholderFlag xmlns:ma14="http://schemas.microsoft.com/office/mac/drawingml/2011/main" val="1"/>
+            </a:ext>
+          </a:extLst>
+        </p:spPr>
+        <p:txBody>
+          <a:bodyPr wrap="square" numCol="1" anchor="t" anchorCtr="0" compatLnSpc="1">
+            <a:prstTxWarp prst="textNoShape">
+              <a:avLst/>
+            </a:prstTxWarp>
+          </a:bodyPr>
+          <a:lstStyle/>
+          <a:p>
+            <a:r>
+              <a:rPr lang="en-US" dirty="0" smtClean="0">
+                <a:latin typeface="Calibri" charset="0"/>
+                <a:ea typeface="ＭＳ Ｐゴシック" charset="0"/>
+                <a:cs typeface="ＭＳ Ｐゴシック" charset="0"/>
+              </a:rPr>
+              <a:t>TODO: Update the figures.</a:t>
+            </a:r>
+            <a:endParaRPr lang="en-US" dirty="0">
+              <a:latin typeface="Calibri" charset="0"/>
+              <a:ea typeface="ＭＳ Ｐゴシック" charset="0"/>
+              <a:cs typeface="ＭＳ Ｐゴシック" charset="0"/>
+            </a:endParaRPr>
+          </a:p>
+        </p:txBody>
+      </p:sp>
+      <p:sp>
+        <p:nvSpPr>
+          <p:cNvPr id="26627" name="Slide Number Placeholder 3"/>
+          <p:cNvSpPr>
+            <a:spLocks noGrp="1"/>
+          </p:cNvSpPr>
+          <p:nvPr>
+            <p:ph type="sldNum" sz="quarter" idx="5"/>
+          </p:nvPr>
+        </p:nvSpPr>
+        <p:spPr bwMode="auto">
+          <a:noFill/>
+          <a:extLst>
+            <a:ext uri="{909E8E84-426E-40dd-AFC4-6F175D3DCCD1}">
+              <a14:hiddenFill xmlns:a14="http://schemas.microsoft.com/office/drawing/2010/main">
+                <a:solidFill>
+                  <a:srgbClr val="FFFFFF"/>
+                </a:solidFill>
+              </a14:hiddenFill>
+            </a:ext>
+            <a:ext uri="{91240B29-F687-4f45-9708-019B960494DF}">
+              <a14:hiddenLine xmlns:a14="http://schemas.microsoft.com/office/drawing/2010/main" w="9525">
+                <a:solidFill>
+                  <a:srgbClr val="000000"/>
+                </a:solidFill>
+                <a:miter lim="800000"/>
+                <a:headEnd/>
+                <a:tailEnd/>
+              </a14:hiddenLine>
+            </a:ext>
+          </a:extLst>
+        </p:spPr>
+        <p:txBody>
+          <a:bodyPr/>
+          <a:lstStyle>
+            <a:lvl1pPr eaLnBrk="0" hangingPunct="0">
+              <a:defRPr sz="2400">
+                <a:solidFill>
+                  <a:schemeClr val="tx1"/>
+                </a:solidFill>
+                <a:latin typeface="Arial" charset="0"/>
+                <a:ea typeface="ＭＳ Ｐゴシック" charset="0"/>
+                <a:cs typeface="ＭＳ Ｐゴシック" charset="0"/>
+              </a:defRPr>
+            </a:lvl1pPr>
+            <a:lvl2pPr marL="742950" indent="-285750" eaLnBrk="0" hangingPunct="0">
+              <a:defRPr sz="2400">
+                <a:solidFill>
+                  <a:schemeClr val="tx1"/>
+                </a:solidFill>
+                <a:latin typeface="Arial" charset="0"/>
+                <a:ea typeface="ＭＳ Ｐゴシック" charset="0"/>
+              </a:defRPr>
+            </a:lvl2pPr>
+            <a:lvl3pPr marL="1143000" indent="-228600" eaLnBrk="0" hangingPunct="0">
+              <a:defRPr sz="2400">
+                <a:solidFill>
+                  <a:schemeClr val="tx1"/>
+                </a:solidFill>
+                <a:latin typeface="Arial" charset="0"/>
+                <a:ea typeface="ＭＳ Ｐゴシック" charset="0"/>
+              </a:defRPr>
+            </a:lvl3pPr>
+            <a:lvl4pPr marL="1600200" indent="-228600" eaLnBrk="0" hangingPunct="0">
+              <a:defRPr sz="2400">
+                <a:solidFill>
+                  <a:schemeClr val="tx1"/>
+                </a:solidFill>
+                <a:latin typeface="Arial" charset="0"/>
+                <a:ea typeface="ＭＳ Ｐゴシック" charset="0"/>
+              </a:defRPr>
+            </a:lvl4pPr>
+            <a:lvl5pPr marL="2057400" indent="-228600" eaLnBrk="0" hangingPunct="0">
+              <a:defRPr sz="2400">
+                <a:solidFill>
+                  <a:schemeClr val="tx1"/>
+                </a:solidFill>
+                <a:latin typeface="Arial" charset="0"/>
+                <a:ea typeface="ＭＳ Ｐゴシック" charset="0"/>
+              </a:defRPr>
+            </a:lvl5pPr>
+            <a:lvl6pPr marL="2514600" indent="-228600" eaLnBrk="0" fontAlgn="base" hangingPunct="0">
+              <a:spcBef>
+                <a:spcPct val="0"/>
+              </a:spcBef>
+              <a:spcAft>
+                <a:spcPct val="0"/>
+              </a:spcAft>
+              <a:defRPr sz="2400">
+                <a:solidFill>
+                  <a:schemeClr val="tx1"/>
+                </a:solidFill>
+                <a:latin typeface="Arial" charset="0"/>
+                <a:ea typeface="ＭＳ Ｐゴシック" charset="0"/>
+              </a:defRPr>
+            </a:lvl6pPr>
+            <a:lvl7pPr marL="2971800" indent="-228600" eaLnBrk="0" fontAlgn="base" hangingPunct="0">
+              <a:spcBef>
+                <a:spcPct val="0"/>
+              </a:spcBef>
+              <a:spcAft>
+                <a:spcPct val="0"/>
+              </a:spcAft>
+              <a:defRPr sz="2400">
+                <a:solidFill>
+                  <a:schemeClr val="tx1"/>
+                </a:solidFill>
+                <a:latin typeface="Arial" charset="0"/>
+                <a:ea typeface="ＭＳ Ｐゴシック" charset="0"/>
+              </a:defRPr>
+            </a:lvl7pPr>
+            <a:lvl8pPr marL="3429000" indent="-228600" eaLnBrk="0" fontAlgn="base" hangingPunct="0">
+              <a:spcBef>
+                <a:spcPct val="0"/>
+              </a:spcBef>
+              <a:spcAft>
+                <a:spcPct val="0"/>
+              </a:spcAft>
+              <a:defRPr sz="2400">
+                <a:solidFill>
+                  <a:schemeClr val="tx1"/>
+                </a:solidFill>
+                <a:latin typeface="Arial" charset="0"/>
+                <a:ea typeface="ＭＳ Ｐゴシック" charset="0"/>
+              </a:defRPr>
+            </a:lvl8pPr>
+            <a:lvl9pPr marL="3886200" indent="-228600" eaLnBrk="0" fontAlgn="base" hangingPunct="0">
+              <a:spcBef>
+                <a:spcPct val="0"/>
+              </a:spcBef>
+              <a:spcAft>
+                <a:spcPct val="0"/>
+              </a:spcAft>
+              <a:defRPr sz="2400">
+                <a:solidFill>
+                  <a:schemeClr val="tx1"/>
+                </a:solidFill>
+                <a:latin typeface="Arial" charset="0"/>
+                <a:ea typeface="ＭＳ Ｐゴシック" charset="0"/>
+              </a:defRPr>
+            </a:lvl9pPr>
+          </a:lstStyle>
+          <a:p>
+            <a:pPr eaLnBrk="1" hangingPunct="1"/>
+            <a:fld id="{F57BF14C-B391-D343-9D96-B77D9EBD185F}" type="slidenum">
+              <a:rPr lang="en-US" sz="1300">
+                <a:latin typeface="Calibri" charset="0"/>
+              </a:rPr>
+              <a:pPr eaLnBrk="1" hangingPunct="1"/>
+              <a:t>8</a:t>
+            </a:fld>
+            <a:endParaRPr lang="en-US" sz="1300">
+              <a:latin typeface="Calibri" charset="0"/>
+            </a:endParaRPr>
+          </a:p>
+        </p:txBody>
+      </p:sp>
+    </p:spTree>
+  </p:cSld>
+  <p:clrMapOvr>
+    <a:masterClrMapping/>
+  </p:clrMapOvr>
+</p:notes>
+</file>
+
+<file path=ppt/notesSlides/notesSlide6.xml><?xml version="1.0" encoding="utf-8"?>
+<p:notes xmlns:a="http://schemas.openxmlformats.org/drawingml/2006/main" xmlns:r="http://schemas.openxmlformats.org/officeDocument/2006/relationships" xmlns:p="http://schemas.openxmlformats.org/presentationml/2006/main">
+  <p:cSld>
+    <p:spTree>
+      <p:nvGrpSpPr>
+        <p:cNvPr id="1" name=""/>
+        <p:cNvGrpSpPr/>
+        <p:nvPr/>
+      </p:nvGrpSpPr>
+      <p:grpSpPr>
+        <a:xfrm>
+          <a:off x="0" y="0"/>
+          <a:ext cx="0" cy="0"/>
+          <a:chOff x="0" y="0"/>
+          <a:chExt cx="0" cy="0"/>
+        </a:xfrm>
+      </p:grpSpPr>
+      <p:sp>
+        <p:nvSpPr>
+          <p:cNvPr id="30721" name="Slide Image Placeholder 1"/>
+          <p:cNvSpPr>
+            <a:spLocks noGrp="1" noRot="1" noChangeAspect="1"/>
+          </p:cNvSpPr>
+          <p:nvPr>
+            <p:ph type="sldImg"/>
+          </p:nvPr>
+        </p:nvSpPr>
+        <p:spPr bwMode="auto">
+          <a:noFill/>
+          <a:ln>
+            <a:solidFill>
+              <a:srgbClr val="000000"/>
+            </a:solidFill>
+            <a:miter lim="800000"/>
+            <a:headEnd/>
+            <a:tailEnd/>
+          </a:ln>
+          <a:extLst>
+            <a:ext uri="{909E8E84-426E-40dd-AFC4-6F175D3DCCD1}">
+              <a14:hiddenFill xmlns:a14="http://schemas.microsoft.com/office/drawing/2010/main">
+                <a:solidFill>
+                  <a:srgbClr val="FFFFFF"/>
+                </a:solidFill>
+              </a14:hiddenFill>
+            </a:ext>
+            <a:ext uri="{FAA26D3D-D897-4be2-8F04-BA451C77F1D7}">
+              <ma14:placeholderFlag xmlns:ma14="http://schemas.microsoft.com/office/mac/drawingml/2011/main" val="1"/>
+            </a:ext>
+          </a:extLst>
+        </p:spPr>
+      </p:sp>
+      <p:sp>
+        <p:nvSpPr>
+          <p:cNvPr id="30722" name="Notes Placeholder 2"/>
+          <p:cNvSpPr>
+            <a:spLocks noGrp="1"/>
+          </p:cNvSpPr>
+          <p:nvPr>
+            <p:ph type="body" idx="1"/>
+          </p:nvPr>
+        </p:nvSpPr>
+        <p:spPr bwMode="auto">
+          <a:noFill/>
+          <a:extLst>
+            <a:ext uri="{909E8E84-426E-40dd-AFC4-6F175D3DCCD1}">
+              <a14:hiddenFill xmlns:a14="http://schemas.microsoft.com/office/drawing/2010/main">
+                <a:solidFill>
+                  <a:srgbClr val="FFFFFF"/>
+                </a:solidFill>
+              </a14:hiddenFill>
+            </a:ext>
+            <a:ext uri="{91240B29-F687-4f45-9708-019B960494DF}">
+              <a14:hiddenLine xmlns:a14="http://schemas.microsoft.com/office/drawing/2010/main" w="9525">
+                <a:solidFill>
+                  <a:srgbClr val="000000"/>
+                </a:solidFill>
+                <a:miter lim="800000"/>
+                <a:headEnd/>
+                <a:tailEnd/>
+              </a14:hiddenLine>
+            </a:ext>
+            <a:ext uri="{FAA26D3D-D897-4be2-8F04-BA451C77F1D7}">
+              <ma14:placeholderFlag xmlns:ma14="http://schemas.microsoft.com/office/mac/drawingml/2011/main" val="1"/>
+            </a:ext>
+          </a:extLst>
+        </p:spPr>
+        <p:txBody>
+          <a:bodyPr wrap="square" numCol="1" anchor="t" anchorCtr="0" compatLnSpc="1">
+            <a:prstTxWarp prst="textNoShape">
+              <a:avLst/>
+            </a:prstTxWarp>
+          </a:bodyPr>
+          <a:lstStyle/>
+          <a:p>
+            <a:endParaRPr lang="en-US">
+              <a:latin typeface="Calibri" charset="0"/>
+              <a:ea typeface="ＭＳ Ｐゴシック" charset="0"/>
+              <a:cs typeface="ＭＳ Ｐゴシック" charset="0"/>
+            </a:endParaRPr>
+          </a:p>
+        </p:txBody>
+      </p:sp>
+      <p:sp>
+        <p:nvSpPr>
+          <p:cNvPr id="30723" name="Slide Number Placeholder 3"/>
+          <p:cNvSpPr>
+            <a:spLocks noGrp="1"/>
+          </p:cNvSpPr>
+          <p:nvPr>
+            <p:ph type="sldNum" sz="quarter" idx="5"/>
+          </p:nvPr>
+        </p:nvSpPr>
+        <p:spPr bwMode="auto">
+          <a:noFill/>
+          <a:extLst>
+            <a:ext uri="{909E8E84-426E-40dd-AFC4-6F175D3DCCD1}">
+              <a14:hiddenFill xmlns:a14="http://schemas.microsoft.com/office/drawing/2010/main">
+                <a:solidFill>
+                  <a:srgbClr val="FFFFFF"/>
+                </a:solidFill>
+              </a14:hiddenFill>
+            </a:ext>
+            <a:ext uri="{91240B29-F687-4f45-9708-019B960494DF}">
+              <a14:hiddenLine xmlns:a14="http://schemas.microsoft.com/office/drawing/2010/main" w="9525">
+                <a:solidFill>
+                  <a:srgbClr val="000000"/>
+                </a:solidFill>
+                <a:miter lim="800000"/>
+                <a:headEnd/>
+                <a:tailEnd/>
+              </a14:hiddenLine>
+            </a:ext>
+          </a:extLst>
+        </p:spPr>
+        <p:txBody>
+          <a:bodyPr/>
+          <a:lstStyle>
+            <a:lvl1pPr eaLnBrk="0" hangingPunct="0">
+              <a:defRPr sz="2400">
+                <a:solidFill>
+                  <a:schemeClr val="tx1"/>
+                </a:solidFill>
+                <a:latin typeface="Arial" charset="0"/>
+                <a:ea typeface="ＭＳ Ｐゴシック" charset="0"/>
+                <a:cs typeface="ＭＳ Ｐゴシック" charset="0"/>
+              </a:defRPr>
+            </a:lvl1pPr>
+            <a:lvl2pPr marL="742950" indent="-285750" eaLnBrk="0" hangingPunct="0">
+              <a:defRPr sz="2400">
+                <a:solidFill>
+                  <a:schemeClr val="tx1"/>
+                </a:solidFill>
+                <a:latin typeface="Arial" charset="0"/>
+                <a:ea typeface="ＭＳ Ｐゴシック" charset="0"/>
+              </a:defRPr>
+            </a:lvl2pPr>
+            <a:lvl3pPr marL="1143000" indent="-228600" eaLnBrk="0" hangingPunct="0">
+              <a:defRPr sz="2400">
+                <a:solidFill>
+                  <a:schemeClr val="tx1"/>
+                </a:solidFill>
+                <a:latin typeface="Arial" charset="0"/>
+                <a:ea typeface="ＭＳ Ｐゴシック" charset="0"/>
+              </a:defRPr>
+            </a:lvl3pPr>
+            <a:lvl4pPr marL="1600200" indent="-228600" eaLnBrk="0" hangingPunct="0">
+              <a:defRPr sz="2400">
+                <a:solidFill>
+                  <a:schemeClr val="tx1"/>
+                </a:solidFill>
+                <a:latin typeface="Arial" charset="0"/>
+                <a:ea typeface="ＭＳ Ｐゴシック" charset="0"/>
+              </a:defRPr>
+            </a:lvl4pPr>
+            <a:lvl5pPr marL="2057400" indent="-228600" eaLnBrk="0" hangingPunct="0">
+              <a:defRPr sz="2400">
+                <a:solidFill>
+                  <a:schemeClr val="tx1"/>
+                </a:solidFill>
+                <a:latin typeface="Arial" charset="0"/>
+                <a:ea typeface="ＭＳ Ｐゴシック" charset="0"/>
+              </a:defRPr>
+            </a:lvl5pPr>
+            <a:lvl6pPr marL="2514600" indent="-228600" eaLnBrk="0" fontAlgn="base" hangingPunct="0">
+              <a:spcBef>
+                <a:spcPct val="0"/>
+              </a:spcBef>
+              <a:spcAft>
+                <a:spcPct val="0"/>
+              </a:spcAft>
+              <a:defRPr sz="2400">
+                <a:solidFill>
+                  <a:schemeClr val="tx1"/>
+                </a:solidFill>
+                <a:latin typeface="Arial" charset="0"/>
+                <a:ea typeface="ＭＳ Ｐゴシック" charset="0"/>
+              </a:defRPr>
+            </a:lvl6pPr>
+            <a:lvl7pPr marL="2971800" indent="-228600" eaLnBrk="0" fontAlgn="base" hangingPunct="0">
+              <a:spcBef>
+                <a:spcPct val="0"/>
+              </a:spcBef>
+              <a:spcAft>
+                <a:spcPct val="0"/>
+              </a:spcAft>
+              <a:defRPr sz="2400">
+                <a:solidFill>
+                  <a:schemeClr val="tx1"/>
+                </a:solidFill>
+                <a:latin typeface="Arial" charset="0"/>
+                <a:ea typeface="ＭＳ Ｐゴシック" charset="0"/>
+              </a:defRPr>
+            </a:lvl7pPr>
+            <a:lvl8pPr marL="3429000" indent="-228600" eaLnBrk="0" fontAlgn="base" hangingPunct="0">
+              <a:spcBef>
+                <a:spcPct val="0"/>
+              </a:spcBef>
+              <a:spcAft>
+                <a:spcPct val="0"/>
+              </a:spcAft>
+              <a:defRPr sz="2400">
+                <a:solidFill>
+                  <a:schemeClr val="tx1"/>
+                </a:solidFill>
+                <a:latin typeface="Arial" charset="0"/>
+                <a:ea typeface="ＭＳ Ｐゴシック" charset="0"/>
+              </a:defRPr>
+            </a:lvl8pPr>
+            <a:lvl9pPr marL="3886200" indent="-228600" eaLnBrk="0" fontAlgn="base" hangingPunct="0">
+              <a:spcBef>
+                <a:spcPct val="0"/>
+              </a:spcBef>
+              <a:spcAft>
+                <a:spcPct val="0"/>
+              </a:spcAft>
+              <a:defRPr sz="2400">
+                <a:solidFill>
+                  <a:schemeClr val="tx1"/>
+                </a:solidFill>
+                <a:latin typeface="Arial" charset="0"/>
+                <a:ea typeface="ＭＳ Ｐゴシック" charset="0"/>
+              </a:defRPr>
+            </a:lvl9pPr>
+          </a:lstStyle>
+          <a:p>
+            <a:pPr eaLnBrk="1" hangingPunct="1"/>
+            <a:fld id="{FA14D0B7-6444-3B4F-B6D9-1161969E1B4F}" type="slidenum">
+              <a:rPr lang="en-US" sz="1300">
+                <a:latin typeface="Calibri" charset="0"/>
+              </a:rPr>
+              <a:pPr eaLnBrk="1" hangingPunct="1"/>
+              <a:t>9</a:t>
+            </a:fld>
+            <a:endParaRPr lang="en-US" sz="1300">
+              <a:latin typeface="Calibri" charset="0"/>
+            </a:endParaRPr>
+          </a:p>
+        </p:txBody>
+      </p:sp>
+    </p:spTree>
+  </p:cSld>
+  <p:clrMapOvr>
+    <a:masterClrMapping/>
+  </p:clrMapOvr>
+</p:notes>
+</file>
+
+<file path=ppt/notesSlides/notesSlide7.xml><?xml version="1.0" encoding="utf-8"?>
+<p:notes xmlns:a="http://schemas.openxmlformats.org/drawingml/2006/main" xmlns:r="http://schemas.openxmlformats.org/officeDocument/2006/relationships" xmlns:p="http://schemas.openxmlformats.org/presentationml/2006/main">
+  <p:cSld>
+    <p:spTree>
+      <p:nvGrpSpPr>
+        <p:cNvPr id="1" name=""/>
+        <p:cNvGrpSpPr/>
+        <p:nvPr/>
+      </p:nvGrpSpPr>
+      <p:grpSpPr>
+        <a:xfrm>
+          <a:off x="0" y="0"/>
+          <a:ext cx="0" cy="0"/>
+          <a:chOff x="0" y="0"/>
+          <a:chExt cx="0" cy="0"/>
+        </a:xfrm>
+      </p:grpSpPr>
+      <p:sp>
+        <p:nvSpPr>
+          <p:cNvPr id="32769" name="Slide Image Placeholder 1"/>
+          <p:cNvSpPr>
+            <a:spLocks noGrp="1" noRot="1" noChangeAspect="1"/>
+          </p:cNvSpPr>
+          <p:nvPr>
+            <p:ph type="sldImg"/>
+          </p:nvPr>
+        </p:nvSpPr>
+        <p:spPr bwMode="auto">
+          <a:noFill/>
+          <a:ln>
+            <a:solidFill>
+              <a:srgbClr val="000000"/>
+            </a:solidFill>
+            <a:miter lim="800000"/>
+            <a:headEnd/>
+            <a:tailEnd/>
+          </a:ln>
+          <a:extLst>
+            <a:ext uri="{909E8E84-426E-40dd-AFC4-6F175D3DCCD1}">
+              <a14:hiddenFill xmlns:a14="http://schemas.microsoft.com/office/drawing/2010/main">
+                <a:solidFill>
+                  <a:srgbClr val="FFFFFF"/>
+                </a:solidFill>
+              </a14:hiddenFill>
+            </a:ext>
+            <a:ext uri="{FAA26D3D-D897-4be2-8F04-BA451C77F1D7}">
+              <ma14:placeholderFlag xmlns:ma14="http://schemas.microsoft.com/office/mac/drawingml/2011/main" val="1"/>
+            </a:ext>
+          </a:extLst>
+        </p:spPr>
+      </p:sp>
+      <p:sp>
+        <p:nvSpPr>
+          <p:cNvPr id="32770" name="Notes Placeholder 2"/>
+          <p:cNvSpPr>
+            <a:spLocks noGrp="1"/>
+          </p:cNvSpPr>
+          <p:nvPr>
+            <p:ph type="body" idx="1"/>
+          </p:nvPr>
+        </p:nvSpPr>
+        <p:spPr bwMode="auto">
+          <a:noFill/>
+          <a:extLst>
+            <a:ext uri="{909E8E84-426E-40dd-AFC4-6F175D3DCCD1}">
+              <a14:hiddenFill xmlns:a14="http://schemas.microsoft.com/office/drawing/2010/main">
+                <a:solidFill>
+                  <a:srgbClr val="FFFFFF"/>
+                </a:solidFill>
+              </a14:hiddenFill>
+            </a:ext>
+            <a:ext uri="{91240B29-F687-4f45-9708-019B960494DF}">
+              <a14:hiddenLine xmlns:a14="http://schemas.microsoft.com/office/drawing/2010/main" w="9525">
+                <a:solidFill>
+                  <a:srgbClr val="000000"/>
+                </a:solidFill>
+                <a:miter lim="800000"/>
+                <a:headEnd/>
+                <a:tailEnd/>
+              </a14:hiddenLine>
+            </a:ext>
+            <a:ext uri="{FAA26D3D-D897-4be2-8F04-BA451C77F1D7}">
+              <ma14:placeholderFlag xmlns:ma14="http://schemas.microsoft.com/office/mac/drawingml/2011/main" val="1"/>
+            </a:ext>
+          </a:extLst>
+        </p:spPr>
+        <p:txBody>
+          <a:bodyPr wrap="square" numCol="1" anchor="t" anchorCtr="0" compatLnSpc="1">
+            <a:prstTxWarp prst="textNoShape">
+              <a:avLst/>
+            </a:prstTxWarp>
+          </a:bodyPr>
+          <a:lstStyle/>
+          <a:p>
+            <a:endParaRPr lang="en-US">
+              <a:latin typeface="Calibri" charset="0"/>
+              <a:ea typeface="ＭＳ Ｐゴシック" charset="0"/>
+              <a:cs typeface="ＭＳ Ｐゴシック" charset="0"/>
+            </a:endParaRPr>
+          </a:p>
+        </p:txBody>
+      </p:sp>
+      <p:sp>
+        <p:nvSpPr>
+          <p:cNvPr id="32771" name="Slide Number Placeholder 3"/>
+          <p:cNvSpPr>
+            <a:spLocks noGrp="1"/>
+          </p:cNvSpPr>
+          <p:nvPr>
+            <p:ph type="sldNum" sz="quarter" idx="5"/>
+          </p:nvPr>
+        </p:nvSpPr>
+        <p:spPr bwMode="auto">
+          <a:noFill/>
+          <a:extLst>
+            <a:ext uri="{909E8E84-426E-40dd-AFC4-6F175D3DCCD1}">
+              <a14:hiddenFill xmlns:a14="http://schemas.microsoft.com/office/drawing/2010/main">
+                <a:solidFill>
+                  <a:srgbClr val="FFFFFF"/>
+                </a:solidFill>
+              </a14:hiddenFill>
+            </a:ext>
+            <a:ext uri="{91240B29-F687-4f45-9708-019B960494DF}">
+              <a14:hiddenLine xmlns:a14="http://schemas.microsoft.com/office/drawing/2010/main" w="9525">
+                <a:solidFill>
+                  <a:srgbClr val="000000"/>
+                </a:solidFill>
+                <a:miter lim="800000"/>
+                <a:headEnd/>
+                <a:tailEnd/>
+              </a14:hiddenLine>
+            </a:ext>
+          </a:extLst>
+        </p:spPr>
+        <p:txBody>
+          <a:bodyPr/>
+          <a:lstStyle>
+            <a:lvl1pPr eaLnBrk="0" hangingPunct="0">
+              <a:defRPr sz="2400">
+                <a:solidFill>
+                  <a:schemeClr val="tx1"/>
+                </a:solidFill>
+                <a:latin typeface="Arial" charset="0"/>
+                <a:ea typeface="ＭＳ Ｐゴシック" charset="0"/>
+                <a:cs typeface="ＭＳ Ｐゴシック" charset="0"/>
+              </a:defRPr>
+            </a:lvl1pPr>
+            <a:lvl2pPr marL="742950" indent="-285750" eaLnBrk="0" hangingPunct="0">
+              <a:defRPr sz="2400">
+                <a:solidFill>
+                  <a:schemeClr val="tx1"/>
+                </a:solidFill>
+                <a:latin typeface="Arial" charset="0"/>
+                <a:ea typeface="ＭＳ Ｐゴシック" charset="0"/>
+              </a:defRPr>
+            </a:lvl2pPr>
+            <a:lvl3pPr marL="1143000" indent="-228600" eaLnBrk="0" hangingPunct="0">
+              <a:defRPr sz="2400">
+                <a:solidFill>
+                  <a:schemeClr val="tx1"/>
+                </a:solidFill>
+                <a:latin typeface="Arial" charset="0"/>
+                <a:ea typeface="ＭＳ Ｐゴシック" charset="0"/>
+              </a:defRPr>
+            </a:lvl3pPr>
+            <a:lvl4pPr marL="1600200" indent="-228600" eaLnBrk="0" hangingPunct="0">
+              <a:defRPr sz="2400">
+                <a:solidFill>
+                  <a:schemeClr val="tx1"/>
+                </a:solidFill>
+                <a:latin typeface="Arial" charset="0"/>
+                <a:ea typeface="ＭＳ Ｐゴシック" charset="0"/>
+              </a:defRPr>
+            </a:lvl4pPr>
+            <a:lvl5pPr marL="2057400" indent="-228600" eaLnBrk="0" hangingPunct="0">
+              <a:defRPr sz="2400">
+                <a:solidFill>
+                  <a:schemeClr val="tx1"/>
+                </a:solidFill>
+                <a:latin typeface="Arial" charset="0"/>
+                <a:ea typeface="ＭＳ Ｐゴシック" charset="0"/>
+              </a:defRPr>
+            </a:lvl5pPr>
+            <a:lvl6pPr marL="2514600" indent="-228600" eaLnBrk="0" fontAlgn="base" hangingPunct="0">
+              <a:spcBef>
+                <a:spcPct val="0"/>
+              </a:spcBef>
+              <a:spcAft>
+                <a:spcPct val="0"/>
+              </a:spcAft>
+              <a:defRPr sz="2400">
+                <a:solidFill>
+                  <a:schemeClr val="tx1"/>
+                </a:solidFill>
+                <a:latin typeface="Arial" charset="0"/>
+                <a:ea typeface="ＭＳ Ｐゴシック" charset="0"/>
+              </a:defRPr>
+            </a:lvl6pPr>
+            <a:lvl7pPr marL="2971800" indent="-228600" eaLnBrk="0" fontAlgn="base" hangingPunct="0">
+              <a:spcBef>
+                <a:spcPct val="0"/>
+              </a:spcBef>
+              <a:spcAft>
+                <a:spcPct val="0"/>
+              </a:spcAft>
+              <a:defRPr sz="2400">
+                <a:solidFill>
+                  <a:schemeClr val="tx1"/>
+                </a:solidFill>
+                <a:latin typeface="Arial" charset="0"/>
+                <a:ea typeface="ＭＳ Ｐゴシック" charset="0"/>
+              </a:defRPr>
+            </a:lvl7pPr>
+            <a:lvl8pPr marL="3429000" indent="-228600" eaLnBrk="0" fontAlgn="base" hangingPunct="0">
+              <a:spcBef>
+                <a:spcPct val="0"/>
+              </a:spcBef>
+              <a:spcAft>
+                <a:spcPct val="0"/>
+              </a:spcAft>
+              <a:defRPr sz="2400">
+                <a:solidFill>
+                  <a:schemeClr val="tx1"/>
+                </a:solidFill>
+                <a:latin typeface="Arial" charset="0"/>
+                <a:ea typeface="ＭＳ Ｐゴシック" charset="0"/>
+              </a:defRPr>
+            </a:lvl8pPr>
+            <a:lvl9pPr marL="3886200" indent="-228600" eaLnBrk="0" fontAlgn="base" hangingPunct="0">
+              <a:spcBef>
+                <a:spcPct val="0"/>
+              </a:spcBef>
+              <a:spcAft>
+                <a:spcPct val="0"/>
+              </a:spcAft>
+              <a:defRPr sz="2400">
+                <a:solidFill>
+                  <a:schemeClr val="tx1"/>
+                </a:solidFill>
+                <a:latin typeface="Arial" charset="0"/>
+                <a:ea typeface="ＭＳ Ｐゴシック" charset="0"/>
+              </a:defRPr>
+            </a:lvl9pPr>
+          </a:lstStyle>
+          <a:p>
+            <a:pPr eaLnBrk="1" hangingPunct="1"/>
+            <a:fld id="{B7C34CE4-4685-5149-89F2-9FD0582F0AB7}" type="slidenum">
+              <a:rPr lang="en-US" sz="1300">
+                <a:latin typeface="Calibri" charset="0"/>
+              </a:rPr>
+              <a:pPr eaLnBrk="1" hangingPunct="1"/>
+              <a:t>10</a:t>
+            </a:fld>
+            <a:endParaRPr lang="en-US" sz="1300">
+              <a:latin typeface="Calibri" charset="0"/>
+            </a:endParaRPr>
+          </a:p>
+        </p:txBody>
+      </p:sp>
+    </p:spTree>
+  </p:cSld>
+  <p:clrMapOvr>
+    <a:masterClrMapping/>
+  </p:clrMapOvr>
+</p:notes>
+</file>
+
 <file path=ppt/slideLayouts/slideLayout1.xml><?xml version="1.0" encoding="utf-8"?>
 <p:sldLayout xmlns:a="http://schemas.openxmlformats.org/drawingml/2006/main" xmlns:r="http://schemas.openxmlformats.org/officeDocument/2006/relationships" xmlns:p="http://schemas.openxmlformats.org/presentationml/2006/main" preserve="1" userDrawn="1">
   <p:cSld name="Title">
@@ -906,14 +2754,14 @@
           </a:ln>
           <a:extLst>
             <a:ext uri="{909E8E84-426E-40dd-AFC4-6F175D3DCCD1}">
-              <a14:hiddenFill xmlns:a14="http://schemas.microsoft.com/office/drawing/2010/main" xmlns="">
+              <a14:hiddenFill xmlns:a14="http://schemas.microsoft.com/office/drawing/2010/main">
                 <a:solidFill>
                   <a:srgbClr val="FFFFFF"/>
                 </a:solidFill>
               </a14:hiddenFill>
             </a:ext>
             <a:ext uri="{91240B29-F687-4f45-9708-019B960494DF}">
-              <a14:hiddenLine xmlns:a14="http://schemas.microsoft.com/office/drawing/2010/main" xmlns="" w="9525">
+              <a14:hiddenLine xmlns:a14="http://schemas.microsoft.com/office/drawing/2010/main" w="9525">
                 <a:solidFill>
                   <a:srgbClr val="000000"/>
                 </a:solidFill>
@@ -2936,18 +4784,15 @@
             <a:noFill/>
           </a:ln>
           <a:extLst>
-            <a:ext uri="{FAA26D3D-D897-4be2-8F04-BA451C77F1D7}">
-              <ma14:placeholderFlag xmlns:ma14="http://schemas.microsoft.com/office/mac/drawingml/2011/main" val="1"/>
-            </a:ext>
             <a:ext uri="{909E8E84-426E-40dd-AFC4-6F175D3DCCD1}">
-              <a14:hiddenFill xmlns:a14="http://schemas.microsoft.com/office/drawing/2010/main" xmlns="">
+              <a14:hiddenFill xmlns:a14="http://schemas.microsoft.com/office/drawing/2010/main">
                 <a:solidFill>
                   <a:srgbClr val="FFFFFF"/>
                 </a:solidFill>
               </a14:hiddenFill>
             </a:ext>
             <a:ext uri="{91240B29-F687-4f45-9708-019B960494DF}">
-              <a14:hiddenLine xmlns:a14="http://schemas.microsoft.com/office/drawing/2010/main" xmlns="" w="9525">
+              <a14:hiddenLine xmlns:a14="http://schemas.microsoft.com/office/drawing/2010/main" w="9525">
                 <a:solidFill>
                   <a:srgbClr val="000000"/>
                 </a:solidFill>
@@ -2955,6 +4800,9 @@
                 <a:headEnd/>
                 <a:tailEnd/>
               </a14:hiddenLine>
+            </a:ext>
+            <a:ext uri="{FAA26D3D-D897-4be2-8F04-BA451C77F1D7}">
+              <ma14:placeholderFlag xmlns:ma14="http://schemas.microsoft.com/office/mac/drawingml/2011/main" val="1"/>
             </a:ext>
           </a:extLst>
         </p:spPr>
@@ -2997,18 +4845,15 @@
             <a:noFill/>
           </a:ln>
           <a:extLst>
-            <a:ext uri="{FAA26D3D-D897-4be2-8F04-BA451C77F1D7}">
-              <ma14:placeholderFlag xmlns:ma14="http://schemas.microsoft.com/office/mac/drawingml/2011/main" val="1"/>
-            </a:ext>
             <a:ext uri="{909E8E84-426E-40dd-AFC4-6F175D3DCCD1}">
-              <a14:hiddenFill xmlns:a14="http://schemas.microsoft.com/office/drawing/2010/main" xmlns="">
+              <a14:hiddenFill xmlns:a14="http://schemas.microsoft.com/office/drawing/2010/main">
                 <a:solidFill>
                   <a:srgbClr val="FFFFFF"/>
                 </a:solidFill>
               </a14:hiddenFill>
             </a:ext>
             <a:ext uri="{91240B29-F687-4f45-9708-019B960494DF}">
-              <a14:hiddenLine xmlns:a14="http://schemas.microsoft.com/office/drawing/2010/main" xmlns="" w="9525">
+              <a14:hiddenLine xmlns:a14="http://schemas.microsoft.com/office/drawing/2010/main" w="9525">
                 <a:solidFill>
                   <a:srgbClr val="000000"/>
                 </a:solidFill>
@@ -3016,6 +4861,9 @@
                 <a:headEnd/>
                 <a:tailEnd/>
               </a14:hiddenLine>
+            </a:ext>
+            <a:ext uri="{FAA26D3D-D897-4be2-8F04-BA451C77F1D7}">
+              <ma14:placeholderFlag xmlns:ma14="http://schemas.microsoft.com/office/mac/drawingml/2011/main" val="1"/>
             </a:ext>
           </a:extLst>
         </p:spPr>
@@ -3107,7 +4955,7 @@
               <a:pPr>
                 <a:defRPr/>
               </a:pPr>
-              <a:t>11/10/16</a:t>
+              <a:t>11/14/16</a:t>
             </a:fld>
             <a:endParaRPr lang="en-US"/>
           </a:p>
@@ -3687,18 +5535,15 @@
             <a:noFill/>
           </a:ln>
           <a:extLst>
-            <a:ext uri="{FAA26D3D-D897-4be2-8F04-BA451C77F1D7}">
-              <ma14:placeholderFlag xmlns:ma14="http://schemas.microsoft.com/office/mac/drawingml/2011/main" val="1"/>
-            </a:ext>
             <a:ext uri="{909E8E84-426E-40dd-AFC4-6F175D3DCCD1}">
-              <a14:hiddenFill xmlns:a14="http://schemas.microsoft.com/office/drawing/2010/main" xmlns="">
+              <a14:hiddenFill xmlns:a14="http://schemas.microsoft.com/office/drawing/2010/main">
                 <a:solidFill>
                   <a:srgbClr val="FFFFFF"/>
                 </a:solidFill>
               </a14:hiddenFill>
             </a:ext>
             <a:ext uri="{91240B29-F687-4f45-9708-019B960494DF}">
-              <a14:hiddenLine xmlns:a14="http://schemas.microsoft.com/office/drawing/2010/main" xmlns="" w="9525">
+              <a14:hiddenLine xmlns:a14="http://schemas.microsoft.com/office/drawing/2010/main" w="9525">
                 <a:solidFill>
                   <a:srgbClr val="000000"/>
                 </a:solidFill>
@@ -3706,6 +5551,9 @@
                 <a:headEnd/>
                 <a:tailEnd/>
               </a14:hiddenLine>
+            </a:ext>
+            <a:ext uri="{FAA26D3D-D897-4be2-8F04-BA451C77F1D7}">
+              <ma14:placeholderFlag xmlns:ma14="http://schemas.microsoft.com/office/mac/drawingml/2011/main" val="1"/>
             </a:ext>
           </a:extLst>
         </p:spPr>
@@ -3832,6 +5680,690 @@
                 <a:latin typeface="Calibri" charset="0"/>
               </a:rPr>
               <a:t>http://meetings.cshl.edu/courses.html</a:t>
+            </a:r>
+          </a:p>
+        </p:txBody>
+      </p:sp>
+    </p:spTree>
+  </p:cSld>
+  <p:clrMapOvr>
+    <a:masterClrMapping/>
+  </p:clrMapOvr>
+</p:sld>
+</file>
+
+<file path=ppt/slides/slide10.xml><?xml version="1.0" encoding="utf-8"?>
+<p:sld xmlns:a="http://schemas.openxmlformats.org/drawingml/2006/main" xmlns:r="http://schemas.openxmlformats.org/officeDocument/2006/relationships" xmlns:p="http://schemas.openxmlformats.org/presentationml/2006/main">
+  <p:cSld>
+    <p:spTree>
+      <p:nvGrpSpPr>
+        <p:cNvPr id="1" name=""/>
+        <p:cNvGrpSpPr/>
+        <p:nvPr/>
+      </p:nvGrpSpPr>
+      <p:grpSpPr>
+        <a:xfrm>
+          <a:off x="0" y="0"/>
+          <a:ext cx="0" cy="0"/>
+          <a:chOff x="0" y="0"/>
+          <a:chExt cx="0" cy="0"/>
+        </a:xfrm>
+      </p:grpSpPr>
+      <p:sp>
+        <p:nvSpPr>
+          <p:cNvPr id="31745" name="Title 1"/>
+          <p:cNvSpPr>
+            <a:spLocks noGrp="1"/>
+          </p:cNvSpPr>
+          <p:nvPr>
+            <p:ph type="title"/>
+          </p:nvPr>
+        </p:nvSpPr>
+        <p:spPr>
+          <a:xfrm>
+            <a:off x="152400" y="44450"/>
+            <a:ext cx="8839200" cy="1143000"/>
+          </a:xfrm>
+        </p:spPr>
+        <p:txBody>
+          <a:bodyPr/>
+          <a:lstStyle/>
+          <a:p>
+            <a:r>
+              <a:rPr lang="en-US" sz="3200" dirty="0" smtClean="0">
+                <a:latin typeface="Calibri" charset="0"/>
+                <a:ea typeface="ＭＳ Ｐゴシック" charset="0"/>
+              </a:rPr>
+              <a:t>Perform </a:t>
+            </a:r>
+            <a:r>
+              <a:rPr lang="en-US" sz="3200" dirty="0">
+                <a:latin typeface="Calibri" charset="0"/>
+                <a:ea typeface="ＭＳ Ｐゴシック" charset="0"/>
+              </a:rPr>
+              <a:t>differential expression analysis with </a:t>
+            </a:r>
+            <a:r>
+              <a:rPr lang="en-US" sz="3200" dirty="0" err="1">
+                <a:latin typeface="Calibri" charset="0"/>
+                <a:ea typeface="ＭＳ Ｐゴシック" charset="0"/>
+              </a:rPr>
+              <a:t>edgeR</a:t>
+            </a:r>
+            <a:r>
+              <a:rPr lang="en-US" sz="3200" dirty="0">
+                <a:latin typeface="Calibri" charset="0"/>
+                <a:ea typeface="ＭＳ Ｐゴシック" charset="0"/>
+              </a:rPr>
+              <a:t> using </a:t>
+            </a:r>
+            <a:r>
+              <a:rPr lang="en-US" sz="3200" dirty="0" err="1">
+                <a:latin typeface="Calibri" charset="0"/>
+                <a:ea typeface="ＭＳ Ｐゴシック" charset="0"/>
+              </a:rPr>
+              <a:t>htseq</a:t>
+            </a:r>
+            <a:r>
+              <a:rPr lang="en-US" sz="3200" dirty="0">
+                <a:latin typeface="Calibri" charset="0"/>
+                <a:ea typeface="ＭＳ Ｐゴシック" charset="0"/>
+              </a:rPr>
+              <a:t> output (optional)</a:t>
+            </a:r>
+          </a:p>
+        </p:txBody>
+      </p:sp>
+      <p:sp>
+        <p:nvSpPr>
+          <p:cNvPr id="31746" name="Content Placeholder 2"/>
+          <p:cNvSpPr>
+            <a:spLocks noGrp="1"/>
+          </p:cNvSpPr>
+          <p:nvPr>
+            <p:ph idx="1"/>
+          </p:nvPr>
+        </p:nvSpPr>
+        <p:spPr>
+          <a:xfrm>
+            <a:off x="152400" y="1268413"/>
+            <a:ext cx="8839200" cy="5056187"/>
+          </a:xfrm>
+        </p:spPr>
+        <p:txBody>
+          <a:bodyPr/>
+          <a:lstStyle/>
+          <a:p>
+            <a:pPr>
+              <a:lnSpc>
+                <a:spcPct val="90000"/>
+              </a:lnSpc>
+            </a:pPr>
+            <a:r>
+              <a:rPr lang="en-US" sz="2600">
+                <a:latin typeface="Calibri" charset="0"/>
+                <a:ea typeface="ＭＳ Ｐゴシック" charset="0"/>
+              </a:rPr>
+              <a:t>Make use of raw counts generated by htseq-count</a:t>
+            </a:r>
+          </a:p>
+          <a:p>
+            <a:pPr>
+              <a:lnSpc>
+                <a:spcPct val="90000"/>
+              </a:lnSpc>
+            </a:pPr>
+            <a:r>
+              <a:rPr lang="en-US" sz="2600">
+                <a:latin typeface="Calibri" charset="0"/>
+                <a:ea typeface="ＭＳ Ｐゴシック" charset="0"/>
+              </a:rPr>
+              <a:t>Load into R and process with edgeR package</a:t>
+            </a:r>
+          </a:p>
+          <a:p>
+            <a:pPr>
+              <a:lnSpc>
+                <a:spcPct val="90000"/>
+              </a:lnSpc>
+            </a:pPr>
+            <a:r>
+              <a:rPr lang="en-US" sz="2600">
+                <a:latin typeface="Calibri" charset="0"/>
+                <a:ea typeface="ＭＳ Ｐゴシック" charset="0"/>
+              </a:rPr>
+              <a:t>Compare significantly differentially expressed genes from two methods</a:t>
+            </a:r>
+          </a:p>
+          <a:p>
+            <a:pPr>
+              <a:lnSpc>
+                <a:spcPct val="90000"/>
+              </a:lnSpc>
+            </a:pPr>
+            <a:endParaRPr lang="en-US" sz="2600">
+              <a:latin typeface="Calibri" charset="0"/>
+              <a:ea typeface="ＭＳ Ｐゴシック" charset="0"/>
+            </a:endParaRPr>
+          </a:p>
+        </p:txBody>
+      </p:sp>
+      <p:pic>
+        <p:nvPicPr>
+          <p:cNvPr id="2" name="Picture 1"/>
+          <p:cNvPicPr>
+            <a:picLocks noChangeAspect="1"/>
+          </p:cNvPicPr>
+          <p:nvPr/>
+        </p:nvPicPr>
+        <p:blipFill rotWithShape="1">
+          <a:blip r:embed="rId3"/>
+          <a:srcRect l="10528" t="20392" r="10234" b="25227"/>
+          <a:stretch/>
+        </p:blipFill>
+        <p:spPr>
+          <a:xfrm>
+            <a:off x="2162187" y="2780928"/>
+            <a:ext cx="4930093" cy="3383473"/>
+          </a:xfrm>
+          <a:prstGeom prst="rect">
+            <a:avLst/>
+          </a:prstGeom>
+        </p:spPr>
+      </p:pic>
+    </p:spTree>
+    <p:extLst>
+      <p:ext uri="{BB962C8B-B14F-4D97-AF65-F5344CB8AC3E}">
+        <p14:creationId xmlns:p14="http://schemas.microsoft.com/office/powerpoint/2010/main" val="2332576034"/>
+      </p:ext>
+    </p:extLst>
+  </p:cSld>
+  <p:clrMapOvr>
+    <a:masterClrMapping/>
+  </p:clrMapOvr>
+  <p:timing>
+    <p:tnLst>
+      <p:par>
+        <p:cTn xmlns:p14="http://schemas.microsoft.com/office/powerpoint/2010/main" id="1" dur="indefinite" restart="never" nodeType="tmRoot"/>
+      </p:par>
+    </p:tnLst>
+  </p:timing>
+</p:sld>
+</file>
+
+<file path=ppt/slides/slide11.xml><?xml version="1.0" encoding="utf-8"?>
+<p:sld xmlns:a="http://schemas.openxmlformats.org/drawingml/2006/main" xmlns:r="http://schemas.openxmlformats.org/officeDocument/2006/relationships" xmlns:p="http://schemas.openxmlformats.org/presentationml/2006/main">
+  <p:cSld>
+    <p:spTree>
+      <p:nvGrpSpPr>
+        <p:cNvPr id="1" name=""/>
+        <p:cNvGrpSpPr/>
+        <p:nvPr/>
+      </p:nvGrpSpPr>
+      <p:grpSpPr>
+        <a:xfrm>
+          <a:off x="0" y="0"/>
+          <a:ext cx="0" cy="0"/>
+          <a:chOff x="0" y="0"/>
+          <a:chExt cx="0" cy="0"/>
+        </a:xfrm>
+      </p:grpSpPr>
+      <p:sp>
+        <p:nvSpPr>
+          <p:cNvPr id="2" name="Title 1"/>
+          <p:cNvSpPr>
+            <a:spLocks noGrp="1"/>
+          </p:cNvSpPr>
+          <p:nvPr>
+            <p:ph type="title"/>
+          </p:nvPr>
+        </p:nvSpPr>
+        <p:spPr/>
+        <p:txBody>
+          <a:bodyPr/>
+          <a:lstStyle/>
+          <a:p>
+            <a:r>
+              <a:rPr lang="en-US" sz="3600" dirty="0" smtClean="0"/>
+              <a:t>Analysis of ERCC spike-in expression and differential expression (optional)</a:t>
+            </a:r>
+            <a:endParaRPr lang="en-US" sz="3600" dirty="0"/>
+          </a:p>
+        </p:txBody>
+      </p:sp>
+      <p:pic>
+        <p:nvPicPr>
+          <p:cNvPr id="6" name="Content Placeholder 5" descr="Screen Shot 2014-11-17 at 5.29.59 PM.png"/>
+          <p:cNvPicPr>
+            <a:picLocks noGrp="1" noChangeAspect="1"/>
+          </p:cNvPicPr>
+          <p:nvPr>
+            <p:ph idx="1"/>
+          </p:nvPr>
+        </p:nvPicPr>
+        <p:blipFill>
+          <a:blip r:embed="rId2">
+            <a:extLst>
+              <a:ext uri="{28A0092B-C50C-407E-A947-70E740481C1C}">
+                <a14:useLocalDpi xmlns:a14="http://schemas.microsoft.com/office/drawing/2010/main" val="0"/>
+              </a:ext>
+            </a:extLst>
+          </a:blip>
+          <a:srcRect l="-18197" r="-18197"/>
+          <a:stretch>
+            <a:fillRect/>
+          </a:stretch>
+        </p:blipFill>
+        <p:spPr>
+          <a:xfrm>
+            <a:off x="0" y="3789040"/>
+            <a:ext cx="3960666" cy="2116832"/>
+          </a:xfrm>
+        </p:spPr>
+      </p:pic>
+      <p:pic>
+        <p:nvPicPr>
+          <p:cNvPr id="7" name="Picture 6" descr="Screen Shot 2014-11-17 at 5.30.06 PM.png"/>
+          <p:cNvPicPr>
+            <a:picLocks noChangeAspect="1"/>
+          </p:cNvPicPr>
+          <p:nvPr/>
+        </p:nvPicPr>
+        <p:blipFill>
+          <a:blip r:embed="rId3">
+            <a:extLst>
+              <a:ext uri="{28A0092B-C50C-407E-A947-70E740481C1C}">
+                <a14:useLocalDpi xmlns:a14="http://schemas.microsoft.com/office/drawing/2010/main" val="0"/>
+              </a:ext>
+            </a:extLst>
+          </a:blip>
+          <a:stretch>
+            <a:fillRect/>
+          </a:stretch>
+        </p:blipFill>
+        <p:spPr>
+          <a:xfrm>
+            <a:off x="3491880" y="3853803"/>
+            <a:ext cx="2844637" cy="2558440"/>
+          </a:xfrm>
+          <a:prstGeom prst="rect">
+            <a:avLst/>
+          </a:prstGeom>
+        </p:spPr>
+      </p:pic>
+      <p:pic>
+        <p:nvPicPr>
+          <p:cNvPr id="8" name="Picture 7" descr="Screen Shot 2014-11-17 at 5.30.27 PM.png"/>
+          <p:cNvPicPr>
+            <a:picLocks noChangeAspect="1"/>
+          </p:cNvPicPr>
+          <p:nvPr/>
+        </p:nvPicPr>
+        <p:blipFill>
+          <a:blip r:embed="rId4">
+            <a:extLst>
+              <a:ext uri="{28A0092B-C50C-407E-A947-70E740481C1C}">
+                <a14:useLocalDpi xmlns:a14="http://schemas.microsoft.com/office/drawing/2010/main" val="0"/>
+              </a:ext>
+            </a:extLst>
+          </a:blip>
+          <a:stretch>
+            <a:fillRect/>
+          </a:stretch>
+        </p:blipFill>
+        <p:spPr>
+          <a:xfrm>
+            <a:off x="6084168" y="3861048"/>
+            <a:ext cx="2866380" cy="2425399"/>
+          </a:xfrm>
+          <a:prstGeom prst="rect">
+            <a:avLst/>
+          </a:prstGeom>
+        </p:spPr>
+      </p:pic>
+      <p:sp>
+        <p:nvSpPr>
+          <p:cNvPr id="10" name="Content Placeholder 2"/>
+          <p:cNvSpPr txBox="1">
+            <a:spLocks/>
+          </p:cNvSpPr>
+          <p:nvPr/>
+        </p:nvSpPr>
+        <p:spPr bwMode="auto">
+          <a:xfrm>
+            <a:off x="197296" y="1628453"/>
+            <a:ext cx="8839200" cy="2448619"/>
+          </a:xfrm>
+          <a:prstGeom prst="rect">
+            <a:avLst/>
+          </a:prstGeom>
+          <a:noFill/>
+          <a:ln>
+            <a:noFill/>
+          </a:ln>
+          <a:extLst>
+            <a:ext uri="{909E8E84-426E-40dd-AFC4-6F175D3DCCD1}">
+              <a14:hiddenFill xmlns:a14="http://schemas.microsoft.com/office/drawing/2010/main">
+                <a:solidFill>
+                  <a:srgbClr val="FFFFFF"/>
+                </a:solidFill>
+              </a14:hiddenFill>
+            </a:ext>
+            <a:ext uri="{91240B29-F687-4f45-9708-019B960494DF}">
+              <a14:hiddenLine xmlns:a14="http://schemas.microsoft.com/office/drawing/2010/main" w="9525">
+                <a:solidFill>
+                  <a:srgbClr val="000000"/>
+                </a:solidFill>
+                <a:miter lim="800000"/>
+                <a:headEnd/>
+                <a:tailEnd/>
+              </a14:hiddenLine>
+            </a:ext>
+            <a:ext uri="{FAA26D3D-D897-4be2-8F04-BA451C77F1D7}">
+              <ma14:placeholderFlag xmlns:ma14="http://schemas.microsoft.com/office/mac/drawingml/2011/main" val="1"/>
+            </a:ext>
+          </a:extLst>
+        </p:spPr>
+        <p:txBody>
+          <a:bodyPr vert="horz" wrap="square" lIns="91440" tIns="45720" rIns="91440" bIns="45720" numCol="1" anchor="t" anchorCtr="0" compatLnSpc="1">
+            <a:prstTxWarp prst="textNoShape">
+              <a:avLst/>
+            </a:prstTxWarp>
+          </a:bodyPr>
+          <a:lstStyle>
+            <a:lvl1pPr marL="342900" indent="-342900" algn="l" rtl="0" eaLnBrk="0" fontAlgn="base" hangingPunct="0">
+              <a:spcBef>
+                <a:spcPct val="20000"/>
+              </a:spcBef>
+              <a:spcAft>
+                <a:spcPct val="0"/>
+              </a:spcAft>
+              <a:buFont typeface="Arial" charset="0"/>
+              <a:buChar char="•"/>
+              <a:defRPr sz="2800" kern="1200">
+                <a:solidFill>
+                  <a:schemeClr val="tx1"/>
+                </a:solidFill>
+                <a:latin typeface="Calibri"/>
+                <a:ea typeface="ＭＳ Ｐゴシック" pitchFamily="-28" charset="-128"/>
+                <a:cs typeface="Calibri"/>
+              </a:defRPr>
+            </a:lvl1pPr>
+            <a:lvl2pPr marL="742950" indent="-285750" algn="l" rtl="0" eaLnBrk="0" fontAlgn="base" hangingPunct="0">
+              <a:spcBef>
+                <a:spcPct val="20000"/>
+              </a:spcBef>
+              <a:spcAft>
+                <a:spcPct val="0"/>
+              </a:spcAft>
+              <a:buFont typeface="Arial" charset="0"/>
+              <a:buChar char="–"/>
+              <a:defRPr sz="2400" kern="1200">
+                <a:solidFill>
+                  <a:schemeClr val="tx1"/>
+                </a:solidFill>
+                <a:latin typeface="Calibri"/>
+                <a:ea typeface="ＭＳ Ｐゴシック" pitchFamily="-28" charset="-128"/>
+                <a:cs typeface="Calibri"/>
+              </a:defRPr>
+            </a:lvl2pPr>
+            <a:lvl3pPr marL="1143000" indent="-228600" algn="l" rtl="0" eaLnBrk="0" fontAlgn="base" hangingPunct="0">
+              <a:spcBef>
+                <a:spcPct val="20000"/>
+              </a:spcBef>
+              <a:spcAft>
+                <a:spcPct val="0"/>
+              </a:spcAft>
+              <a:buFont typeface="Arial" charset="0"/>
+              <a:buChar char="•"/>
+              <a:defRPr sz="2000" kern="1200">
+                <a:solidFill>
+                  <a:schemeClr val="tx1"/>
+                </a:solidFill>
+                <a:latin typeface="Calibri"/>
+                <a:ea typeface="ＭＳ Ｐゴシック" pitchFamily="-28" charset="-128"/>
+                <a:cs typeface="Calibri"/>
+              </a:defRPr>
+            </a:lvl3pPr>
+            <a:lvl4pPr marL="1600200" indent="-228600" algn="l" rtl="0" eaLnBrk="0" fontAlgn="base" hangingPunct="0">
+              <a:spcBef>
+                <a:spcPct val="20000"/>
+              </a:spcBef>
+              <a:spcAft>
+                <a:spcPct val="0"/>
+              </a:spcAft>
+              <a:buFont typeface="Arial" charset="0"/>
+              <a:buChar char="–"/>
+              <a:defRPr kern="1200">
+                <a:solidFill>
+                  <a:schemeClr val="tx1"/>
+                </a:solidFill>
+                <a:latin typeface="Calibri"/>
+                <a:ea typeface="ＭＳ Ｐゴシック" pitchFamily="-28" charset="-128"/>
+                <a:cs typeface="Calibri"/>
+              </a:defRPr>
+            </a:lvl4pPr>
+            <a:lvl5pPr marL="2057400" indent="-228600" algn="l" rtl="0" eaLnBrk="0" fontAlgn="base" hangingPunct="0">
+              <a:spcBef>
+                <a:spcPct val="20000"/>
+              </a:spcBef>
+              <a:spcAft>
+                <a:spcPct val="0"/>
+              </a:spcAft>
+              <a:buFont typeface="Arial" charset="0"/>
+              <a:buChar char="»"/>
+              <a:defRPr kern="1200">
+                <a:solidFill>
+                  <a:schemeClr val="tx1"/>
+                </a:solidFill>
+                <a:latin typeface="Calibri"/>
+                <a:ea typeface="ＭＳ Ｐゴシック" pitchFamily="-28" charset="-128"/>
+                <a:cs typeface="Calibri"/>
+              </a:defRPr>
+            </a:lvl5pPr>
+            <a:lvl6pPr marL="2514600" indent="-228600" algn="l" defTabSz="914400" rtl="0" eaLnBrk="1" latinLnBrk="0" hangingPunct="1">
+              <a:spcBef>
+                <a:spcPct val="20000"/>
+              </a:spcBef>
+              <a:buFont typeface="Arial" pitchFamily="34" charset="0"/>
+              <a:buChar char="•"/>
+              <a:defRPr sz="2000" kern="1200">
+                <a:solidFill>
+                  <a:schemeClr val="tx1"/>
+                </a:solidFill>
+                <a:latin typeface="+mn-lt"/>
+                <a:ea typeface="+mn-ea"/>
+                <a:cs typeface="+mn-cs"/>
+              </a:defRPr>
+            </a:lvl6pPr>
+            <a:lvl7pPr marL="2971800" indent="-228600" algn="l" defTabSz="914400" rtl="0" eaLnBrk="1" latinLnBrk="0" hangingPunct="1">
+              <a:spcBef>
+                <a:spcPct val="20000"/>
+              </a:spcBef>
+              <a:buFont typeface="Arial" pitchFamily="34" charset="0"/>
+              <a:buChar char="•"/>
+              <a:defRPr sz="2000" kern="1200">
+                <a:solidFill>
+                  <a:schemeClr val="tx1"/>
+                </a:solidFill>
+                <a:latin typeface="+mn-lt"/>
+                <a:ea typeface="+mn-ea"/>
+                <a:cs typeface="+mn-cs"/>
+              </a:defRPr>
+            </a:lvl7pPr>
+            <a:lvl8pPr marL="3429000" indent="-228600" algn="l" defTabSz="914400" rtl="0" eaLnBrk="1" latinLnBrk="0" hangingPunct="1">
+              <a:spcBef>
+                <a:spcPct val="20000"/>
+              </a:spcBef>
+              <a:buFont typeface="Arial" pitchFamily="34" charset="0"/>
+              <a:buChar char="•"/>
+              <a:defRPr sz="2000" kern="1200">
+                <a:solidFill>
+                  <a:schemeClr val="tx1"/>
+                </a:solidFill>
+                <a:latin typeface="+mn-lt"/>
+                <a:ea typeface="+mn-ea"/>
+                <a:cs typeface="+mn-cs"/>
+              </a:defRPr>
+            </a:lvl8pPr>
+            <a:lvl9pPr marL="3886200" indent="-228600" algn="l" defTabSz="914400" rtl="0" eaLnBrk="1" latinLnBrk="0" hangingPunct="1">
+              <a:spcBef>
+                <a:spcPct val="20000"/>
+              </a:spcBef>
+              <a:buFont typeface="Arial" pitchFamily="34" charset="0"/>
+              <a:buChar char="•"/>
+              <a:defRPr sz="2000" kern="1200">
+                <a:solidFill>
+                  <a:schemeClr val="tx1"/>
+                </a:solidFill>
+                <a:latin typeface="+mn-lt"/>
+                <a:ea typeface="+mn-ea"/>
+                <a:cs typeface="+mn-cs"/>
+              </a:defRPr>
+            </a:lvl9pPr>
+          </a:lstStyle>
+          <a:p>
+            <a:pPr>
+              <a:lnSpc>
+                <a:spcPct val="90000"/>
+              </a:lnSpc>
+            </a:pPr>
+            <a:r>
+              <a:rPr lang="en-US" sz="2600" dirty="0">
+                <a:latin typeface="Calibri" charset="0"/>
+                <a:ea typeface="ＭＳ Ｐゴシック" charset="0"/>
+                <a:hlinkClick r:id="rId5"/>
+              </a:rPr>
+              <a:t>https://tools.lifetechnologies.com/content/sfs/manuals/cms_086340.</a:t>
+            </a:r>
+            <a:r>
+              <a:rPr lang="en-US" sz="2600" dirty="0" smtClean="0">
+                <a:latin typeface="Calibri" charset="0"/>
+                <a:ea typeface="ＭＳ Ｐゴシック" charset="0"/>
+                <a:hlinkClick r:id="rId5"/>
+              </a:rPr>
+              <a:t>pdf</a:t>
+            </a:r>
+            <a:endParaRPr lang="en-US" sz="2600" dirty="0" smtClean="0">
+              <a:latin typeface="Calibri" charset="0"/>
+              <a:ea typeface="ＭＳ Ｐゴシック" charset="0"/>
+            </a:endParaRPr>
+          </a:p>
+          <a:p>
+            <a:pPr>
+              <a:lnSpc>
+                <a:spcPct val="90000"/>
+              </a:lnSpc>
+            </a:pPr>
+            <a:r>
+              <a:rPr lang="en-US" sz="2600" dirty="0" smtClean="0">
+                <a:latin typeface="Calibri" charset="0"/>
+                <a:ea typeface="ＭＳ Ｐゴシック" charset="0"/>
+              </a:rPr>
+              <a:t>Lower Limit of Detection</a:t>
+            </a:r>
+          </a:p>
+          <a:p>
+            <a:pPr>
+              <a:lnSpc>
+                <a:spcPct val="90000"/>
+              </a:lnSpc>
+            </a:pPr>
+            <a:r>
+              <a:rPr lang="en-US" sz="2600" dirty="0" smtClean="0">
+                <a:latin typeface="Calibri" charset="0"/>
+                <a:ea typeface="ＭＳ Ｐゴシック" charset="0"/>
+              </a:rPr>
+              <a:t>Dynamic Range (dose response)</a:t>
+            </a:r>
+          </a:p>
+          <a:p>
+            <a:pPr>
+              <a:lnSpc>
+                <a:spcPct val="90000"/>
+              </a:lnSpc>
+            </a:pPr>
+            <a:r>
+              <a:rPr lang="en-US" sz="2600" dirty="0" smtClean="0">
+                <a:latin typeface="Calibri" charset="0"/>
+                <a:ea typeface="ＭＳ Ｐゴシック" charset="0"/>
+              </a:rPr>
+              <a:t>Fold-change response (DE)</a:t>
+            </a:r>
+          </a:p>
+          <a:p>
+            <a:pPr>
+              <a:lnSpc>
+                <a:spcPct val="90000"/>
+              </a:lnSpc>
+            </a:pPr>
+            <a:endParaRPr lang="en-US" sz="2600" dirty="0">
+              <a:latin typeface="Calibri" charset="0"/>
+              <a:ea typeface="ＭＳ Ｐゴシック" charset="0"/>
+            </a:endParaRPr>
+          </a:p>
+        </p:txBody>
+      </p:sp>
+    </p:spTree>
+    <p:extLst>
+      <p:ext uri="{BB962C8B-B14F-4D97-AF65-F5344CB8AC3E}">
+        <p14:creationId xmlns:p14="http://schemas.microsoft.com/office/powerpoint/2010/main" val="1079796798"/>
+      </p:ext>
+    </p:extLst>
+  </p:cSld>
+  <p:clrMapOvr>
+    <a:masterClrMapping/>
+  </p:clrMapOvr>
+</p:sld>
+</file>
+
+<file path=ppt/slides/slide12.xml><?xml version="1.0" encoding="utf-8"?>
+<p:sld xmlns:a="http://schemas.openxmlformats.org/drawingml/2006/main" xmlns:r="http://schemas.openxmlformats.org/officeDocument/2006/relationships" xmlns:p="http://schemas.openxmlformats.org/presentationml/2006/main">
+  <p:cSld>
+    <p:spTree>
+      <p:nvGrpSpPr>
+        <p:cNvPr id="1" name=""/>
+        <p:cNvGrpSpPr/>
+        <p:nvPr/>
+      </p:nvGrpSpPr>
+      <p:grpSpPr>
+        <a:xfrm>
+          <a:off x="0" y="0"/>
+          <a:ext cx="0" cy="0"/>
+          <a:chOff x="0" y="0"/>
+          <a:chExt cx="0" cy="0"/>
+        </a:xfrm>
+      </p:grpSpPr>
+      <p:sp>
+        <p:nvSpPr>
+          <p:cNvPr id="11265" name="Content Placeholder 3"/>
+          <p:cNvSpPr>
+            <a:spLocks noGrp="1"/>
+          </p:cNvSpPr>
+          <p:nvPr>
+            <p:ph idx="1"/>
+          </p:nvPr>
+        </p:nvSpPr>
+        <p:spPr>
+          <a:xfrm>
+            <a:off x="152400" y="2667000"/>
+            <a:ext cx="8839200" cy="1600200"/>
+          </a:xfrm>
+        </p:spPr>
+        <p:txBody>
+          <a:bodyPr/>
+          <a:lstStyle/>
+          <a:p>
+            <a:pPr algn="ctr">
+              <a:buFont typeface="Arial" charset="0"/>
+              <a:buNone/>
+            </a:pPr>
+            <a:r>
+              <a:rPr lang="en-US" sz="4400">
+                <a:latin typeface="Calibri" charset="0"/>
+                <a:ea typeface="ＭＳ Ｐゴシック" charset="0"/>
+              </a:rPr>
+              <a:t>Break</a:t>
             </a:r>
           </a:p>
         </p:txBody>
@@ -3951,14 +6483,14 @@
           </a:ln>
           <a:extLst>
             <a:ext uri="{909E8E84-426E-40dd-AFC4-6F175D3DCCD1}">
-              <a14:hiddenFill xmlns:a14="http://schemas.microsoft.com/office/drawing/2010/main" xmlns="">
+              <a14:hiddenFill xmlns:a14="http://schemas.microsoft.com/office/drawing/2010/main">
                 <a:solidFill>
                   <a:srgbClr val="FFFFFF"/>
                 </a:solidFill>
               </a14:hiddenFill>
             </a:ext>
             <a:ext uri="{91240B29-F687-4f45-9708-019B960494DF}">
-              <a14:hiddenLine xmlns:a14="http://schemas.microsoft.com/office/drawing/2010/main" xmlns="" w="9525">
+              <a14:hiddenLine xmlns:a14="http://schemas.microsoft.com/office/drawing/2010/main" w="9525">
                 <a:solidFill>
                   <a:srgbClr val="000000"/>
                 </a:solidFill>
@@ -4005,14 +6537,14 @@
           </a:ln>
           <a:extLst>
             <a:ext uri="{909E8E84-426E-40dd-AFC4-6F175D3DCCD1}">
-              <a14:hiddenFill xmlns:a14="http://schemas.microsoft.com/office/drawing/2010/main" xmlns="">
+              <a14:hiddenFill xmlns:a14="http://schemas.microsoft.com/office/drawing/2010/main">
                 <a:solidFill>
                   <a:srgbClr val="FFFFFF"/>
                 </a:solidFill>
               </a14:hiddenFill>
             </a:ext>
             <a:ext uri="{91240B29-F687-4f45-9708-019B960494DF}">
-              <a14:hiddenLine xmlns:a14="http://schemas.microsoft.com/office/drawing/2010/main" xmlns="" w="9525">
+              <a14:hiddenLine xmlns:a14="http://schemas.microsoft.com/office/drawing/2010/main" w="9525">
                 <a:solidFill>
                   <a:srgbClr val="000000"/>
                 </a:solidFill>
@@ -4046,14 +6578,14 @@
           </a:ln>
           <a:extLst>
             <a:ext uri="{909E8E84-426E-40dd-AFC4-6F175D3DCCD1}">
-              <a14:hiddenFill xmlns:a14="http://schemas.microsoft.com/office/drawing/2010/main" xmlns="">
+              <a14:hiddenFill xmlns:a14="http://schemas.microsoft.com/office/drawing/2010/main">
                 <a:solidFill>
                   <a:srgbClr val="FFFFFF"/>
                 </a:solidFill>
               </a14:hiddenFill>
             </a:ext>
             <a:ext uri="{91240B29-F687-4f45-9708-019B960494DF}">
-              <a14:hiddenLine xmlns:a14="http://schemas.microsoft.com/office/drawing/2010/main" xmlns="" w="9525">
+              <a14:hiddenLine xmlns:a14="http://schemas.microsoft.com/office/drawing/2010/main" w="9525">
                 <a:solidFill>
                   <a:srgbClr val="000000"/>
                 </a:solidFill>
@@ -4224,7 +6756,17 @@
                 <a:latin typeface="Calibri" charset="0"/>
                 <a:cs typeface="Segoe UI" charset="0"/>
               </a:rPr>
-              <a:t>1</a:t>
+              <a:t>3</a:t>
+            </a:r>
+            <a:r>
+              <a:rPr lang="en-US" sz="2000" dirty="0">
+                <a:solidFill>
+                  <a:schemeClr val="bg1"/>
+                </a:solidFill>
+                <a:latin typeface="Calibri" charset="0"/>
+                <a:cs typeface="Segoe UI" charset="0"/>
+              </a:rPr>
+              <a:t/>
             </a:r>
             <a:br>
               <a:rPr lang="en-US" sz="2000" dirty="0">
@@ -4236,6 +6778,26 @@
               </a:rPr>
             </a:br>
             <a:r>
+              <a:rPr lang="en-US" sz="2000" dirty="0" smtClean="0">
+                <a:solidFill>
+                  <a:schemeClr val="bg1"/>
+                </a:solidFill>
+                <a:latin typeface="Calibri" charset="0"/>
+                <a:cs typeface="Segoe UI" charset="0"/>
+              </a:rPr>
+              <a:t>Expression and Differential Expression</a:t>
+            </a:r>
+            <a:r>
+              <a:rPr lang="en-US" sz="2000" dirty="0" smtClean="0">
+                <a:solidFill>
+                  <a:schemeClr val="bg1"/>
+                </a:solidFill>
+                <a:latin typeface="Calibri" charset="0"/>
+                <a:cs typeface="Segoe UI" charset="0"/>
+              </a:rPr>
+              <a:t> </a:t>
+            </a:r>
+            <a:r>
               <a:rPr lang="en-US" sz="2000" dirty="0">
                 <a:solidFill>
                   <a:schemeClr val="bg1"/>
@@ -4243,7 +6805,7 @@
                 <a:latin typeface="Calibri" charset="0"/>
                 <a:cs typeface="Segoe UI" charset="0"/>
               </a:rPr>
-              <a:t>Introduction to RNA sequencing (lecture)</a:t>
+              <a:t>(lecture)</a:t>
             </a:r>
             <a:endParaRPr lang="en-US" sz="1800" b="1" dirty="0">
               <a:solidFill>
@@ -4297,21 +6859,8 @@
                 <a:ea typeface="+mj-ea"/>
                 <a:cs typeface="Calibri"/>
               </a:rPr>
-              <a:t>Malachi Griffith, Obi Griffith, Jason </a:t>
-            </a:r>
-            <a:r>
-              <a:rPr lang="en-US" sz="1600" dirty="0" smtClean="0">
-                <a:latin typeface="Calibri"/>
-                <a:ea typeface="+mj-ea"/>
-                <a:cs typeface="Calibri"/>
-              </a:rPr>
-              <a:t>Walker, Alex Wagner</a:t>
-            </a:r>
-            <a:endParaRPr lang="en-US" sz="1600" dirty="0" smtClean="0">
-              <a:latin typeface="Calibri"/>
-              <a:ea typeface="+mj-ea"/>
-              <a:cs typeface="Calibri"/>
-            </a:endParaRPr>
+              <a:t>Malachi Griffith, Obi Griffith, Jason Walker, Alex Wagner</a:t>
+            </a:r>
           </a:p>
           <a:p>
             <a:pPr fontAlgn="auto">
@@ -4404,18 +6953,6 @@
               </a:rPr>
               <a:t>20, 2016</a:t>
             </a:r>
-            <a:endParaRPr lang="en-US" sz="1400" dirty="0" smtClean="0">
-              <a:ln w="1270">
-                <a:solidFill>
-                  <a:schemeClr val="tx1">
-                    <a:alpha val="38000"/>
-                  </a:schemeClr>
-                </a:solidFill>
-              </a:ln>
-              <a:latin typeface="Calibri"/>
-              <a:ea typeface="+mn-ea"/>
-              <a:cs typeface="Calibri"/>
-            </a:endParaRPr>
           </a:p>
         </p:txBody>
       </p:sp>
@@ -4432,7 +6969,7 @@
   <p:timing>
     <p:tnLst>
       <p:par>
-        <p:cTn id="1" dur="indefinite" restart="never" nodeType="tmRoot"/>
+        <p:cTn xmlns:p14="http://schemas.microsoft.com/office/powerpoint/2010/main" id="1" dur="indefinite" restart="never" nodeType="tmRoot"/>
       </p:par>
     </p:tnLst>
   </p:timing>
@@ -4458,7 +6995,39 @@
       </p:grpSpPr>
       <p:sp>
         <p:nvSpPr>
-          <p:cNvPr id="11265" name="Content Placeholder 3"/>
+          <p:cNvPr id="15361" name="Rectangle 2"/>
+          <p:cNvSpPr>
+            <a:spLocks noGrp="1" noChangeArrowheads="1"/>
+          </p:cNvSpPr>
+          <p:nvPr>
+            <p:ph type="title"/>
+          </p:nvPr>
+        </p:nvSpPr>
+        <p:spPr>
+          <a:xfrm>
+            <a:off x="152400" y="44450"/>
+            <a:ext cx="8839200" cy="1143000"/>
+          </a:xfrm>
+        </p:spPr>
+        <p:txBody>
+          <a:bodyPr/>
+          <a:lstStyle/>
+          <a:p>
+            <a:pPr eaLnBrk="1" hangingPunct="1"/>
+            <a:r>
+              <a:rPr lang="en-US" altLang="ko-KR">
+                <a:latin typeface="Calibri" charset="0"/>
+                <a:ea typeface="ＭＳ Ｐゴシック" charset="0"/>
+                <a:cs typeface="ＭＳ Ｐゴシック" charset="0"/>
+              </a:rPr>
+              <a:t>Learning Objectives of Tutorial</a:t>
+            </a:r>
+          </a:p>
+        </p:txBody>
+      </p:sp>
+      <p:sp>
+        <p:nvSpPr>
+          <p:cNvPr id="15362" name="Content Placeholder 6"/>
           <p:cNvSpPr>
             <a:spLocks noGrp="1"/>
           </p:cNvSpPr>
@@ -4468,33 +7037,2153 @@
         </p:nvSpPr>
         <p:spPr>
           <a:xfrm>
-            <a:off x="152400" y="2667000"/>
-            <a:ext cx="8839200" cy="1600200"/>
+            <a:off x="179388" y="981075"/>
+            <a:ext cx="8839200" cy="4906963"/>
           </a:xfrm>
         </p:spPr>
         <p:txBody>
           <a:bodyPr/>
           <a:lstStyle/>
           <a:p>
-            <a:pPr algn="ctr">
-              <a:buFont typeface="Arial" charset="0"/>
-              <a:buNone/>
-            </a:pPr>
-            <a:r>
-              <a:rPr lang="en-US" sz="4400">
-                <a:latin typeface="Calibri" charset="0"/>
-                <a:ea typeface="ＭＳ Ｐゴシック" charset="0"/>
-              </a:rPr>
-              <a:t>Break</a:t>
+            <a:r>
+              <a:rPr lang="en-US" dirty="0">
+                <a:latin typeface="Calibri" charset="0"/>
+                <a:ea typeface="ＭＳ Ｐゴシック" charset="0"/>
+              </a:rPr>
+              <a:t>Generate gene/transcript expression estimates with </a:t>
+            </a:r>
+            <a:r>
+              <a:rPr lang="en-US" dirty="0" err="1" smtClean="0">
+                <a:latin typeface="Calibri" charset="0"/>
+                <a:ea typeface="ＭＳ Ｐゴシック" charset="0"/>
+              </a:rPr>
+              <a:t>StringTie</a:t>
+            </a:r>
+            <a:endParaRPr lang="en-US" dirty="0">
+              <a:latin typeface="Calibri" charset="0"/>
+              <a:ea typeface="ＭＳ Ｐゴシック" charset="0"/>
+            </a:endParaRPr>
+          </a:p>
+          <a:p>
+            <a:r>
+              <a:rPr lang="en-US" dirty="0">
+                <a:latin typeface="Calibri" charset="0"/>
+                <a:ea typeface="ＭＳ Ｐゴシック" charset="0"/>
+              </a:rPr>
+              <a:t>Perform differential expression analysis with </a:t>
+            </a:r>
+            <a:r>
+              <a:rPr lang="en-US" dirty="0" err="1">
+                <a:latin typeface="Calibri" charset="0"/>
+                <a:ea typeface="ＭＳ Ｐゴシック" charset="0"/>
+              </a:rPr>
+              <a:t>B</a:t>
+            </a:r>
+            <a:r>
+              <a:rPr lang="en-US" dirty="0" err="1" smtClean="0">
+                <a:latin typeface="Calibri" charset="0"/>
+                <a:ea typeface="ＭＳ Ｐゴシック" charset="0"/>
+              </a:rPr>
+              <a:t>allgown</a:t>
+            </a:r>
+            <a:endParaRPr lang="en-US" dirty="0" smtClean="0">
+              <a:latin typeface="Calibri" charset="0"/>
+              <a:ea typeface="ＭＳ Ｐゴシック" charset="0"/>
+            </a:endParaRPr>
+          </a:p>
+          <a:p>
+            <a:r>
+              <a:rPr lang="en-US" dirty="0" smtClean="0">
+                <a:latin typeface="Calibri" charset="0"/>
+                <a:ea typeface="ＭＳ Ｐゴシック" charset="0"/>
+              </a:rPr>
+              <a:t>Summarize </a:t>
+            </a:r>
+            <a:r>
+              <a:rPr lang="en-US" dirty="0">
+                <a:latin typeface="Calibri" charset="0"/>
+                <a:ea typeface="ＭＳ Ｐゴシック" charset="0"/>
+              </a:rPr>
+              <a:t>and visualize results</a:t>
+            </a:r>
+          </a:p>
+          <a:p>
+            <a:pPr lvl="1"/>
+            <a:r>
+              <a:rPr lang="en-US" dirty="0" err="1" smtClean="0">
+                <a:latin typeface="Calibri" charset="0"/>
+                <a:ea typeface="ＭＳ Ｐゴシック" charset="0"/>
+              </a:rPr>
+              <a:t>Ballgown</a:t>
+            </a:r>
+            <a:endParaRPr lang="en-US" dirty="0">
+              <a:latin typeface="Calibri" charset="0"/>
+              <a:ea typeface="ＭＳ Ｐゴシック" charset="0"/>
+            </a:endParaRPr>
+          </a:p>
+          <a:p>
+            <a:pPr lvl="1"/>
+            <a:r>
+              <a:rPr lang="en-US" dirty="0">
+                <a:latin typeface="Calibri" charset="0"/>
+                <a:ea typeface="ＭＳ Ｐゴシック" charset="0"/>
+              </a:rPr>
+              <a:t>Old school R methods</a:t>
             </a:r>
           </a:p>
         </p:txBody>
       </p:sp>
     </p:spTree>
+    <p:extLst>
+      <p:ext uri="{BB962C8B-B14F-4D97-AF65-F5344CB8AC3E}">
+        <p14:creationId xmlns:p14="http://schemas.microsoft.com/office/powerpoint/2010/main" val="3395317094"/>
+      </p:ext>
+    </p:extLst>
   </p:cSld>
   <p:clrMapOvr>
     <a:masterClrMapping/>
   </p:clrMapOvr>
+  <p:timing>
+    <p:tnLst>
+      <p:par>
+        <p:cTn xmlns:p14="http://schemas.microsoft.com/office/powerpoint/2010/main" id="1" dur="indefinite" restart="never" nodeType="tmRoot"/>
+      </p:par>
+    </p:tnLst>
+  </p:timing>
+</p:sld>
+</file>
+
+<file path=ppt/slides/slide4.xml><?xml version="1.0" encoding="utf-8"?>
+<p:sld xmlns:a="http://schemas.openxmlformats.org/drawingml/2006/main" xmlns:r="http://schemas.openxmlformats.org/officeDocument/2006/relationships" xmlns:p="http://schemas.openxmlformats.org/presentationml/2006/main">
+  <p:cSld>
+    <p:spTree>
+      <p:nvGrpSpPr>
+        <p:cNvPr id="1" name=""/>
+        <p:cNvGrpSpPr/>
+        <p:nvPr/>
+      </p:nvGrpSpPr>
+      <p:grpSpPr>
+        <a:xfrm>
+          <a:off x="0" y="0"/>
+          <a:ext cx="0" cy="0"/>
+          <a:chOff x="0" y="0"/>
+          <a:chExt cx="0" cy="0"/>
+        </a:xfrm>
+      </p:grpSpPr>
+      <p:sp>
+        <p:nvSpPr>
+          <p:cNvPr id="2" name="Title 1"/>
+          <p:cNvSpPr>
+            <a:spLocks noGrp="1"/>
+          </p:cNvSpPr>
+          <p:nvPr>
+            <p:ph type="title"/>
+          </p:nvPr>
+        </p:nvSpPr>
+        <p:spPr>
+          <a:xfrm>
+            <a:off x="152400" y="274638"/>
+            <a:ext cx="8839200" cy="706090"/>
+          </a:xfrm>
+        </p:spPr>
+        <p:txBody>
+          <a:bodyPr/>
+          <a:lstStyle/>
+          <a:p>
+            <a:r>
+              <a:rPr lang="en-US" dirty="0" smtClean="0"/>
+              <a:t>RNA-</a:t>
+            </a:r>
+            <a:r>
+              <a:rPr lang="en-US" dirty="0" err="1" smtClean="0"/>
+              <a:t>seq</a:t>
+            </a:r>
+            <a:r>
+              <a:rPr lang="en-US" dirty="0" smtClean="0"/>
+              <a:t> Analysis Flow Chart</a:t>
+            </a:r>
+            <a:endParaRPr lang="en-US" dirty="0"/>
+          </a:p>
+        </p:txBody>
+      </p:sp>
+      <p:pic>
+        <p:nvPicPr>
+          <p:cNvPr id="4" name="Content Placeholder 3" descr="journal.pcbi.1004393.g005.PNG"/>
+          <p:cNvPicPr>
+            <a:picLocks noGrp="1" noChangeAspect="1"/>
+          </p:cNvPicPr>
+          <p:nvPr>
+            <p:ph idx="1"/>
+          </p:nvPr>
+        </p:nvPicPr>
+        <p:blipFill>
+          <a:blip r:embed="rId2" cstate="print">
+            <a:extLst>
+              <a:ext uri="{28A0092B-C50C-407E-A947-70E740481C1C}">
+                <a14:useLocalDpi xmlns:a14="http://schemas.microsoft.com/office/drawing/2010/main" val="0"/>
+              </a:ext>
+            </a:extLst>
+          </a:blip>
+          <a:srcRect l="-91517" r="-91517"/>
+          <a:stretch>
+            <a:fillRect/>
+          </a:stretch>
+        </p:blipFill>
+        <p:spPr>
+          <a:xfrm>
+            <a:off x="-385652" y="980728"/>
+            <a:ext cx="9998212" cy="5343872"/>
+          </a:xfrm>
+        </p:spPr>
+      </p:pic>
+    </p:spTree>
+    <p:extLst>
+      <p:ext uri="{BB962C8B-B14F-4D97-AF65-F5344CB8AC3E}">
+        <p14:creationId xmlns:p14="http://schemas.microsoft.com/office/powerpoint/2010/main" val="3691916666"/>
+      </p:ext>
+    </p:extLst>
+  </p:cSld>
+  <p:clrMapOvr>
+    <a:masterClrMapping/>
+  </p:clrMapOvr>
+</p:sld>
+</file>
+
+<file path=ppt/slides/slide5.xml><?xml version="1.0" encoding="utf-8"?>
+<p:sld xmlns:a="http://schemas.openxmlformats.org/drawingml/2006/main" xmlns:r="http://schemas.openxmlformats.org/officeDocument/2006/relationships" xmlns:p="http://schemas.openxmlformats.org/presentationml/2006/main">
+  <p:cSld>
+    <p:spTree>
+      <p:nvGrpSpPr>
+        <p:cNvPr id="1" name=""/>
+        <p:cNvGrpSpPr/>
+        <p:nvPr/>
+      </p:nvGrpSpPr>
+      <p:grpSpPr>
+        <a:xfrm>
+          <a:off x="0" y="0"/>
+          <a:ext cx="0" cy="0"/>
+          <a:chOff x="0" y="0"/>
+          <a:chExt cx="0" cy="0"/>
+        </a:xfrm>
+      </p:grpSpPr>
+      <p:sp>
+        <p:nvSpPr>
+          <p:cNvPr id="19457" name="Rectangle 2"/>
+          <p:cNvSpPr>
+            <a:spLocks noGrp="1" noChangeArrowheads="1"/>
+          </p:cNvSpPr>
+          <p:nvPr>
+            <p:ph type="title"/>
+          </p:nvPr>
+        </p:nvSpPr>
+        <p:spPr>
+          <a:xfrm>
+            <a:off x="152400" y="44450"/>
+            <a:ext cx="8839200" cy="1143000"/>
+          </a:xfrm>
+        </p:spPr>
+        <p:txBody>
+          <a:bodyPr/>
+          <a:lstStyle/>
+          <a:p>
+            <a:pPr eaLnBrk="1" hangingPunct="1"/>
+            <a:r>
+              <a:rPr lang="en-US" altLang="ko-KR" dirty="0" smtClean="0">
+                <a:latin typeface="Calibri" charset="0"/>
+                <a:ea typeface="ＭＳ Ｐゴシック" charset="0"/>
+                <a:cs typeface="ＭＳ Ｐゴシック" charset="0"/>
+              </a:rPr>
+              <a:t>4-i. </a:t>
+            </a:r>
+            <a:r>
+              <a:rPr lang="en-US" altLang="ko-KR" dirty="0">
+                <a:latin typeface="Calibri" charset="0"/>
+                <a:ea typeface="ＭＳ Ｐゴシック" charset="0"/>
+                <a:cs typeface="ＭＳ Ｐゴシック" charset="0"/>
+              </a:rPr>
+              <a:t>Generate expression estimates</a:t>
+            </a:r>
+          </a:p>
+        </p:txBody>
+      </p:sp>
+      <p:sp>
+        <p:nvSpPr>
+          <p:cNvPr id="19458" name="Content Placeholder 6"/>
+          <p:cNvSpPr>
+            <a:spLocks noGrp="1"/>
+          </p:cNvSpPr>
+          <p:nvPr>
+            <p:ph idx="1"/>
+          </p:nvPr>
+        </p:nvSpPr>
+        <p:spPr>
+          <a:xfrm>
+            <a:off x="152400" y="1268413"/>
+            <a:ext cx="8839200" cy="4979987"/>
+          </a:xfrm>
+        </p:spPr>
+        <p:txBody>
+          <a:bodyPr/>
+          <a:lstStyle/>
+          <a:p>
+            <a:pPr>
+              <a:lnSpc>
+                <a:spcPct val="90000"/>
+              </a:lnSpc>
+            </a:pPr>
+            <a:r>
+              <a:rPr lang="en-US" sz="2400" dirty="0">
+                <a:latin typeface="Calibri" charset="0"/>
+                <a:ea typeface="ＭＳ Ｐゴシック" charset="0"/>
+              </a:rPr>
+              <a:t>The alignment SAM/BAM files generated in the previous step will now be used by </a:t>
+            </a:r>
+            <a:r>
+              <a:rPr lang="en-US" sz="2400" dirty="0" err="1" smtClean="0">
+                <a:latin typeface="Calibri" charset="0"/>
+                <a:ea typeface="ＭＳ Ｐゴシック" charset="0"/>
+              </a:rPr>
+              <a:t>StringTie</a:t>
+            </a:r>
+            <a:r>
+              <a:rPr lang="en-US" sz="2400" dirty="0" smtClean="0">
+                <a:latin typeface="Calibri" charset="0"/>
+                <a:ea typeface="ＭＳ Ｐゴシック" charset="0"/>
+              </a:rPr>
+              <a:t> </a:t>
+            </a:r>
+            <a:r>
+              <a:rPr lang="en-US" sz="2400" dirty="0">
+                <a:latin typeface="Calibri" charset="0"/>
+                <a:ea typeface="ＭＳ Ｐゴシック" charset="0"/>
+              </a:rPr>
+              <a:t>to calculate expression estimates </a:t>
+            </a:r>
+          </a:p>
+          <a:p>
+            <a:pPr lvl="1">
+              <a:lnSpc>
+                <a:spcPct val="90000"/>
+              </a:lnSpc>
+            </a:pPr>
+            <a:r>
+              <a:rPr lang="en-US" sz="2000" dirty="0">
+                <a:latin typeface="Calibri" charset="0"/>
+                <a:ea typeface="ＭＳ Ｐゴシック" charset="0"/>
+              </a:rPr>
+              <a:t>For all transcripts on the target chromosome </a:t>
+            </a:r>
+          </a:p>
+          <a:p>
+            <a:pPr>
+              <a:lnSpc>
+                <a:spcPct val="90000"/>
+              </a:lnSpc>
+            </a:pPr>
+            <a:r>
+              <a:rPr lang="en-US" sz="2400" dirty="0">
+                <a:latin typeface="Calibri" charset="0"/>
+                <a:ea typeface="ＭＳ Ｐゴシック" charset="0"/>
+              </a:rPr>
+              <a:t>For this step </a:t>
+            </a:r>
+            <a:r>
+              <a:rPr lang="en-US" sz="2400" dirty="0" smtClean="0">
+                <a:latin typeface="Calibri" charset="0"/>
+                <a:ea typeface="ＭＳ Ｐゴシック" charset="0"/>
+              </a:rPr>
+              <a:t>options ‘</a:t>
+            </a:r>
+            <a:r>
+              <a:rPr lang="en-US" altLang="ja-JP" sz="2400" dirty="0" smtClean="0">
+                <a:latin typeface="Calibri" charset="0"/>
+                <a:ea typeface="ＭＳ Ｐゴシック" charset="0"/>
+              </a:rPr>
+              <a:t>-G</a:t>
+            </a:r>
+            <a:r>
+              <a:rPr lang="ja-JP" altLang="en-US" sz="2400" dirty="0" smtClean="0">
+                <a:latin typeface="Calibri" charset="0"/>
+                <a:ea typeface="ＭＳ Ｐゴシック" charset="0"/>
+              </a:rPr>
+              <a:t>’</a:t>
+            </a:r>
+            <a:r>
+              <a:rPr lang="en-US" altLang="ja-JP" sz="2400" dirty="0" smtClean="0">
+                <a:latin typeface="Calibri" charset="0"/>
+                <a:ea typeface="ＭＳ Ｐゴシック" charset="0"/>
+              </a:rPr>
+              <a:t> and ‘-e’ </a:t>
+            </a:r>
+            <a:r>
+              <a:rPr lang="en-US" altLang="ja-JP" sz="2400" dirty="0" smtClean="0">
+                <a:latin typeface="Calibri" charset="0"/>
+                <a:ea typeface="ＭＳ Ｐゴシック" charset="0"/>
+              </a:rPr>
+              <a:t>are</a:t>
+            </a:r>
+            <a:r>
+              <a:rPr lang="en-US" altLang="ja-JP" sz="2400" dirty="0" smtClean="0">
+                <a:latin typeface="Calibri" charset="0"/>
+                <a:ea typeface="ＭＳ Ｐゴシック" charset="0"/>
+              </a:rPr>
+              <a:t> </a:t>
+            </a:r>
+            <a:r>
+              <a:rPr lang="en-US" altLang="ja-JP" sz="2400" dirty="0">
+                <a:latin typeface="Calibri" charset="0"/>
+                <a:ea typeface="ＭＳ Ｐゴシック" charset="0"/>
+              </a:rPr>
+              <a:t>used</a:t>
+            </a:r>
+          </a:p>
+          <a:p>
+            <a:pPr lvl="1">
+              <a:lnSpc>
+                <a:spcPct val="90000"/>
+              </a:lnSpc>
+            </a:pPr>
+            <a:r>
+              <a:rPr lang="en-US" sz="2000" dirty="0" smtClean="0">
+                <a:latin typeface="Calibri" charset="0"/>
+                <a:ea typeface="ＭＳ Ｐゴシック" charset="0"/>
+              </a:rPr>
+              <a:t>‘-e’ </a:t>
+            </a:r>
+            <a:r>
+              <a:rPr lang="en-US" sz="2000" dirty="0">
+                <a:latin typeface="Calibri" charset="0"/>
+                <a:ea typeface="ＭＳ Ｐゴシック" charset="0"/>
+              </a:rPr>
+              <a:t>f</a:t>
+            </a:r>
+            <a:r>
+              <a:rPr lang="en-US" sz="2000" dirty="0" smtClean="0">
+                <a:latin typeface="Calibri" charset="0"/>
+                <a:ea typeface="ＭＳ Ｐゴシック" charset="0"/>
+              </a:rPr>
+              <a:t>orces </a:t>
+            </a:r>
+            <a:r>
+              <a:rPr lang="en-US" sz="2000" dirty="0" err="1" smtClean="0">
+                <a:latin typeface="Calibri" charset="0"/>
+                <a:ea typeface="ＭＳ Ｐゴシック" charset="0"/>
+              </a:rPr>
+              <a:t>StringTie</a:t>
+            </a:r>
+            <a:r>
+              <a:rPr lang="en-US" sz="2000" dirty="0" smtClean="0">
+                <a:latin typeface="Calibri" charset="0"/>
+                <a:ea typeface="ＭＳ Ｐゴシック" charset="0"/>
+              </a:rPr>
+              <a:t> </a:t>
+            </a:r>
+            <a:r>
+              <a:rPr lang="en-US" sz="2000" dirty="0">
+                <a:latin typeface="Calibri" charset="0"/>
+                <a:ea typeface="ＭＳ Ｐゴシック" charset="0"/>
+              </a:rPr>
+              <a:t>to calculate expression values for known transcripts</a:t>
+            </a:r>
+          </a:p>
+          <a:p>
+            <a:pPr lvl="1">
+              <a:lnSpc>
+                <a:spcPct val="90000"/>
+              </a:lnSpc>
+            </a:pPr>
+            <a:r>
+              <a:rPr lang="en-US" sz="2000" dirty="0">
+                <a:latin typeface="Calibri" charset="0"/>
+                <a:ea typeface="ＭＳ Ｐゴシック" charset="0"/>
+              </a:rPr>
+              <a:t>To discover novel transcripts with </a:t>
+            </a:r>
+            <a:r>
+              <a:rPr lang="en-US" sz="2000" dirty="0" err="1" smtClean="0">
+                <a:latin typeface="Calibri" charset="0"/>
+                <a:ea typeface="ＭＳ Ｐゴシック" charset="0"/>
+              </a:rPr>
+              <a:t>StringTie</a:t>
+            </a:r>
+            <a:r>
+              <a:rPr lang="en-US" sz="2000" dirty="0" smtClean="0">
+                <a:latin typeface="Calibri" charset="0"/>
+                <a:ea typeface="ＭＳ Ｐゴシック" charset="0"/>
+              </a:rPr>
+              <a:t> </a:t>
+            </a:r>
+            <a:r>
+              <a:rPr lang="en-US" sz="2000" dirty="0">
+                <a:latin typeface="Calibri" charset="0"/>
+                <a:ea typeface="ＭＳ Ｐゴシック" charset="0"/>
+              </a:rPr>
+              <a:t>you should:</a:t>
+            </a:r>
+          </a:p>
+          <a:p>
+            <a:pPr lvl="2">
+              <a:lnSpc>
+                <a:spcPct val="90000"/>
+              </a:lnSpc>
+            </a:pPr>
+            <a:r>
+              <a:rPr lang="en-US" sz="1700" b="1" dirty="0">
+                <a:latin typeface="Calibri" charset="0"/>
+                <a:ea typeface="ＭＳ Ｐゴシック" charset="0"/>
+              </a:rPr>
+              <a:t>Not use the </a:t>
+            </a:r>
+            <a:r>
+              <a:rPr lang="en-US" sz="1700" b="1" dirty="0" smtClean="0">
+                <a:latin typeface="Calibri" charset="0"/>
+                <a:ea typeface="ＭＳ Ｐゴシック" charset="0"/>
+              </a:rPr>
+              <a:t>’-e’ o ‘-G’ </a:t>
+            </a:r>
+            <a:r>
+              <a:rPr lang="en-US" sz="1700" b="1" dirty="0">
+                <a:latin typeface="Calibri" charset="0"/>
+                <a:ea typeface="ＭＳ Ｐゴシック" charset="0"/>
+              </a:rPr>
+              <a:t>option.  De novo transcript assembly and estimation will be performed.  (we will try this in Module 4)  OR ...</a:t>
+            </a:r>
+          </a:p>
+          <a:p>
+            <a:pPr lvl="2">
+              <a:lnSpc>
+                <a:spcPct val="90000"/>
+              </a:lnSpc>
+            </a:pPr>
+            <a:r>
+              <a:rPr lang="en-US" sz="1700" dirty="0">
+                <a:latin typeface="Calibri" charset="0"/>
+                <a:ea typeface="ＭＳ Ｐゴシック" charset="0"/>
+              </a:rPr>
+              <a:t>Use </a:t>
+            </a:r>
+            <a:r>
+              <a:rPr lang="en-US" sz="1700" dirty="0" smtClean="0">
+                <a:latin typeface="Calibri" charset="0"/>
+                <a:ea typeface="ＭＳ Ｐゴシック" charset="0"/>
+              </a:rPr>
+              <a:t>the </a:t>
+            </a:r>
+            <a:r>
+              <a:rPr lang="en-US" sz="1700" dirty="0" smtClean="0">
+                <a:latin typeface="Calibri" charset="0"/>
+                <a:ea typeface="ＭＳ Ｐゴシック" charset="0"/>
+              </a:rPr>
+              <a:t>‘-G' option only.  </a:t>
+            </a:r>
+            <a:r>
+              <a:rPr lang="en-US" sz="1700" dirty="0">
+                <a:latin typeface="Calibri" charset="0"/>
+                <a:ea typeface="ＭＳ Ｐゴシック" charset="0"/>
+              </a:rPr>
+              <a:t>Known transcripts will be used as a </a:t>
+            </a:r>
+            <a:r>
+              <a:rPr lang="ja-JP" altLang="en-US" sz="1700" dirty="0">
+                <a:latin typeface="Calibri" charset="0"/>
+                <a:ea typeface="ＭＳ Ｐゴシック" charset="0"/>
+              </a:rPr>
+              <a:t>‘</a:t>
+            </a:r>
+            <a:r>
+              <a:rPr lang="en-US" altLang="ja-JP" sz="1700" dirty="0">
+                <a:latin typeface="Calibri" charset="0"/>
+                <a:ea typeface="ＭＳ Ｐゴシック" charset="0"/>
+              </a:rPr>
+              <a:t>guide</a:t>
+            </a:r>
+            <a:r>
+              <a:rPr lang="ja-JP" altLang="en-US" sz="1700" dirty="0">
+                <a:latin typeface="Calibri" charset="0"/>
+                <a:ea typeface="ＭＳ Ｐゴシック" charset="0"/>
+              </a:rPr>
+              <a:t>’</a:t>
+            </a:r>
+            <a:r>
+              <a:rPr lang="en-US" altLang="ja-JP" sz="1700" dirty="0">
+                <a:latin typeface="Calibri" charset="0"/>
+                <a:ea typeface="ＭＳ Ｐゴシック" charset="0"/>
+              </a:rPr>
+              <a:t>, but novel transcripts will also be </a:t>
+            </a:r>
+            <a:r>
+              <a:rPr lang="en-US" altLang="ja-JP" sz="1700" dirty="0" smtClean="0">
+                <a:latin typeface="Calibri" charset="0"/>
+                <a:ea typeface="ＭＳ Ｐゴシック" charset="0"/>
+              </a:rPr>
+              <a:t>predicted.</a:t>
+            </a:r>
+            <a:endParaRPr lang="en-US" altLang="ja-JP" sz="1700" dirty="0">
+              <a:latin typeface="Calibri" charset="0"/>
+              <a:ea typeface="ＭＳ Ｐゴシック" charset="0"/>
+            </a:endParaRPr>
+          </a:p>
+          <a:p>
+            <a:pPr>
+              <a:lnSpc>
+                <a:spcPct val="90000"/>
+              </a:lnSpc>
+            </a:pPr>
+            <a:r>
+              <a:rPr lang="en-US" sz="2400" dirty="0">
+                <a:latin typeface="Calibri" charset="0"/>
+                <a:ea typeface="ＭＳ Ｐゴシック" charset="0"/>
+              </a:rPr>
+              <a:t>This step will generate one isoform and one gene expression file for each library</a:t>
+            </a:r>
+          </a:p>
+          <a:p>
+            <a:pPr lvl="1">
+              <a:lnSpc>
+                <a:spcPct val="90000"/>
+              </a:lnSpc>
+            </a:pPr>
+            <a:r>
+              <a:rPr lang="en-US" sz="2000" dirty="0">
+                <a:latin typeface="Calibri" charset="0"/>
+                <a:ea typeface="ＭＳ Ｐゴシック" charset="0"/>
+              </a:rPr>
+              <a:t>Expression values are reported as </a:t>
+            </a:r>
+            <a:r>
+              <a:rPr lang="ja-JP" altLang="en-US" sz="2000" dirty="0">
+                <a:latin typeface="Calibri" charset="0"/>
+                <a:ea typeface="ＭＳ Ｐゴシック" charset="0"/>
+              </a:rPr>
+              <a:t>‘</a:t>
+            </a:r>
+            <a:r>
+              <a:rPr lang="en-US" altLang="ja-JP" sz="2000" dirty="0">
+                <a:latin typeface="Calibri" charset="0"/>
+                <a:ea typeface="ＭＳ Ｐゴシック" charset="0"/>
+              </a:rPr>
+              <a:t>FPKM</a:t>
+            </a:r>
+            <a:r>
+              <a:rPr lang="ja-JP" altLang="en-US" sz="2000" dirty="0">
+                <a:latin typeface="Calibri" charset="0"/>
+                <a:ea typeface="ＭＳ Ｐゴシック" charset="0"/>
+              </a:rPr>
+              <a:t>’</a:t>
+            </a:r>
+            <a:r>
+              <a:rPr lang="en-US" altLang="ja-JP" sz="2000" dirty="0">
+                <a:latin typeface="Calibri" charset="0"/>
+                <a:ea typeface="ＭＳ Ｐゴシック" charset="0"/>
+              </a:rPr>
+              <a:t>, or </a:t>
+            </a:r>
+            <a:r>
+              <a:rPr lang="ja-JP" altLang="en-US" sz="2000" dirty="0">
+                <a:latin typeface="Calibri" charset="0"/>
+                <a:ea typeface="ＭＳ Ｐゴシック" charset="0"/>
+              </a:rPr>
+              <a:t>‘</a:t>
+            </a:r>
+            <a:r>
+              <a:rPr lang="en-US" altLang="ja-JP" sz="2000" b="1" dirty="0">
+                <a:latin typeface="Calibri" charset="0"/>
+                <a:ea typeface="ＭＳ Ｐゴシック" charset="0"/>
+              </a:rPr>
+              <a:t>F</a:t>
+            </a:r>
+            <a:r>
+              <a:rPr lang="en-US" altLang="ja-JP" sz="2000" dirty="0">
+                <a:latin typeface="Calibri" charset="0"/>
+                <a:ea typeface="ＭＳ Ｐゴシック" charset="0"/>
+              </a:rPr>
+              <a:t>ragments </a:t>
+            </a:r>
+            <a:r>
+              <a:rPr lang="en-US" altLang="ja-JP" sz="2000" b="1" dirty="0">
+                <a:latin typeface="Calibri" charset="0"/>
+                <a:ea typeface="ＭＳ Ｐゴシック" charset="0"/>
+              </a:rPr>
+              <a:t>P</a:t>
+            </a:r>
+            <a:r>
+              <a:rPr lang="en-US" altLang="ja-JP" sz="2000" dirty="0">
+                <a:latin typeface="Calibri" charset="0"/>
+                <a:ea typeface="ＭＳ Ｐゴシック" charset="0"/>
+              </a:rPr>
+              <a:t>er </a:t>
+            </a:r>
+            <a:r>
+              <a:rPr lang="en-US" altLang="ja-JP" sz="2000" b="1" dirty="0" err="1">
+                <a:latin typeface="Calibri" charset="0"/>
+                <a:ea typeface="ＭＳ Ｐゴシック" charset="0"/>
+              </a:rPr>
+              <a:t>K</a:t>
+            </a:r>
+            <a:r>
+              <a:rPr lang="en-US" altLang="ja-JP" sz="2000" dirty="0" err="1">
+                <a:latin typeface="Calibri" charset="0"/>
+                <a:ea typeface="ＭＳ Ｐゴシック" charset="0"/>
+              </a:rPr>
+              <a:t>ilobase</a:t>
+            </a:r>
+            <a:r>
+              <a:rPr lang="en-US" altLang="ja-JP" sz="2000" dirty="0">
+                <a:latin typeface="Calibri" charset="0"/>
+                <a:ea typeface="ＭＳ Ｐゴシック" charset="0"/>
+              </a:rPr>
+              <a:t> of exon per million fragments </a:t>
+            </a:r>
+            <a:r>
+              <a:rPr lang="en-US" altLang="ja-JP" sz="2000" b="1" dirty="0">
+                <a:latin typeface="Calibri" charset="0"/>
+                <a:ea typeface="ＭＳ Ｐゴシック" charset="0"/>
+              </a:rPr>
+              <a:t>M</a:t>
+            </a:r>
+            <a:r>
+              <a:rPr lang="en-US" altLang="ja-JP" sz="2000" dirty="0">
+                <a:latin typeface="Calibri" charset="0"/>
+                <a:ea typeface="ＭＳ Ｐゴシック" charset="0"/>
+              </a:rPr>
+              <a:t>apped</a:t>
+            </a:r>
+            <a:r>
+              <a:rPr lang="ja-JP" altLang="en-US" sz="2000" dirty="0">
+                <a:latin typeface="Calibri" charset="0"/>
+                <a:ea typeface="ＭＳ Ｐゴシック" charset="0"/>
+              </a:rPr>
+              <a:t>’</a:t>
+            </a:r>
+            <a:endParaRPr lang="en-US" altLang="ja-JP" sz="2000" dirty="0">
+              <a:latin typeface="Calibri" charset="0"/>
+              <a:ea typeface="ＭＳ Ｐゴシック" charset="0"/>
+            </a:endParaRPr>
+          </a:p>
+          <a:p>
+            <a:pPr lvl="1">
+              <a:lnSpc>
+                <a:spcPct val="90000"/>
+              </a:lnSpc>
+            </a:pPr>
+            <a:r>
+              <a:rPr lang="en-US" sz="2000" dirty="0">
+                <a:latin typeface="Calibri" charset="0"/>
+                <a:ea typeface="ＭＳ Ｐゴシック" charset="0"/>
+              </a:rPr>
+              <a:t>Where each </a:t>
+            </a:r>
+            <a:r>
+              <a:rPr lang="ja-JP" altLang="en-US" sz="2000" dirty="0">
+                <a:latin typeface="Calibri" charset="0"/>
+                <a:ea typeface="ＭＳ Ｐゴシック" charset="0"/>
+              </a:rPr>
+              <a:t>‘</a:t>
+            </a:r>
+            <a:r>
+              <a:rPr lang="en-US" altLang="ja-JP" sz="2000" dirty="0">
+                <a:latin typeface="Calibri" charset="0"/>
+                <a:ea typeface="ＭＳ Ｐゴシック" charset="0"/>
+              </a:rPr>
+              <a:t>fragment</a:t>
+            </a:r>
+            <a:r>
+              <a:rPr lang="ja-JP" altLang="en-US" sz="2000" dirty="0">
+                <a:latin typeface="Calibri" charset="0"/>
+                <a:ea typeface="ＭＳ Ｐゴシック" charset="0"/>
+              </a:rPr>
+              <a:t>’</a:t>
+            </a:r>
+            <a:r>
+              <a:rPr lang="en-US" altLang="ja-JP" sz="2000" dirty="0">
+                <a:latin typeface="Calibri" charset="0"/>
+                <a:ea typeface="ＭＳ Ｐゴシック" charset="0"/>
+              </a:rPr>
+              <a:t> corresponds to a read-pair mapped to the genome</a:t>
+            </a:r>
+            <a:endParaRPr lang="en-US" sz="2000" dirty="0">
+              <a:latin typeface="Calibri" charset="0"/>
+              <a:ea typeface="ＭＳ Ｐゴシック" charset="0"/>
+            </a:endParaRPr>
+          </a:p>
+        </p:txBody>
+      </p:sp>
+    </p:spTree>
+    <p:extLst>
+      <p:ext uri="{BB962C8B-B14F-4D97-AF65-F5344CB8AC3E}">
+        <p14:creationId xmlns:p14="http://schemas.microsoft.com/office/powerpoint/2010/main" val="3033272514"/>
+      </p:ext>
+    </p:extLst>
+  </p:cSld>
+  <p:clrMapOvr>
+    <a:masterClrMapping/>
+  </p:clrMapOvr>
+  <p:timing>
+    <p:tnLst>
+      <p:par>
+        <p:cTn xmlns:p14="http://schemas.microsoft.com/office/powerpoint/2010/main" id="1" dur="indefinite" restart="never" nodeType="tmRoot"/>
+      </p:par>
+    </p:tnLst>
+  </p:timing>
+</p:sld>
+</file>
+
+<file path=ppt/slides/slide6.xml><?xml version="1.0" encoding="utf-8"?>
+<p:sld xmlns:a="http://schemas.openxmlformats.org/drawingml/2006/main" xmlns:r="http://schemas.openxmlformats.org/officeDocument/2006/relationships" xmlns:p="http://schemas.openxmlformats.org/presentationml/2006/main">
+  <p:cSld>
+    <p:spTree>
+      <p:nvGrpSpPr>
+        <p:cNvPr id="1" name=""/>
+        <p:cNvGrpSpPr/>
+        <p:nvPr/>
+      </p:nvGrpSpPr>
+      <p:grpSpPr>
+        <a:xfrm>
+          <a:off x="0" y="0"/>
+          <a:ext cx="0" cy="0"/>
+          <a:chOff x="0" y="0"/>
+          <a:chExt cx="0" cy="0"/>
+        </a:xfrm>
+      </p:grpSpPr>
+      <p:sp>
+        <p:nvSpPr>
+          <p:cNvPr id="21505" name="Rectangle 2"/>
+          <p:cNvSpPr>
+            <a:spLocks noGrp="1" noChangeArrowheads="1"/>
+          </p:cNvSpPr>
+          <p:nvPr>
+            <p:ph type="title"/>
+          </p:nvPr>
+        </p:nvSpPr>
+        <p:spPr>
+          <a:xfrm>
+            <a:off x="152400" y="44450"/>
+            <a:ext cx="8839200" cy="1143000"/>
+          </a:xfrm>
+        </p:spPr>
+        <p:txBody>
+          <a:bodyPr/>
+          <a:lstStyle/>
+          <a:p>
+            <a:pPr eaLnBrk="1" hangingPunct="1"/>
+            <a:r>
+              <a:rPr lang="en-US" altLang="ko-KR" dirty="0" smtClean="0">
+                <a:latin typeface="Calibri" charset="0"/>
+                <a:ea typeface="ＭＳ Ｐゴシック" charset="0"/>
+                <a:cs typeface="ＭＳ Ｐゴシック" charset="0"/>
+              </a:rPr>
+              <a:t>4-i. </a:t>
+            </a:r>
+            <a:r>
+              <a:rPr lang="en-US" altLang="ko-KR" dirty="0">
+                <a:latin typeface="Calibri" charset="0"/>
+                <a:ea typeface="ＭＳ Ｐゴシック" charset="0"/>
+                <a:cs typeface="ＭＳ Ｐゴシック" charset="0"/>
+              </a:rPr>
+              <a:t>Generate expression estimates (Optional Alternatives)</a:t>
+            </a:r>
+          </a:p>
+        </p:txBody>
+      </p:sp>
+      <p:sp>
+        <p:nvSpPr>
+          <p:cNvPr id="15362" name="Content Placeholder 6"/>
+          <p:cNvSpPr>
+            <a:spLocks noGrp="1"/>
+          </p:cNvSpPr>
+          <p:nvPr>
+            <p:ph idx="1"/>
+          </p:nvPr>
+        </p:nvSpPr>
+        <p:spPr>
+          <a:xfrm>
+            <a:off x="152400" y="1557338"/>
+            <a:ext cx="8839200" cy="4691062"/>
+          </a:xfrm>
+        </p:spPr>
+        <p:txBody>
+          <a:bodyPr>
+            <a:normAutofit/>
+          </a:bodyPr>
+          <a:lstStyle/>
+          <a:p>
+            <a:pPr>
+              <a:lnSpc>
+                <a:spcPct val="90000"/>
+              </a:lnSpc>
+              <a:defRPr/>
+            </a:pPr>
+            <a:r>
+              <a:rPr lang="en-US" dirty="0" smtClean="0">
+                <a:latin typeface="Calibri" charset="0"/>
+                <a:ea typeface="ＭＳ Ｐゴシック" charset="0"/>
+              </a:rPr>
+              <a:t>Another </a:t>
+            </a:r>
+            <a:r>
+              <a:rPr lang="en-US" dirty="0" smtClean="0">
+                <a:latin typeface="Calibri" charset="0"/>
+                <a:ea typeface="ＭＳ Ｐゴシック" charset="0"/>
+              </a:rPr>
+              <a:t>alternative we will explore is a count-based method</a:t>
+            </a:r>
+          </a:p>
+          <a:p>
+            <a:pPr lvl="1">
+              <a:lnSpc>
+                <a:spcPct val="90000"/>
+              </a:lnSpc>
+              <a:defRPr/>
+            </a:pPr>
+            <a:r>
+              <a:rPr lang="en-US" dirty="0" smtClean="0">
+                <a:latin typeface="Calibri" charset="0"/>
+                <a:ea typeface="ＭＳ Ｐゴシック" charset="0"/>
+              </a:rPr>
+              <a:t>We will use a program called </a:t>
+            </a:r>
+            <a:r>
+              <a:rPr lang="en-US" dirty="0" err="1" smtClean="0">
+                <a:latin typeface="Calibri" charset="0"/>
+                <a:ea typeface="ＭＳ Ｐゴシック" charset="0"/>
+              </a:rPr>
+              <a:t>htseq</a:t>
+            </a:r>
+            <a:r>
+              <a:rPr lang="en-US" dirty="0" smtClean="0">
+                <a:latin typeface="Calibri" charset="0"/>
+                <a:ea typeface="ＭＳ Ｐゴシック" charset="0"/>
+              </a:rPr>
+              <a:t>-count</a:t>
+            </a:r>
+          </a:p>
+          <a:p>
+            <a:pPr lvl="2">
+              <a:lnSpc>
+                <a:spcPct val="90000"/>
+              </a:lnSpc>
+              <a:defRPr/>
+            </a:pPr>
+            <a:r>
+              <a:rPr lang="en-US" dirty="0" smtClean="0">
+                <a:latin typeface="Calibri" charset="0"/>
+                <a:ea typeface="ＭＳ Ｐゴシック" charset="0"/>
+              </a:rPr>
+              <a:t>Requires name-sorted SAM file</a:t>
+            </a:r>
+          </a:p>
+          <a:p>
+            <a:pPr lvl="2">
+              <a:lnSpc>
+                <a:spcPct val="90000"/>
+              </a:lnSpc>
+              <a:defRPr/>
+            </a:pPr>
+            <a:r>
+              <a:rPr lang="en-US" dirty="0" smtClean="0">
+                <a:latin typeface="Calibri" charset="0"/>
+                <a:ea typeface="ＭＳ Ｐゴシック" charset="0"/>
+              </a:rPr>
+              <a:t>We will count at the gene level (transcript-level is also possible)</a:t>
+            </a:r>
+          </a:p>
+          <a:p>
+            <a:pPr lvl="2">
+              <a:lnSpc>
+                <a:spcPct val="90000"/>
+              </a:lnSpc>
+              <a:defRPr/>
+            </a:pPr>
+            <a:endParaRPr lang="en-US" dirty="0">
+              <a:latin typeface="Calibri" charset="0"/>
+              <a:ea typeface="ＭＳ Ｐゴシック" charset="0"/>
+            </a:endParaRPr>
+          </a:p>
+          <a:p>
+            <a:pPr>
+              <a:lnSpc>
+                <a:spcPct val="90000"/>
+              </a:lnSpc>
+              <a:defRPr/>
+            </a:pPr>
+            <a:r>
+              <a:rPr lang="en-US" dirty="0" smtClean="0">
+                <a:latin typeface="Calibri" charset="0"/>
+                <a:ea typeface="ＭＳ Ｐゴシック" charset="0"/>
+              </a:rPr>
+              <a:t>In the end we will have </a:t>
+            </a:r>
+            <a:r>
+              <a:rPr lang="en-US" dirty="0" smtClean="0">
+                <a:latin typeface="Calibri" charset="0"/>
+                <a:ea typeface="ＭＳ Ｐゴシック" charset="0"/>
+              </a:rPr>
+              <a:t>two</a:t>
+            </a:r>
+            <a:r>
+              <a:rPr lang="en-US" dirty="0" smtClean="0">
+                <a:latin typeface="Calibri" charset="0"/>
+                <a:ea typeface="ＭＳ Ｐゴシック" charset="0"/>
+              </a:rPr>
+              <a:t> </a:t>
+            </a:r>
+            <a:r>
+              <a:rPr lang="en-US" dirty="0" smtClean="0">
+                <a:latin typeface="Calibri" charset="0"/>
+                <a:ea typeface="ＭＳ Ｐゴシック" charset="0"/>
+              </a:rPr>
+              <a:t>expression estimates for each sample</a:t>
+            </a:r>
+          </a:p>
+          <a:p>
+            <a:pPr lvl="1">
+              <a:lnSpc>
+                <a:spcPct val="90000"/>
+              </a:lnSpc>
+              <a:defRPr/>
+            </a:pPr>
+            <a:r>
+              <a:rPr lang="en-US" dirty="0" smtClean="0">
+                <a:latin typeface="Calibri" charset="0"/>
+                <a:ea typeface="ＭＳ Ｐゴシック" charset="0"/>
+              </a:rPr>
+              <a:t>HISAT2</a:t>
+            </a:r>
+            <a:r>
+              <a:rPr lang="en-US" dirty="0" smtClean="0">
+                <a:latin typeface="Calibri" charset="0"/>
+                <a:ea typeface="ＭＳ Ｐゴシック" charset="0"/>
+              </a:rPr>
+              <a:t>/</a:t>
+            </a:r>
+            <a:r>
+              <a:rPr lang="en-US" dirty="0" err="1" smtClean="0">
+                <a:latin typeface="Calibri" charset="0"/>
+                <a:ea typeface="ＭＳ Ｐゴシック" charset="0"/>
+              </a:rPr>
+              <a:t>StringTie</a:t>
+            </a:r>
+            <a:endParaRPr lang="en-US" dirty="0" smtClean="0">
+              <a:latin typeface="Calibri" charset="0"/>
+              <a:ea typeface="ＭＳ Ｐゴシック" charset="0"/>
+            </a:endParaRPr>
+          </a:p>
+          <a:p>
+            <a:pPr lvl="1">
+              <a:lnSpc>
+                <a:spcPct val="90000"/>
+              </a:lnSpc>
+              <a:defRPr/>
+            </a:pPr>
+            <a:r>
+              <a:rPr lang="en-US" dirty="0" smtClean="0">
+                <a:latin typeface="Calibri" charset="0"/>
+                <a:ea typeface="ＭＳ Ｐゴシック" charset="0"/>
+              </a:rPr>
+              <a:t>HISAT2</a:t>
+            </a:r>
+            <a:r>
+              <a:rPr lang="en-US" dirty="0" smtClean="0">
+                <a:latin typeface="Calibri" charset="0"/>
+                <a:ea typeface="ＭＳ Ｐゴシック" charset="0"/>
+              </a:rPr>
+              <a:t>/</a:t>
+            </a:r>
+            <a:r>
+              <a:rPr lang="en-US" dirty="0" err="1" smtClean="0">
+                <a:latin typeface="Calibri" charset="0"/>
+                <a:ea typeface="ＭＳ Ｐゴシック" charset="0"/>
+              </a:rPr>
+              <a:t>Htseq</a:t>
+            </a:r>
+            <a:r>
+              <a:rPr lang="en-US" dirty="0" smtClean="0">
+                <a:latin typeface="Calibri" charset="0"/>
+                <a:ea typeface="ＭＳ Ｐゴシック" charset="0"/>
+              </a:rPr>
+              <a:t>-count</a:t>
+            </a:r>
+          </a:p>
+          <a:p>
+            <a:pPr>
+              <a:lnSpc>
+                <a:spcPct val="90000"/>
+              </a:lnSpc>
+              <a:defRPr/>
+            </a:pPr>
+            <a:endParaRPr lang="en-US" dirty="0">
+              <a:latin typeface="Calibri" charset="0"/>
+              <a:ea typeface="ＭＳ Ｐゴシック" charset="0"/>
+            </a:endParaRPr>
+          </a:p>
+        </p:txBody>
+      </p:sp>
+    </p:spTree>
+    <p:extLst>
+      <p:ext uri="{BB962C8B-B14F-4D97-AF65-F5344CB8AC3E}">
+        <p14:creationId xmlns:p14="http://schemas.microsoft.com/office/powerpoint/2010/main" val="192947057"/>
+      </p:ext>
+    </p:extLst>
+  </p:cSld>
+  <p:clrMapOvr>
+    <a:masterClrMapping/>
+  </p:clrMapOvr>
+  <p:timing>
+    <p:tnLst>
+      <p:par>
+        <p:cTn xmlns:p14="http://schemas.microsoft.com/office/powerpoint/2010/main" id="1" dur="indefinite" restart="never" nodeType="tmRoot"/>
+      </p:par>
+    </p:tnLst>
+  </p:timing>
+</p:sld>
+</file>
+
+<file path=ppt/slides/slide7.xml><?xml version="1.0" encoding="utf-8"?>
+<p:sld xmlns:a="http://schemas.openxmlformats.org/drawingml/2006/main" xmlns:r="http://schemas.openxmlformats.org/officeDocument/2006/relationships" xmlns:p="http://schemas.openxmlformats.org/presentationml/2006/main">
+  <p:cSld>
+    <p:spTree>
+      <p:nvGrpSpPr>
+        <p:cNvPr id="1" name=""/>
+        <p:cNvGrpSpPr/>
+        <p:nvPr/>
+      </p:nvGrpSpPr>
+      <p:grpSpPr>
+        <a:xfrm>
+          <a:off x="0" y="0"/>
+          <a:ext cx="0" cy="0"/>
+          <a:chOff x="0" y="0"/>
+          <a:chExt cx="0" cy="0"/>
+        </a:xfrm>
+      </p:grpSpPr>
+      <p:sp>
+        <p:nvSpPr>
+          <p:cNvPr id="23553" name="Rectangle 2"/>
+          <p:cNvSpPr>
+            <a:spLocks noGrp="1" noChangeArrowheads="1"/>
+          </p:cNvSpPr>
+          <p:nvPr>
+            <p:ph type="title"/>
+          </p:nvPr>
+        </p:nvSpPr>
+        <p:spPr>
+          <a:xfrm>
+            <a:off x="152400" y="44450"/>
+            <a:ext cx="8839200" cy="1143000"/>
+          </a:xfrm>
+        </p:spPr>
+        <p:txBody>
+          <a:bodyPr/>
+          <a:lstStyle/>
+          <a:p>
+            <a:pPr eaLnBrk="1" hangingPunct="1"/>
+            <a:r>
+              <a:rPr lang="en-US" altLang="ko-KR" sz="3600" dirty="0" smtClean="0">
+                <a:latin typeface="Calibri" charset="0"/>
+                <a:ea typeface="ＭＳ Ｐゴシック" charset="0"/>
+                <a:cs typeface="ＭＳ Ｐゴシック" charset="0"/>
+              </a:rPr>
+              <a:t>4-ii. </a:t>
+            </a:r>
+            <a:r>
+              <a:rPr lang="en-US" altLang="ko-KR" sz="3600" dirty="0">
+                <a:latin typeface="Calibri" charset="0"/>
+                <a:ea typeface="ＭＳ Ｐゴシック" charset="0"/>
+                <a:cs typeface="ＭＳ Ｐゴシック" charset="0"/>
+              </a:rPr>
+              <a:t>Perform differential expression analysis</a:t>
+            </a:r>
+          </a:p>
+        </p:txBody>
+      </p:sp>
+      <p:sp>
+        <p:nvSpPr>
+          <p:cNvPr id="23554" name="Content Placeholder 6"/>
+          <p:cNvSpPr>
+            <a:spLocks noGrp="1"/>
+          </p:cNvSpPr>
+          <p:nvPr>
+            <p:ph idx="1"/>
+          </p:nvPr>
+        </p:nvSpPr>
+        <p:spPr>
+          <a:xfrm>
+            <a:off x="152400" y="1268413"/>
+            <a:ext cx="8839200" cy="4979987"/>
+          </a:xfrm>
+        </p:spPr>
+        <p:txBody>
+          <a:bodyPr/>
+          <a:lstStyle/>
+          <a:p>
+            <a:pPr>
+              <a:lnSpc>
+                <a:spcPct val="80000"/>
+              </a:lnSpc>
+            </a:pPr>
+            <a:r>
+              <a:rPr lang="en-US" sz="2600" dirty="0">
+                <a:latin typeface="Calibri" charset="0"/>
+                <a:ea typeface="ＭＳ Ｐゴシック" charset="0"/>
+              </a:rPr>
+              <a:t>In this step we will use </a:t>
+            </a:r>
+            <a:r>
+              <a:rPr lang="en-US" sz="2600" dirty="0" err="1">
+                <a:latin typeface="Calibri" charset="0"/>
+                <a:ea typeface="ＭＳ Ｐゴシック" charset="0"/>
+              </a:rPr>
+              <a:t>B</a:t>
+            </a:r>
+            <a:r>
+              <a:rPr lang="en-US" sz="2600" dirty="0" err="1" smtClean="0">
+                <a:latin typeface="Calibri" charset="0"/>
+                <a:ea typeface="ＭＳ Ｐゴシック" charset="0"/>
+              </a:rPr>
+              <a:t>allgown</a:t>
+            </a:r>
+            <a:r>
+              <a:rPr lang="en-US" sz="2600" dirty="0" smtClean="0">
+                <a:latin typeface="Calibri" charset="0"/>
+                <a:ea typeface="ＭＳ Ｐゴシック" charset="0"/>
+              </a:rPr>
+              <a:t> to</a:t>
+            </a:r>
+            <a:r>
+              <a:rPr lang="en-US" sz="2600" dirty="0">
+                <a:latin typeface="Calibri" charset="0"/>
+                <a:ea typeface="ＭＳ Ｐゴシック" charset="0"/>
+              </a:rPr>
+              <a:t>:</a:t>
+            </a:r>
+          </a:p>
+          <a:p>
+            <a:pPr lvl="1">
+              <a:lnSpc>
+                <a:spcPct val="80000"/>
+              </a:lnSpc>
+            </a:pPr>
+            <a:r>
+              <a:rPr lang="en-US" sz="2200" dirty="0">
+                <a:latin typeface="Calibri" charset="0"/>
+                <a:ea typeface="ＭＳ Ｐゴシック" charset="0"/>
+              </a:rPr>
+              <a:t>Combine expression estimates from our </a:t>
+            </a:r>
+            <a:r>
+              <a:rPr lang="en-US" sz="2200" dirty="0" smtClean="0">
+                <a:latin typeface="Calibri" charset="0"/>
+                <a:ea typeface="ＭＳ Ｐゴシック" charset="0"/>
+              </a:rPr>
+              <a:t>6 </a:t>
+            </a:r>
+            <a:r>
+              <a:rPr lang="en-US" sz="2200" dirty="0">
+                <a:latin typeface="Calibri" charset="0"/>
+                <a:ea typeface="ＭＳ Ｐゴシック" charset="0"/>
+              </a:rPr>
+              <a:t>libraries into more convenient </a:t>
+            </a:r>
+            <a:r>
+              <a:rPr lang="en-US" sz="2200" dirty="0" smtClean="0">
+                <a:latin typeface="Calibri" charset="0"/>
+                <a:ea typeface="ＭＳ Ｐゴシック" charset="0"/>
+              </a:rPr>
+              <a:t>files</a:t>
+            </a:r>
+            <a:endParaRPr lang="en-US" sz="2200" dirty="0">
+              <a:latin typeface="Calibri" charset="0"/>
+              <a:ea typeface="ＭＳ Ｐゴシック" charset="0"/>
+            </a:endParaRPr>
+          </a:p>
+          <a:p>
+            <a:pPr lvl="1">
+              <a:lnSpc>
+                <a:spcPct val="80000"/>
+              </a:lnSpc>
+            </a:pPr>
+            <a:r>
+              <a:rPr lang="en-US" sz="2200" dirty="0">
+                <a:latin typeface="Calibri" charset="0"/>
+                <a:ea typeface="ＭＳ Ｐゴシック" charset="0"/>
+              </a:rPr>
+              <a:t>Combine expression estimates across replicates</a:t>
+            </a:r>
+          </a:p>
+          <a:p>
+            <a:pPr lvl="1">
+              <a:lnSpc>
+                <a:spcPct val="80000"/>
+              </a:lnSpc>
+            </a:pPr>
+            <a:r>
+              <a:rPr lang="en-US" sz="2200" dirty="0">
+                <a:latin typeface="Calibri" charset="0"/>
+                <a:ea typeface="ＭＳ Ｐゴシック" charset="0"/>
+              </a:rPr>
+              <a:t>Compare </a:t>
+            </a:r>
+            <a:r>
+              <a:rPr lang="en-US" sz="2200" dirty="0" smtClean="0">
+                <a:latin typeface="Calibri" charset="0"/>
+                <a:ea typeface="ＭＳ Ｐゴシック" charset="0"/>
+              </a:rPr>
+              <a:t>UHR vs</a:t>
+            </a:r>
+            <a:r>
+              <a:rPr lang="en-US" sz="2200" dirty="0">
+                <a:latin typeface="Calibri" charset="0"/>
+                <a:ea typeface="ＭＳ Ｐゴシック" charset="0"/>
+              </a:rPr>
+              <a:t>. </a:t>
+            </a:r>
+            <a:r>
+              <a:rPr lang="en-US" sz="2200" dirty="0" smtClean="0">
+                <a:latin typeface="Calibri" charset="0"/>
+                <a:ea typeface="ＭＳ Ｐゴシック" charset="0"/>
+              </a:rPr>
+              <a:t>HBR </a:t>
+            </a:r>
+            <a:r>
+              <a:rPr lang="en-US" sz="2200" dirty="0">
+                <a:latin typeface="Calibri" charset="0"/>
+                <a:ea typeface="ＭＳ Ｐゴシック" charset="0"/>
+              </a:rPr>
+              <a:t>and identify significantly differentially expressed genes and isoforms (transcripts)</a:t>
+            </a:r>
+          </a:p>
+          <a:p>
+            <a:pPr>
+              <a:lnSpc>
+                <a:spcPct val="80000"/>
+              </a:lnSpc>
+            </a:pPr>
+            <a:r>
+              <a:rPr lang="en-US" sz="2600" dirty="0" smtClean="0">
+                <a:latin typeface="Calibri" charset="0"/>
+                <a:ea typeface="ＭＳ Ｐゴシック" charset="0"/>
+              </a:rPr>
+              <a:t>Note that these commands can get quite complicated when you have replicates</a:t>
+            </a:r>
+          </a:p>
+          <a:p>
+            <a:pPr lvl="1">
+              <a:lnSpc>
+                <a:spcPct val="80000"/>
+              </a:lnSpc>
+            </a:pPr>
+            <a:r>
+              <a:rPr lang="en-US" sz="2200" dirty="0" smtClean="0">
+                <a:latin typeface="Calibri" charset="0"/>
+                <a:ea typeface="ＭＳ Ｐゴシック" charset="0"/>
+              </a:rPr>
+              <a:t>The positioning of spaces and commas, and grouping of libraries matters!</a:t>
+            </a:r>
+          </a:p>
+          <a:p>
+            <a:pPr>
+              <a:lnSpc>
+                <a:spcPct val="80000"/>
+              </a:lnSpc>
+            </a:pPr>
+            <a:r>
+              <a:rPr lang="en-US" sz="2600" dirty="0" smtClean="0">
+                <a:latin typeface="Calibri" charset="0"/>
+                <a:ea typeface="ＭＳ Ｐゴシック" charset="0"/>
+              </a:rPr>
+              <a:t>Comparisons</a:t>
+            </a:r>
+            <a:endParaRPr lang="en-US" sz="2600" dirty="0">
+              <a:latin typeface="Calibri" charset="0"/>
+              <a:ea typeface="ＭＳ Ｐゴシック" charset="0"/>
+            </a:endParaRPr>
+          </a:p>
+          <a:p>
+            <a:pPr lvl="1">
+              <a:lnSpc>
+                <a:spcPct val="80000"/>
+              </a:lnSpc>
+            </a:pPr>
+            <a:r>
+              <a:rPr lang="en-US" sz="1800" dirty="0">
+                <a:latin typeface="Calibri" charset="0"/>
+                <a:ea typeface="ＭＳ Ｐゴシック" charset="0"/>
+              </a:rPr>
+              <a:t>Compare </a:t>
+            </a:r>
+            <a:r>
+              <a:rPr lang="en-US" sz="1800" dirty="0" smtClean="0">
+                <a:latin typeface="Calibri" charset="0"/>
+                <a:ea typeface="ＭＳ Ｐゴシック" charset="0"/>
+              </a:rPr>
+              <a:t>UHR vs</a:t>
+            </a:r>
+            <a:r>
+              <a:rPr lang="en-US" sz="1800" dirty="0">
+                <a:latin typeface="Calibri" charset="0"/>
+                <a:ea typeface="ＭＳ Ｐゴシック" charset="0"/>
+              </a:rPr>
+              <a:t>. </a:t>
+            </a:r>
+            <a:r>
+              <a:rPr lang="en-US" sz="1800" dirty="0" smtClean="0">
+                <a:latin typeface="Calibri" charset="0"/>
+                <a:ea typeface="ＭＳ Ｐゴシック" charset="0"/>
+              </a:rPr>
+              <a:t>HBR </a:t>
+            </a:r>
+            <a:r>
+              <a:rPr lang="en-US" sz="1800" dirty="0">
+                <a:latin typeface="Calibri" charset="0"/>
+                <a:ea typeface="ＭＳ Ｐゴシック" charset="0"/>
+              </a:rPr>
+              <a:t>using all replicates, for known (reference only mode) transcripts</a:t>
+            </a:r>
+          </a:p>
+        </p:txBody>
+      </p:sp>
+    </p:spTree>
+    <p:extLst>
+      <p:ext uri="{BB962C8B-B14F-4D97-AF65-F5344CB8AC3E}">
+        <p14:creationId xmlns:p14="http://schemas.microsoft.com/office/powerpoint/2010/main" val="212420493"/>
+      </p:ext>
+    </p:extLst>
+  </p:cSld>
+  <p:clrMapOvr>
+    <a:masterClrMapping/>
+  </p:clrMapOvr>
+  <p:timing>
+    <p:tnLst>
+      <p:par>
+        <p:cTn xmlns:p14="http://schemas.microsoft.com/office/powerpoint/2010/main" id="1" dur="indefinite" restart="never" nodeType="tmRoot"/>
+      </p:par>
+    </p:tnLst>
+  </p:timing>
+</p:sld>
+</file>
+
+<file path=ppt/slides/slide8.xml><?xml version="1.0" encoding="utf-8"?>
+<p:sld xmlns:a="http://schemas.openxmlformats.org/drawingml/2006/main" xmlns:r="http://schemas.openxmlformats.org/officeDocument/2006/relationships" xmlns:p="http://schemas.openxmlformats.org/presentationml/2006/main">
+  <p:cSld>
+    <p:spTree>
+      <p:nvGrpSpPr>
+        <p:cNvPr id="1" name=""/>
+        <p:cNvGrpSpPr/>
+        <p:nvPr/>
+      </p:nvGrpSpPr>
+      <p:grpSpPr>
+        <a:xfrm>
+          <a:off x="0" y="0"/>
+          <a:ext cx="0" cy="0"/>
+          <a:chOff x="0" y="0"/>
+          <a:chExt cx="0" cy="0"/>
+        </a:xfrm>
+      </p:grpSpPr>
+      <p:sp>
+        <p:nvSpPr>
+          <p:cNvPr id="25601" name="Title 1"/>
+          <p:cNvSpPr>
+            <a:spLocks noGrp="1"/>
+          </p:cNvSpPr>
+          <p:nvPr>
+            <p:ph type="title"/>
+          </p:nvPr>
+        </p:nvSpPr>
+        <p:spPr>
+          <a:xfrm>
+            <a:off x="152400" y="-26988"/>
+            <a:ext cx="8839200" cy="1143001"/>
+          </a:xfrm>
+        </p:spPr>
+        <p:txBody>
+          <a:bodyPr/>
+          <a:lstStyle/>
+          <a:p>
+            <a:r>
+              <a:rPr lang="en-US" dirty="0" smtClean="0">
+                <a:latin typeface="Calibri" charset="0"/>
+                <a:ea typeface="ＭＳ Ｐゴシック" charset="0"/>
+              </a:rPr>
+              <a:t>4-iii. </a:t>
+            </a:r>
+            <a:r>
+              <a:rPr lang="en-US" dirty="0">
+                <a:latin typeface="Calibri" charset="0"/>
+                <a:ea typeface="ＭＳ Ｐゴシック" charset="0"/>
+              </a:rPr>
+              <a:t>Summarize and visualize results</a:t>
+            </a:r>
+          </a:p>
+        </p:txBody>
+      </p:sp>
+      <p:sp>
+        <p:nvSpPr>
+          <p:cNvPr id="25602" name="Content Placeholder 2"/>
+          <p:cNvSpPr>
+            <a:spLocks noGrp="1"/>
+          </p:cNvSpPr>
+          <p:nvPr>
+            <p:ph idx="1"/>
+          </p:nvPr>
+        </p:nvSpPr>
+        <p:spPr>
+          <a:xfrm>
+            <a:off x="152400" y="1125538"/>
+            <a:ext cx="8839200" cy="2403475"/>
+          </a:xfrm>
+        </p:spPr>
+        <p:txBody>
+          <a:bodyPr/>
+          <a:lstStyle/>
+          <a:p>
+            <a:r>
+              <a:rPr lang="en-US" dirty="0">
+                <a:latin typeface="Calibri" charset="0"/>
+                <a:ea typeface="ＭＳ Ｐゴシック" charset="0"/>
+              </a:rPr>
+              <a:t>In this step we will run the R package </a:t>
+            </a:r>
+            <a:r>
+              <a:rPr lang="en-US" dirty="0" err="1">
+                <a:latin typeface="Calibri" charset="0"/>
+                <a:ea typeface="ＭＳ Ｐゴシック" charset="0"/>
+              </a:rPr>
+              <a:t>B</a:t>
+            </a:r>
+            <a:r>
+              <a:rPr lang="en-US" dirty="0" err="1" smtClean="0">
+                <a:latin typeface="Calibri" charset="0"/>
+                <a:ea typeface="ＭＳ Ｐゴシック" charset="0"/>
+              </a:rPr>
+              <a:t>allgown</a:t>
+            </a:r>
+            <a:r>
+              <a:rPr lang="en-US" dirty="0" smtClean="0">
+                <a:latin typeface="Calibri" charset="0"/>
+                <a:ea typeface="ＭＳ Ｐゴシック" charset="0"/>
+              </a:rPr>
+              <a:t> </a:t>
+            </a:r>
+            <a:r>
+              <a:rPr lang="en-US" dirty="0">
+                <a:latin typeface="Calibri" charset="0"/>
+                <a:ea typeface="ＭＳ Ｐゴシック" charset="0"/>
+              </a:rPr>
+              <a:t>to visualize our expression and differential expression </a:t>
+            </a:r>
+            <a:r>
+              <a:rPr lang="en-US" dirty="0" smtClean="0">
+                <a:latin typeface="Calibri" charset="0"/>
+                <a:ea typeface="ＭＳ Ｐゴシック" charset="0"/>
+              </a:rPr>
+              <a:t>results.</a:t>
+            </a:r>
+            <a:endParaRPr lang="en-US" dirty="0">
+              <a:latin typeface="Calibri" charset="0"/>
+              <a:ea typeface="ＭＳ Ｐゴシック" charset="0"/>
+            </a:endParaRPr>
+          </a:p>
+          <a:p>
+            <a:pPr lvl="1"/>
+            <a:r>
+              <a:rPr lang="en-US" dirty="0" smtClean="0">
+                <a:latin typeface="Calibri" charset="0"/>
+                <a:ea typeface="ＭＳ Ｐゴシック" charset="0"/>
+              </a:rPr>
+              <a:t>See online tutorial </a:t>
+            </a:r>
+            <a:r>
+              <a:rPr lang="en-US" dirty="0">
+                <a:latin typeface="Calibri" charset="0"/>
+                <a:ea typeface="ＭＳ Ｐゴシック" charset="0"/>
+              </a:rPr>
+              <a:t>for </a:t>
+            </a:r>
+            <a:r>
+              <a:rPr lang="en-US" dirty="0" smtClean="0">
+                <a:latin typeface="Calibri" charset="0"/>
+                <a:ea typeface="ＭＳ Ｐゴシック" charset="0"/>
+              </a:rPr>
+              <a:t>details</a:t>
+            </a:r>
+          </a:p>
+          <a:p>
+            <a:pPr lvl="1"/>
+            <a:r>
+              <a:rPr lang="en-US" dirty="0">
+                <a:latin typeface="Calibri" charset="0"/>
+                <a:ea typeface="ＭＳ Ｐゴシック" charset="0"/>
+              </a:rPr>
+              <a:t>http://</a:t>
+            </a:r>
+            <a:r>
+              <a:rPr lang="en-US" dirty="0" err="1">
+                <a:latin typeface="Calibri" charset="0"/>
+                <a:ea typeface="ＭＳ Ｐゴシック" charset="0"/>
+              </a:rPr>
+              <a:t>bioconductor.org</a:t>
+            </a:r>
+            <a:r>
+              <a:rPr lang="en-US" dirty="0">
+                <a:latin typeface="Calibri" charset="0"/>
+                <a:ea typeface="ＭＳ Ｐゴシック" charset="0"/>
+              </a:rPr>
+              <a:t>/packages/release/</a:t>
+            </a:r>
+            <a:r>
+              <a:rPr lang="en-US" dirty="0" err="1">
+                <a:latin typeface="Calibri" charset="0"/>
+                <a:ea typeface="ＭＳ Ｐゴシック" charset="0"/>
+              </a:rPr>
+              <a:t>bioc</a:t>
+            </a:r>
+            <a:r>
+              <a:rPr lang="en-US" dirty="0">
+                <a:latin typeface="Calibri" charset="0"/>
+                <a:ea typeface="ＭＳ Ｐゴシック" charset="0"/>
+              </a:rPr>
+              <a:t>/html/</a:t>
+            </a:r>
+            <a:r>
+              <a:rPr lang="en-US" dirty="0" err="1">
+                <a:latin typeface="Calibri" charset="0"/>
+                <a:ea typeface="ＭＳ Ｐゴシック" charset="0"/>
+              </a:rPr>
+              <a:t>ballgown.html</a:t>
+            </a:r>
+            <a:endParaRPr lang="en-US" dirty="0">
+              <a:latin typeface="Calibri" charset="0"/>
+              <a:ea typeface="ＭＳ Ｐゴシック" charset="0"/>
+            </a:endParaRPr>
+          </a:p>
+        </p:txBody>
+      </p:sp>
+      <p:pic>
+        <p:nvPicPr>
+          <p:cNvPr id="25603" name="Picture 3" descr="cummeRbund-manual-features_3.png"/>
+          <p:cNvPicPr>
+            <a:picLocks noChangeAspect="1"/>
+          </p:cNvPicPr>
+          <p:nvPr/>
+        </p:nvPicPr>
+        <p:blipFill>
+          <a:blip r:embed="rId3">
+            <a:extLst>
+              <a:ext uri="{28A0092B-C50C-407E-A947-70E740481C1C}">
+                <a14:useLocalDpi xmlns:a14="http://schemas.microsoft.com/office/drawing/2010/main" val="0"/>
+              </a:ext>
+            </a:extLst>
+          </a:blip>
+          <a:srcRect/>
+          <a:stretch>
+            <a:fillRect/>
+          </a:stretch>
+        </p:blipFill>
+        <p:spPr bwMode="auto">
+          <a:xfrm>
+            <a:off x="323850" y="4005263"/>
+            <a:ext cx="2095500" cy="2095500"/>
+          </a:xfrm>
+          <a:prstGeom prst="rect">
+            <a:avLst/>
+          </a:prstGeom>
+          <a:noFill/>
+          <a:ln>
+            <a:noFill/>
+          </a:ln>
+          <a:extLst>
+            <a:ext uri="{909E8E84-426E-40dd-AFC4-6F175D3DCCD1}">
+              <a14:hiddenFill xmlns:a14="http://schemas.microsoft.com/office/drawing/2010/main">
+                <a:solidFill>
+                  <a:srgbClr val="FFFFFF"/>
+                </a:solidFill>
+              </a14:hiddenFill>
+            </a:ext>
+            <a:ext uri="{91240B29-F687-4f45-9708-019B960494DF}">
+              <a14:hiddenLine xmlns:a14="http://schemas.microsoft.com/office/drawing/2010/main" w="9525">
+                <a:solidFill>
+                  <a:srgbClr val="000000"/>
+                </a:solidFill>
+                <a:miter lim="800000"/>
+                <a:headEnd/>
+                <a:tailEnd/>
+              </a14:hiddenLine>
+            </a:ext>
+          </a:extLst>
+        </p:spPr>
+      </p:pic>
+      <p:pic>
+        <p:nvPicPr>
+          <p:cNvPr id="25604" name="Picture 4" descr="cummeRbund-manual-geneset_plots_isoform_heatmap-2.png"/>
+          <p:cNvPicPr>
+            <a:picLocks noChangeAspect="1"/>
+          </p:cNvPicPr>
+          <p:nvPr/>
+        </p:nvPicPr>
+        <p:blipFill>
+          <a:blip r:embed="rId4">
+            <a:extLst>
+              <a:ext uri="{28A0092B-C50C-407E-A947-70E740481C1C}">
+                <a14:useLocalDpi xmlns:a14="http://schemas.microsoft.com/office/drawing/2010/main" val="0"/>
+              </a:ext>
+            </a:extLst>
+          </a:blip>
+          <a:srcRect/>
+          <a:stretch>
+            <a:fillRect/>
+          </a:stretch>
+        </p:blipFill>
+        <p:spPr bwMode="auto">
+          <a:xfrm>
+            <a:off x="2771775" y="4141788"/>
+            <a:ext cx="1806575" cy="1808162"/>
+          </a:xfrm>
+          <a:prstGeom prst="rect">
+            <a:avLst/>
+          </a:prstGeom>
+          <a:noFill/>
+          <a:ln>
+            <a:noFill/>
+          </a:ln>
+          <a:extLst>
+            <a:ext uri="{909E8E84-426E-40dd-AFC4-6F175D3DCCD1}">
+              <a14:hiddenFill xmlns:a14="http://schemas.microsoft.com/office/drawing/2010/main">
+                <a:solidFill>
+                  <a:srgbClr val="FFFFFF"/>
+                </a:solidFill>
+              </a14:hiddenFill>
+            </a:ext>
+            <a:ext uri="{91240B29-F687-4f45-9708-019B960494DF}">
+              <a14:hiddenLine xmlns:a14="http://schemas.microsoft.com/office/drawing/2010/main" w="9525">
+                <a:solidFill>
+                  <a:srgbClr val="000000"/>
+                </a:solidFill>
+                <a:miter lim="800000"/>
+                <a:headEnd/>
+                <a:tailEnd/>
+              </a14:hiddenLine>
+            </a:ext>
+          </a:extLst>
+        </p:spPr>
+      </p:pic>
+      <p:pic>
+        <p:nvPicPr>
+          <p:cNvPr id="25605" name="Picture 5" descr="cummeRbund-manual-global_plots_volcano_1-0.png"/>
+          <p:cNvPicPr>
+            <a:picLocks noChangeAspect="1"/>
+          </p:cNvPicPr>
+          <p:nvPr/>
+        </p:nvPicPr>
+        <p:blipFill>
+          <a:blip r:embed="rId5">
+            <a:extLst>
+              <a:ext uri="{28A0092B-C50C-407E-A947-70E740481C1C}">
+                <a14:useLocalDpi xmlns:a14="http://schemas.microsoft.com/office/drawing/2010/main" val="0"/>
+              </a:ext>
+            </a:extLst>
+          </a:blip>
+          <a:srcRect/>
+          <a:stretch>
+            <a:fillRect/>
+          </a:stretch>
+        </p:blipFill>
+        <p:spPr bwMode="auto">
+          <a:xfrm>
+            <a:off x="4787900" y="4076700"/>
+            <a:ext cx="2087563" cy="2089150"/>
+          </a:xfrm>
+          <a:prstGeom prst="rect">
+            <a:avLst/>
+          </a:prstGeom>
+          <a:noFill/>
+          <a:ln>
+            <a:noFill/>
+          </a:ln>
+          <a:extLst>
+            <a:ext uri="{909E8E84-426E-40dd-AFC4-6F175D3DCCD1}">
+              <a14:hiddenFill xmlns:a14="http://schemas.microsoft.com/office/drawing/2010/main">
+                <a:solidFill>
+                  <a:srgbClr val="FFFFFF"/>
+                </a:solidFill>
+              </a14:hiddenFill>
+            </a:ext>
+            <a:ext uri="{91240B29-F687-4f45-9708-019B960494DF}">
+              <a14:hiddenLine xmlns:a14="http://schemas.microsoft.com/office/drawing/2010/main" w="9525">
+                <a:solidFill>
+                  <a:srgbClr val="000000"/>
+                </a:solidFill>
+                <a:miter lim="800000"/>
+                <a:headEnd/>
+                <a:tailEnd/>
+              </a14:hiddenLine>
+            </a:ext>
+          </a:extLst>
+        </p:spPr>
+      </p:pic>
+      <p:pic>
+        <p:nvPicPr>
+          <p:cNvPr id="25606" name="Picture 6" descr="ENCODE_SCV.png"/>
+          <p:cNvPicPr>
+            <a:picLocks noChangeAspect="1"/>
+          </p:cNvPicPr>
+          <p:nvPr/>
+        </p:nvPicPr>
+        <p:blipFill>
+          <a:blip r:embed="rId6">
+            <a:extLst>
+              <a:ext uri="{28A0092B-C50C-407E-A947-70E740481C1C}">
+                <a14:useLocalDpi xmlns:a14="http://schemas.microsoft.com/office/drawing/2010/main" val="0"/>
+              </a:ext>
+            </a:extLst>
+          </a:blip>
+          <a:srcRect r="49957"/>
+          <a:stretch>
+            <a:fillRect/>
+          </a:stretch>
+        </p:blipFill>
+        <p:spPr bwMode="auto">
+          <a:xfrm>
+            <a:off x="6948488" y="4221163"/>
+            <a:ext cx="1763712" cy="1762125"/>
+          </a:xfrm>
+          <a:prstGeom prst="rect">
+            <a:avLst/>
+          </a:prstGeom>
+          <a:noFill/>
+          <a:ln>
+            <a:noFill/>
+          </a:ln>
+          <a:extLst>
+            <a:ext uri="{909E8E84-426E-40dd-AFC4-6F175D3DCCD1}">
+              <a14:hiddenFill xmlns:a14="http://schemas.microsoft.com/office/drawing/2010/main">
+                <a:solidFill>
+                  <a:srgbClr val="FFFFFF"/>
+                </a:solidFill>
+              </a14:hiddenFill>
+            </a:ext>
+            <a:ext uri="{91240B29-F687-4f45-9708-019B960494DF}">
+              <a14:hiddenLine xmlns:a14="http://schemas.microsoft.com/office/drawing/2010/main" w="9525">
+                <a:solidFill>
+                  <a:srgbClr val="000000"/>
+                </a:solidFill>
+                <a:miter lim="800000"/>
+                <a:headEnd/>
+                <a:tailEnd/>
+              </a14:hiddenLine>
+            </a:ext>
+          </a:extLst>
+        </p:spPr>
+      </p:pic>
+    </p:spTree>
+    <p:extLst>
+      <p:ext uri="{BB962C8B-B14F-4D97-AF65-F5344CB8AC3E}">
+        <p14:creationId xmlns:p14="http://schemas.microsoft.com/office/powerpoint/2010/main" val="2351194264"/>
+      </p:ext>
+    </p:extLst>
+  </p:cSld>
+  <p:clrMapOvr>
+    <a:masterClrMapping/>
+  </p:clrMapOvr>
+  <p:timing>
+    <p:tnLst>
+      <p:par>
+        <p:cTn xmlns:p14="http://schemas.microsoft.com/office/powerpoint/2010/main" id="1" dur="indefinite" restart="never" nodeType="tmRoot"/>
+      </p:par>
+    </p:tnLst>
+  </p:timing>
+</p:sld>
+</file>
+
+<file path=ppt/slides/slide9.xml><?xml version="1.0" encoding="utf-8"?>
+<p:sld xmlns:a="http://schemas.openxmlformats.org/drawingml/2006/main" xmlns:r="http://schemas.openxmlformats.org/officeDocument/2006/relationships" xmlns:p="http://schemas.openxmlformats.org/presentationml/2006/main">
+  <p:cSld>
+    <p:spTree>
+      <p:nvGrpSpPr>
+        <p:cNvPr id="1" name=""/>
+        <p:cNvGrpSpPr/>
+        <p:nvPr/>
+      </p:nvGrpSpPr>
+      <p:grpSpPr>
+        <a:xfrm>
+          <a:off x="0" y="0"/>
+          <a:ext cx="0" cy="0"/>
+          <a:chOff x="0" y="0"/>
+          <a:chExt cx="0" cy="0"/>
+        </a:xfrm>
+      </p:grpSpPr>
+      <p:sp>
+        <p:nvSpPr>
+          <p:cNvPr id="29697" name="Title 1"/>
+          <p:cNvSpPr>
+            <a:spLocks noGrp="1"/>
+          </p:cNvSpPr>
+          <p:nvPr>
+            <p:ph type="title"/>
+          </p:nvPr>
+        </p:nvSpPr>
+        <p:spPr>
+          <a:xfrm>
+            <a:off x="152400" y="44450"/>
+            <a:ext cx="8839200" cy="1143000"/>
+          </a:xfrm>
+        </p:spPr>
+        <p:txBody>
+          <a:bodyPr/>
+          <a:lstStyle/>
+          <a:p>
+            <a:r>
+              <a:rPr lang="en-US" sz="3600" dirty="0" smtClean="0">
+                <a:latin typeface="Calibri" charset="0"/>
+                <a:ea typeface="ＭＳ Ｐゴシック" charset="0"/>
+              </a:rPr>
+              <a:t>Summarize </a:t>
+            </a:r>
+            <a:r>
+              <a:rPr lang="en-US" sz="3600" dirty="0">
+                <a:latin typeface="Calibri" charset="0"/>
+                <a:ea typeface="ＭＳ Ｐゴシック" charset="0"/>
+              </a:rPr>
+              <a:t>and visualize results</a:t>
+            </a:r>
+            <a:br>
+              <a:rPr lang="en-US" sz="3600" dirty="0">
+                <a:latin typeface="Calibri" charset="0"/>
+                <a:ea typeface="ＭＳ Ｐゴシック" charset="0"/>
+              </a:rPr>
+            </a:br>
+            <a:r>
+              <a:rPr lang="en-US" sz="3600" dirty="0">
+                <a:latin typeface="Calibri" charset="0"/>
+                <a:ea typeface="ＭＳ Ｐゴシック" charset="0"/>
+              </a:rPr>
+              <a:t>(optional)</a:t>
+            </a:r>
+          </a:p>
+        </p:txBody>
+      </p:sp>
+      <p:sp>
+        <p:nvSpPr>
+          <p:cNvPr id="29698" name="Content Placeholder 2"/>
+          <p:cNvSpPr>
+            <a:spLocks noGrp="1"/>
+          </p:cNvSpPr>
+          <p:nvPr>
+            <p:ph idx="1"/>
+          </p:nvPr>
+        </p:nvSpPr>
+        <p:spPr>
+          <a:xfrm>
+            <a:off x="152400" y="1268413"/>
+            <a:ext cx="8839200" cy="5056187"/>
+          </a:xfrm>
+        </p:spPr>
+        <p:txBody>
+          <a:bodyPr/>
+          <a:lstStyle/>
+          <a:p>
+            <a:pPr>
+              <a:lnSpc>
+                <a:spcPct val="90000"/>
+              </a:lnSpc>
+            </a:pPr>
+            <a:r>
+              <a:rPr lang="en-US" sz="2600" dirty="0">
+                <a:latin typeface="Calibri" charset="0"/>
+                <a:ea typeface="ＭＳ Ｐゴシック" charset="0"/>
+              </a:rPr>
+              <a:t>In this step we will use R to summarize and visualize the results of the previous steps</a:t>
+            </a:r>
+          </a:p>
+          <a:p>
+            <a:pPr marL="342900" lvl="1" indent="-342900">
+              <a:lnSpc>
+                <a:spcPct val="90000"/>
+              </a:lnSpc>
+              <a:buFont typeface="Arial" charset="0"/>
+              <a:buChar char="•"/>
+            </a:pPr>
+            <a:r>
+              <a:rPr lang="en-US" sz="2600" dirty="0">
+                <a:latin typeface="Calibri" charset="0"/>
+                <a:ea typeface="ＭＳ Ｐゴシック" charset="0"/>
+              </a:rPr>
+              <a:t>Explanation of the R commands is provided in </a:t>
+            </a:r>
+            <a:r>
+              <a:rPr lang="en-US" sz="2600" dirty="0" smtClean="0">
+                <a:latin typeface="Calibri" charset="0"/>
+                <a:ea typeface="ＭＳ Ｐゴシック" charset="0"/>
+              </a:rPr>
+              <a:t>the online wiki</a:t>
+            </a:r>
+            <a:endParaRPr lang="en-US" altLang="ja-JP" sz="2600" dirty="0">
+              <a:latin typeface="Calibri" charset="0"/>
+              <a:ea typeface="ＭＳ Ｐゴシック" charset="0"/>
+            </a:endParaRPr>
+          </a:p>
+          <a:p>
+            <a:pPr>
+              <a:lnSpc>
+                <a:spcPct val="90000"/>
+              </a:lnSpc>
+            </a:pPr>
+            <a:r>
+              <a:rPr lang="en-US" sz="2600" dirty="0">
+                <a:latin typeface="Calibri" charset="0"/>
+                <a:ea typeface="ＭＳ Ｐゴシック" charset="0"/>
+              </a:rPr>
+              <a:t>Examples of the tasks performed:</a:t>
+            </a:r>
+          </a:p>
+          <a:p>
+            <a:pPr marL="342900" lvl="1" indent="-342900">
+              <a:lnSpc>
+                <a:spcPct val="90000"/>
+              </a:lnSpc>
+            </a:pPr>
+            <a:r>
+              <a:rPr lang="en-US" sz="2200" dirty="0">
+                <a:latin typeface="Calibri" charset="0"/>
+                <a:ea typeface="ＭＳ Ｐゴシック" charset="0"/>
+              </a:rPr>
+              <a:t>Examine the expression estimates</a:t>
+            </a:r>
+          </a:p>
+          <a:p>
+            <a:pPr lvl="2">
+              <a:lnSpc>
+                <a:spcPct val="90000"/>
+              </a:lnSpc>
+            </a:pPr>
+            <a:r>
+              <a:rPr lang="en-US" sz="1900" dirty="0">
+                <a:latin typeface="Calibri" charset="0"/>
+                <a:ea typeface="ＭＳ Ｐゴシック" charset="0"/>
+              </a:rPr>
+              <a:t>How reproducible are the technical replicates?  </a:t>
+            </a:r>
+          </a:p>
+          <a:p>
+            <a:pPr lvl="2">
+              <a:lnSpc>
+                <a:spcPct val="90000"/>
+              </a:lnSpc>
+            </a:pPr>
+            <a:r>
+              <a:rPr lang="en-US" sz="1900" dirty="0">
+                <a:latin typeface="Calibri" charset="0"/>
+                <a:ea typeface="ＭＳ Ｐゴシック" charset="0"/>
+              </a:rPr>
+              <a:t>How well do the different library construction methods correlate? </a:t>
+            </a:r>
+          </a:p>
+          <a:p>
+            <a:pPr lvl="2">
+              <a:lnSpc>
+                <a:spcPct val="90000"/>
+              </a:lnSpc>
+            </a:pPr>
+            <a:r>
+              <a:rPr lang="en-US" sz="1900" dirty="0">
+                <a:latin typeface="Calibri" charset="0"/>
+                <a:ea typeface="ＭＳ Ｐゴシック" charset="0"/>
+              </a:rPr>
+              <a:t>Visualize the differences between/among replicates, library prep methods and tumor versus normal</a:t>
+            </a:r>
+          </a:p>
+          <a:p>
+            <a:pPr marL="342900" lvl="1" indent="-342900">
+              <a:lnSpc>
+                <a:spcPct val="90000"/>
+              </a:lnSpc>
+            </a:pPr>
+            <a:r>
+              <a:rPr lang="en-US" sz="2200" dirty="0">
+                <a:latin typeface="Calibri" charset="0"/>
+                <a:ea typeface="ＭＳ Ｐゴシック" charset="0"/>
+              </a:rPr>
+              <a:t>Examine the differential expression estimates</a:t>
+            </a:r>
+          </a:p>
+          <a:p>
+            <a:pPr lvl="2">
+              <a:lnSpc>
+                <a:spcPct val="90000"/>
+              </a:lnSpc>
+            </a:pPr>
+            <a:r>
+              <a:rPr lang="en-US" sz="1900" dirty="0">
+                <a:latin typeface="Calibri" charset="0"/>
+                <a:ea typeface="ＭＳ Ｐゴシック" charset="0"/>
+              </a:rPr>
+              <a:t>Visualize the expression estimates and highlight those genes that appear to be differentially expressed according to </a:t>
+            </a:r>
+            <a:r>
+              <a:rPr lang="en-US" sz="1900" dirty="0" err="1" smtClean="0">
+                <a:latin typeface="Calibri" charset="0"/>
+                <a:ea typeface="ＭＳ Ｐゴシック" charset="0"/>
+              </a:rPr>
+              <a:t>Ballgown</a:t>
+            </a:r>
+            <a:endParaRPr lang="en-US" sz="1900" dirty="0">
+              <a:latin typeface="Calibri" charset="0"/>
+              <a:ea typeface="ＭＳ Ｐゴシック" charset="0"/>
+            </a:endParaRPr>
+          </a:p>
+          <a:p>
+            <a:pPr lvl="2">
+              <a:lnSpc>
+                <a:spcPct val="90000"/>
+              </a:lnSpc>
+            </a:pPr>
+            <a:r>
+              <a:rPr lang="en-US" sz="1900" dirty="0">
+                <a:latin typeface="Calibri" charset="0"/>
+                <a:ea typeface="ＭＳ Ｐゴシック" charset="0"/>
+              </a:rPr>
+              <a:t>Generate a list of the top differentially expressed genes</a:t>
+            </a:r>
+          </a:p>
+          <a:p>
+            <a:pPr>
+              <a:lnSpc>
+                <a:spcPct val="90000"/>
+              </a:lnSpc>
+            </a:pPr>
+            <a:endParaRPr lang="en-US" sz="2600" dirty="0">
+              <a:latin typeface="Calibri" charset="0"/>
+              <a:ea typeface="ＭＳ Ｐゴシック" charset="0"/>
+            </a:endParaRPr>
+          </a:p>
+          <a:p>
+            <a:pPr>
+              <a:lnSpc>
+                <a:spcPct val="90000"/>
+              </a:lnSpc>
+            </a:pPr>
+            <a:endParaRPr lang="en-US" sz="2600" dirty="0">
+              <a:latin typeface="Calibri" charset="0"/>
+              <a:ea typeface="ＭＳ Ｐゴシック" charset="0"/>
+            </a:endParaRPr>
+          </a:p>
+        </p:txBody>
+      </p:sp>
+    </p:spTree>
+    <p:extLst>
+      <p:ext uri="{BB962C8B-B14F-4D97-AF65-F5344CB8AC3E}">
+        <p14:creationId xmlns:p14="http://schemas.microsoft.com/office/powerpoint/2010/main" val="4148032254"/>
+      </p:ext>
+    </p:extLst>
+  </p:cSld>
+  <p:clrMapOvr>
+    <a:masterClrMapping/>
+  </p:clrMapOvr>
+  <p:timing>
+    <p:tnLst>
+      <p:par>
+        <p:cTn xmlns:p14="http://schemas.microsoft.com/office/powerpoint/2010/main" id="1" dur="indefinite" restart="never" nodeType="tmRoot"/>
+      </p:par>
+    </p:tnLst>
+  </p:timing>
 </p:sld>
 </file>
 

--- a/LectureFiles/cshl/2016/RNASeq_Module3_Tutorial.pptx
+++ b/LectureFiles/cshl/2016/RNASeq_Module3_Tutorial.pptx
@@ -153,7 +153,7 @@
   </p:defaultTextStyle>
   <p:extLst>
     <p:ext uri="{EFAFB233-063F-42B5-8137-9DF3F51BA10A}">
-      <p15:sldGuideLst xmlns:p15="http://schemas.microsoft.com/office/powerpoint/2012/main" xmlns="">
+      <p15:sldGuideLst xmlns="" xmlns:p15="http://schemas.microsoft.com/office/powerpoint/2012/main">
         <p15:guide id="1" orient="horz" pos="2160">
           <p15:clr>
             <a:srgbClr val="A4A3A4"/>
@@ -273,7 +273,7 @@
               <a:pPr>
                 <a:defRPr/>
               </a:pPr>
-              <a:t>11/14/16</a:t>
+              <a:t>11/15/16</a:t>
             </a:fld>
             <a:endParaRPr lang="en-US"/>
           </a:p>
@@ -480,7 +480,7 @@
               <a:pPr>
                 <a:defRPr/>
               </a:pPr>
-              <a:t>11/14/16</a:t>
+              <a:t>11/15/16</a:t>
             </a:fld>
             <a:endParaRPr lang="en-US"/>
           </a:p>
@@ -4955,7 +4955,7 @@
               <a:pPr>
                 <a:defRPr/>
               </a:pPr>
-              <a:t>11/14/16</a:t>
+              <a:t>11/15/16</a:t>
             </a:fld>
             <a:endParaRPr lang="en-US"/>
           </a:p>
@@ -6758,16 +6758,6 @@
               </a:rPr>
               <a:t>3</a:t>
             </a:r>
-            <a:r>
-              <a:rPr lang="en-US" sz="2000" dirty="0">
-                <a:solidFill>
-                  <a:schemeClr val="bg1"/>
-                </a:solidFill>
-                <a:latin typeface="Calibri" charset="0"/>
-                <a:cs typeface="Segoe UI" charset="0"/>
-              </a:rPr>
-              <a:t/>
-            </a:r>
             <a:br>
               <a:rPr lang="en-US" sz="2000" dirty="0">
                 <a:solidFill>
@@ -6785,17 +6775,7 @@
                 <a:latin typeface="Calibri" charset="0"/>
                 <a:cs typeface="Segoe UI" charset="0"/>
               </a:rPr>
-              <a:t>Expression and Differential Expression</a:t>
-            </a:r>
-            <a:r>
-              <a:rPr lang="en-US" sz="2000" dirty="0" smtClean="0">
-                <a:solidFill>
-                  <a:schemeClr val="bg1"/>
-                </a:solidFill>
-                <a:latin typeface="Calibri" charset="0"/>
-                <a:cs typeface="Segoe UI" charset="0"/>
-              </a:rPr>
-              <a:t> </a:t>
+              <a:t>Expression and Differential Expression </a:t>
             </a:r>
             <a:r>
               <a:rPr lang="en-US" sz="2000" dirty="0">
@@ -7413,21 +7393,7 @@
                 <a:latin typeface="Calibri" charset="0"/>
                 <a:ea typeface="ＭＳ Ｐゴシック" charset="0"/>
               </a:rPr>
-              <a:t> and ‘-e’ </a:t>
-            </a:r>
-            <a:r>
-              <a:rPr lang="en-US" altLang="ja-JP" sz="2400" dirty="0" smtClean="0">
-                <a:latin typeface="Calibri" charset="0"/>
-                <a:ea typeface="ＭＳ Ｐゴシック" charset="0"/>
-              </a:rPr>
-              <a:t>are</a:t>
-            </a:r>
-            <a:r>
-              <a:rPr lang="en-US" altLang="ja-JP" sz="2400" dirty="0" smtClean="0">
-                <a:latin typeface="Calibri" charset="0"/>
-                <a:ea typeface="ＭＳ Ｐゴシック" charset="0"/>
-              </a:rPr>
-              <a:t> </a:t>
+              <a:t> and ‘-e’ are </a:t>
             </a:r>
             <a:r>
               <a:rPr lang="en-US" altLang="ja-JP" sz="2400" dirty="0">
@@ -7567,14 +7533,7 @@
                 <a:latin typeface="Calibri" charset="0"/>
                 <a:ea typeface="ＭＳ Ｐゴシック" charset="0"/>
               </a:rPr>
-              <a:t>the </a:t>
-            </a:r>
-            <a:r>
-              <a:rPr lang="en-US" sz="1700" dirty="0" smtClean="0">
-                <a:latin typeface="Calibri" charset="0"/>
-                <a:ea typeface="ＭＳ Ｐゴシック" charset="0"/>
-              </a:rPr>
-              <a:t>‘-G' option only.  </a:t>
+              <a:t>the ‘-G' option only.  </a:t>
             </a:r>
             <a:r>
               <a:rPr lang="en-US" sz="1700" dirty="0">
@@ -7918,14 +7877,7 @@
                 <a:latin typeface="Calibri" charset="0"/>
                 <a:ea typeface="ＭＳ Ｐゴシック" charset="0"/>
               </a:rPr>
-              <a:t>Another </a:t>
-            </a:r>
-            <a:r>
-              <a:rPr lang="en-US" dirty="0" smtClean="0">
-                <a:latin typeface="Calibri" charset="0"/>
-                <a:ea typeface="ＭＳ Ｐゴシック" charset="0"/>
-              </a:rPr>
-              <a:t>alternative we will explore is a count-based method</a:t>
+              <a:t>Another alternative we will explore is a count-based method</a:t>
             </a:r>
           </a:p>
           <a:p>
@@ -8011,28 +7963,7 @@
                 <a:latin typeface="Calibri" charset="0"/>
                 <a:ea typeface="ＭＳ Ｐゴシック" charset="0"/>
               </a:rPr>
-              <a:t>In the end we will have </a:t>
-            </a:r>
-            <a:r>
-              <a:rPr lang="en-US" dirty="0" smtClean="0">
-                <a:latin typeface="Calibri" charset="0"/>
-                <a:ea typeface="ＭＳ Ｐゴシック" charset="0"/>
-              </a:rPr>
-              <a:t>two</a:t>
-            </a:r>
-            <a:r>
-              <a:rPr lang="en-US" dirty="0" smtClean="0">
-                <a:latin typeface="Calibri" charset="0"/>
-                <a:ea typeface="ＭＳ Ｐゴシック" charset="0"/>
-              </a:rPr>
-              <a:t> </a:t>
-            </a:r>
-            <a:r>
-              <a:rPr lang="en-US" dirty="0" smtClean="0">
-                <a:latin typeface="Calibri" charset="0"/>
-                <a:ea typeface="ＭＳ Ｐゴシック" charset="0"/>
-              </a:rPr>
-              <a:t>expression estimates for each sample</a:t>
+              <a:t>In the end we will have two expression estimates for each sample</a:t>
             </a:r>
           </a:p>
           <a:p>
@@ -8047,14 +7978,7 @@
                 <a:latin typeface="Calibri" charset="0"/>
                 <a:ea typeface="ＭＳ Ｐゴシック" charset="0"/>
               </a:rPr>
-              <a:t>HISAT2</a:t>
-            </a:r>
-            <a:r>
-              <a:rPr lang="en-US" dirty="0" smtClean="0">
-                <a:latin typeface="Calibri" charset="0"/>
-                <a:ea typeface="ＭＳ Ｐゴシック" charset="0"/>
-              </a:rPr>
-              <a:t>/</a:t>
+              <a:t>HISAT2/</a:t>
             </a:r>
             <a:r>
               <a:rPr lang="en-US" dirty="0" err="1" smtClean="0">
@@ -8080,14 +8004,7 @@
                 <a:latin typeface="Calibri" charset="0"/>
                 <a:ea typeface="ＭＳ Ｐゴシック" charset="0"/>
               </a:rPr>
-              <a:t>HISAT2</a:t>
-            </a:r>
-            <a:r>
-              <a:rPr lang="en-US" dirty="0" smtClean="0">
-                <a:latin typeface="Calibri" charset="0"/>
-                <a:ea typeface="ＭＳ Ｐゴシック" charset="0"/>
-              </a:rPr>
-              <a:t>/</a:t>
+              <a:t>HISAT2/</a:t>
             </a:r>
             <a:r>
               <a:rPr lang="en-US" dirty="0" err="1" smtClean="0">
@@ -8613,6 +8530,55 @@
                 <a:latin typeface="Calibri" charset="0"/>
                 <a:ea typeface="ＭＳ Ｐゴシック" charset="0"/>
               </a:rPr>
+              <a:t>https://</a:t>
+            </a:r>
+            <a:r>
+              <a:rPr lang="en-US" dirty="0" err="1">
+                <a:latin typeface="Calibri" charset="0"/>
+                <a:ea typeface="ＭＳ Ｐゴシック" charset="0"/>
+              </a:rPr>
+              <a:t>github.com</a:t>
+            </a:r>
+            <a:r>
+              <a:rPr lang="en-US" dirty="0">
+                <a:latin typeface="Calibri" charset="0"/>
+                <a:ea typeface="ＭＳ Ｐゴシック" charset="0"/>
+              </a:rPr>
+              <a:t>/</a:t>
+            </a:r>
+            <a:r>
+              <a:rPr lang="en-US" dirty="0" err="1">
+                <a:latin typeface="Calibri" charset="0"/>
+                <a:ea typeface="ＭＳ Ｐゴシック" charset="0"/>
+              </a:rPr>
+              <a:t>alyssafrazee</a:t>
+            </a:r>
+            <a:r>
+              <a:rPr lang="en-US" dirty="0">
+                <a:latin typeface="Calibri" charset="0"/>
+                <a:ea typeface="ＭＳ Ｐゴシック" charset="0"/>
+              </a:rPr>
+              <a:t>/</a:t>
+            </a:r>
+            <a:r>
+              <a:rPr lang="en-US" dirty="0" err="1">
+                <a:latin typeface="Calibri" charset="0"/>
+                <a:ea typeface="ＭＳ Ｐゴシック" charset="0"/>
+              </a:rPr>
+              <a:t>ballgown</a:t>
+            </a:r>
+            <a:endParaRPr lang="en-US" dirty="0" smtClean="0">
+              <a:latin typeface="Calibri" charset="0"/>
+              <a:ea typeface="ＭＳ Ｐゴシック" charset="0"/>
+            </a:endParaRPr>
+          </a:p>
+          <a:p>
+            <a:pPr lvl="1"/>
+            <a:r>
+              <a:rPr lang="en-US" dirty="0">
+                <a:latin typeface="Calibri" charset="0"/>
+                <a:ea typeface="ＭＳ Ｐゴシック" charset="0"/>
+              </a:rPr>
               <a:t>http://</a:t>
             </a:r>
             <a:r>
@@ -8659,7 +8625,7 @@
       </p:sp>
       <p:pic>
         <p:nvPicPr>
-          <p:cNvPr id="25603" name="Picture 3" descr="cummeRbund-manual-features_3.png"/>
+          <p:cNvPr id="2" name="Picture 1" descr="nprot.2016.095-F3.jpg"/>
           <p:cNvPicPr>
             <a:picLocks noChangeAspect="1"/>
           </p:cNvPicPr>
@@ -8673,47 +8639,23 @@
               </a:ext>
             </a:extLst>
           </a:blip>
-          <a:srcRect/>
           <a:stretch>
             <a:fillRect/>
           </a:stretch>
         </p:blipFill>
-        <p:spPr bwMode="auto">
+        <p:spPr>
           <a:xfrm>
-            <a:off x="323850" y="4005263"/>
-            <a:ext cx="2095500" cy="2095500"/>
+            <a:off x="107504" y="4365104"/>
+            <a:ext cx="1881015" cy="1800200"/>
           </a:xfrm>
           <a:prstGeom prst="rect">
             <a:avLst/>
           </a:prstGeom>
-          <a:noFill/>
-          <a:ln>
-            <a:noFill/>
-          </a:ln>
-          <a:extLst>
-            <a:ext uri="{909E8E84-426E-40dd-AFC4-6F175D3DCCD1}">
-              <a14:hiddenFill xmlns:a14="http://schemas.microsoft.com/office/drawing/2010/main">
-                <a:solidFill>
-                  <a:srgbClr val="FFFFFF"/>
-                </a:solidFill>
-              </a14:hiddenFill>
-            </a:ext>
-            <a:ext uri="{91240B29-F687-4f45-9708-019B960494DF}">
-              <a14:hiddenLine xmlns:a14="http://schemas.microsoft.com/office/drawing/2010/main" w="9525">
-                <a:solidFill>
-                  <a:srgbClr val="000000"/>
-                </a:solidFill>
-                <a:miter lim="800000"/>
-                <a:headEnd/>
-                <a:tailEnd/>
-              </a14:hiddenLine>
-            </a:ext>
-          </a:extLst>
         </p:spPr>
       </p:pic>
       <p:pic>
         <p:nvPicPr>
-          <p:cNvPr id="25604" name="Picture 4" descr="cummeRbund-manual-geneset_plots_isoform_heatmap-2.png"/>
+          <p:cNvPr id="3" name="Picture 2" descr="nprot.2016.095-F4.jpg"/>
           <p:cNvPicPr>
             <a:picLocks noChangeAspect="1"/>
           </p:cNvPicPr>
@@ -8727,47 +8669,23 @@
               </a:ext>
             </a:extLst>
           </a:blip>
-          <a:srcRect/>
           <a:stretch>
             <a:fillRect/>
           </a:stretch>
         </p:blipFill>
-        <p:spPr bwMode="auto">
+        <p:spPr>
           <a:xfrm>
-            <a:off x="2771775" y="4141788"/>
-            <a:ext cx="1806575" cy="1808162"/>
+            <a:off x="2051720" y="4314454"/>
+            <a:ext cx="2070062" cy="1922858"/>
           </a:xfrm>
           <a:prstGeom prst="rect">
             <a:avLst/>
           </a:prstGeom>
-          <a:noFill/>
-          <a:ln>
-            <a:noFill/>
-          </a:ln>
-          <a:extLst>
-            <a:ext uri="{909E8E84-426E-40dd-AFC4-6F175D3DCCD1}">
-              <a14:hiddenFill xmlns:a14="http://schemas.microsoft.com/office/drawing/2010/main">
-                <a:solidFill>
-                  <a:srgbClr val="FFFFFF"/>
-                </a:solidFill>
-              </a14:hiddenFill>
-            </a:ext>
-            <a:ext uri="{91240B29-F687-4f45-9708-019B960494DF}">
-              <a14:hiddenLine xmlns:a14="http://schemas.microsoft.com/office/drawing/2010/main" w="9525">
-                <a:solidFill>
-                  <a:srgbClr val="000000"/>
-                </a:solidFill>
-                <a:miter lim="800000"/>
-                <a:headEnd/>
-                <a:tailEnd/>
-              </a14:hiddenLine>
-            </a:ext>
-          </a:extLst>
         </p:spPr>
       </p:pic>
       <p:pic>
         <p:nvPicPr>
-          <p:cNvPr id="25605" name="Picture 5" descr="cummeRbund-manual-global_plots_volcano_1-0.png"/>
+          <p:cNvPr id="4" name="Picture 3" descr="nprot.2016.095-F5.jpg"/>
           <p:cNvPicPr>
             <a:picLocks noChangeAspect="1"/>
           </p:cNvPicPr>
@@ -8781,47 +8699,23 @@
               </a:ext>
             </a:extLst>
           </a:blip>
-          <a:srcRect/>
           <a:stretch>
             <a:fillRect/>
           </a:stretch>
         </p:blipFill>
-        <p:spPr bwMode="auto">
+        <p:spPr>
           <a:xfrm>
-            <a:off x="4787900" y="4076700"/>
-            <a:ext cx="2087563" cy="2089150"/>
+            <a:off x="4215291" y="4314320"/>
+            <a:ext cx="2012893" cy="1995000"/>
           </a:xfrm>
           <a:prstGeom prst="rect">
             <a:avLst/>
           </a:prstGeom>
-          <a:noFill/>
-          <a:ln>
-            <a:noFill/>
-          </a:ln>
-          <a:extLst>
-            <a:ext uri="{909E8E84-426E-40dd-AFC4-6F175D3DCCD1}">
-              <a14:hiddenFill xmlns:a14="http://schemas.microsoft.com/office/drawing/2010/main">
-                <a:solidFill>
-                  <a:srgbClr val="FFFFFF"/>
-                </a:solidFill>
-              </a14:hiddenFill>
-            </a:ext>
-            <a:ext uri="{91240B29-F687-4f45-9708-019B960494DF}">
-              <a14:hiddenLine xmlns:a14="http://schemas.microsoft.com/office/drawing/2010/main" w="9525">
-                <a:solidFill>
-                  <a:srgbClr val="000000"/>
-                </a:solidFill>
-                <a:miter lim="800000"/>
-                <a:headEnd/>
-                <a:tailEnd/>
-              </a14:hiddenLine>
-            </a:ext>
-          </a:extLst>
         </p:spPr>
       </p:pic>
       <p:pic>
         <p:nvPicPr>
-          <p:cNvPr id="25606" name="Picture 6" descr="ENCODE_SCV.png"/>
+          <p:cNvPr id="5" name="Picture 4" descr="nprot.2016.095-F6.jpg"/>
           <p:cNvPicPr>
             <a:picLocks noChangeAspect="1"/>
           </p:cNvPicPr>
@@ -8835,42 +8729,18 @@
               </a:ext>
             </a:extLst>
           </a:blip>
-          <a:srcRect r="49957"/>
           <a:stretch>
             <a:fillRect/>
           </a:stretch>
         </p:blipFill>
-        <p:spPr bwMode="auto">
+        <p:spPr>
           <a:xfrm>
-            <a:off x="6948488" y="4221163"/>
-            <a:ext cx="1763712" cy="1762125"/>
+            <a:off x="6300192" y="4377251"/>
+            <a:ext cx="2686439" cy="1860061"/>
           </a:xfrm>
           <a:prstGeom prst="rect">
             <a:avLst/>
           </a:prstGeom>
-          <a:noFill/>
-          <a:ln>
-            <a:noFill/>
-          </a:ln>
-          <a:extLst>
-            <a:ext uri="{909E8E84-426E-40dd-AFC4-6F175D3DCCD1}">
-              <a14:hiddenFill xmlns:a14="http://schemas.microsoft.com/office/drawing/2010/main">
-                <a:solidFill>
-                  <a:srgbClr val="FFFFFF"/>
-                </a:solidFill>
-              </a14:hiddenFill>
-            </a:ext>
-            <a:ext uri="{91240B29-F687-4f45-9708-019B960494DF}">
-              <a14:hiddenLine xmlns:a14="http://schemas.microsoft.com/office/drawing/2010/main" w="9525">
-                <a:solidFill>
-                  <a:srgbClr val="000000"/>
-                </a:solidFill>
-                <a:miter lim="800000"/>
-                <a:headEnd/>
-                <a:tailEnd/>
-              </a14:hiddenLine>
-            </a:ext>
-          </a:extLst>
         </p:spPr>
       </p:pic>
     </p:spTree>

--- a/LectureFiles/cshl/2016/RNASeq_Module3_Tutorial.pptx
+++ b/LectureFiles/cshl/2016/RNASeq_Module3_Tutorial.pptx
@@ -1932,14 +1932,6 @@
           </a:bodyPr>
           <a:lstStyle/>
           <a:p>
-            <a:r>
-              <a:rPr lang="en-US" dirty="0" smtClean="0">
-                <a:latin typeface="Calibri" charset="0"/>
-                <a:ea typeface="ＭＳ Ｐゴシック" charset="0"/>
-                <a:cs typeface="ＭＳ Ｐゴシック" charset="0"/>
-              </a:rPr>
-              <a:t>TODO: Update the figures.</a:t>
-            </a:r>
             <a:endParaRPr lang="en-US" dirty="0">
               <a:latin typeface="Calibri" charset="0"/>
               <a:ea typeface="ＭＳ Ｐゴシック" charset="0"/>
